--- a/SWEN3004/CipherChat Presentation.pptx
+++ b/SWEN3004/CipherChat Presentation.pptx
@@ -13,10 +13,11 @@
     <p:sldId id="261" r:id="rId7"/>
     <p:sldId id="259" r:id="rId8"/>
     <p:sldId id="260" r:id="rId9"/>
-    <p:sldId id="262" r:id="rId10"/>
-    <p:sldId id="264" r:id="rId11"/>
-    <p:sldId id="265" r:id="rId12"/>
-    <p:sldId id="266" r:id="rId13"/>
+    <p:sldId id="268" r:id="rId10"/>
+    <p:sldId id="262" r:id="rId11"/>
+    <p:sldId id="264" r:id="rId12"/>
+    <p:sldId id="265" r:id="rId13"/>
+    <p:sldId id="266" r:id="rId14"/>
   </p:sldIdLst>
   <p:sldSz cx="9144000" cy="6858000" type="screen4x3"/>
   <p:notesSz cx="6858000" cy="9144000"/>
@@ -299,7 +300,7 @@
           <a:p>
             <a:fld id="{72E4B8C5-FDE9-40E7-A1FE-02759727A400}" type="datetimeFigureOut">
               <a:rPr lang="en-US" smtClean="0"/>
-              <a:t>5/1/2019</a:t>
+              <a:t>5/2/2019</a:t>
             </a:fld>
             <a:endParaRPr lang="en-US"/>
           </a:p>
@@ -469,7 +470,7 @@
           <a:p>
             <a:fld id="{72E4B8C5-FDE9-40E7-A1FE-02759727A400}" type="datetimeFigureOut">
               <a:rPr lang="en-US" smtClean="0"/>
-              <a:t>5/1/2019</a:t>
+              <a:t>5/2/2019</a:t>
             </a:fld>
             <a:endParaRPr lang="en-US"/>
           </a:p>
@@ -649,7 +650,7 @@
           <a:p>
             <a:fld id="{72E4B8C5-FDE9-40E7-A1FE-02759727A400}" type="datetimeFigureOut">
               <a:rPr lang="en-US" smtClean="0"/>
-              <a:t>5/1/2019</a:t>
+              <a:t>5/2/2019</a:t>
             </a:fld>
             <a:endParaRPr lang="en-US"/>
           </a:p>
@@ -819,7 +820,7 @@
           <a:p>
             <a:fld id="{72E4B8C5-FDE9-40E7-A1FE-02759727A400}" type="datetimeFigureOut">
               <a:rPr lang="en-US" smtClean="0"/>
-              <a:t>5/1/2019</a:t>
+              <a:t>5/2/2019</a:t>
             </a:fld>
             <a:endParaRPr lang="en-US"/>
           </a:p>
@@ -1065,7 +1066,7 @@
           <a:p>
             <a:fld id="{72E4B8C5-FDE9-40E7-A1FE-02759727A400}" type="datetimeFigureOut">
               <a:rPr lang="en-US" smtClean="0"/>
-              <a:t>5/1/2019</a:t>
+              <a:t>5/2/2019</a:t>
             </a:fld>
             <a:endParaRPr lang="en-US"/>
           </a:p>
@@ -1353,7 +1354,7 @@
           <a:p>
             <a:fld id="{72E4B8C5-FDE9-40E7-A1FE-02759727A400}" type="datetimeFigureOut">
               <a:rPr lang="en-US" smtClean="0"/>
-              <a:t>5/1/2019</a:t>
+              <a:t>5/2/2019</a:t>
             </a:fld>
             <a:endParaRPr lang="en-US"/>
           </a:p>
@@ -1775,7 +1776,7 @@
           <a:p>
             <a:fld id="{72E4B8C5-FDE9-40E7-A1FE-02759727A400}" type="datetimeFigureOut">
               <a:rPr lang="en-US" smtClean="0"/>
-              <a:t>5/1/2019</a:t>
+              <a:t>5/2/2019</a:t>
             </a:fld>
             <a:endParaRPr lang="en-US"/>
           </a:p>
@@ -1893,7 +1894,7 @@
           <a:p>
             <a:fld id="{72E4B8C5-FDE9-40E7-A1FE-02759727A400}" type="datetimeFigureOut">
               <a:rPr lang="en-US" smtClean="0"/>
-              <a:t>5/1/2019</a:t>
+              <a:t>5/2/2019</a:t>
             </a:fld>
             <a:endParaRPr lang="en-US"/>
           </a:p>
@@ -1988,7 +1989,7 @@
           <a:p>
             <a:fld id="{72E4B8C5-FDE9-40E7-A1FE-02759727A400}" type="datetimeFigureOut">
               <a:rPr lang="en-US" smtClean="0"/>
-              <a:t>5/1/2019</a:t>
+              <a:t>5/2/2019</a:t>
             </a:fld>
             <a:endParaRPr lang="en-US"/>
           </a:p>
@@ -2265,7 +2266,7 @@
           <a:p>
             <a:fld id="{72E4B8C5-FDE9-40E7-A1FE-02759727A400}" type="datetimeFigureOut">
               <a:rPr lang="en-US" smtClean="0"/>
-              <a:t>5/1/2019</a:t>
+              <a:t>5/2/2019</a:t>
             </a:fld>
             <a:endParaRPr lang="en-US"/>
           </a:p>
@@ -2518,7 +2519,7 @@
           <a:p>
             <a:fld id="{72E4B8C5-FDE9-40E7-A1FE-02759727A400}" type="datetimeFigureOut">
               <a:rPr lang="en-US" smtClean="0"/>
-              <a:t>5/1/2019</a:t>
+              <a:t>5/2/2019</a:t>
             </a:fld>
             <a:endParaRPr lang="en-US"/>
           </a:p>
@@ -2741,7 +2742,7 @@
           <a:p>
             <a:fld id="{72E4B8C5-FDE9-40E7-A1FE-02759727A400}" type="datetimeFigureOut">
               <a:rPr lang="en-US" smtClean="0"/>
-              <a:t>5/1/2019</a:t>
+              <a:t>5/2/2019</a:t>
             </a:fld>
             <a:endParaRPr lang="en-US"/>
           </a:p>
@@ -3305,7 +3306,7 @@
       </p:sp>
       <p:pic>
         <p:nvPicPr>
-          <p:cNvPr id="6146" name="Picture 2"/>
+          <p:cNvPr id="2051" name="Picture 3"/>
           <p:cNvPicPr>
             <a:picLocks noChangeAspect="1" noChangeArrowheads="1"/>
           </p:cNvPicPr>
@@ -3326,8 +3327,8 @@
         </p:blipFill>
         <p:spPr bwMode="auto">
           <a:xfrm>
-            <a:off x="2057400" y="1905000"/>
-            <a:ext cx="1131006" cy="1066800"/>
+            <a:off x="1981200" y="1828800"/>
+            <a:ext cx="1139190" cy="1069848"/>
           </a:xfrm>
           <a:prstGeom prst="rect">
             <a:avLst/>
@@ -3416,8 +3417,8 @@
         </p:nvSpPr>
         <p:spPr>
           <a:xfrm>
-            <a:off x="0" y="2514600"/>
-            <a:ext cx="9144000" cy="1447800"/>
+            <a:off x="304800" y="152400"/>
+            <a:ext cx="8610600" cy="1447800"/>
           </a:xfrm>
         </p:spPr>
         <p:txBody>
@@ -3426,13 +3427,14 @@
           </a:bodyPr>
           <a:lstStyle/>
           <a:p>
+            <a:pPr algn="l"/>
             <a:r>
               <a:rPr lang="en-US" dirty="0" smtClean="0">
                 <a:solidFill>
                   <a:schemeClr val="bg1"/>
                 </a:solidFill>
               </a:rPr>
-              <a:t>Live Demonstration</a:t>
+              <a:t>Open Source</a:t>
             </a:r>
             <a:endParaRPr lang="en-US" dirty="0">
               <a:solidFill>
@@ -3442,10 +3444,153 @@
           </a:p>
         </p:txBody>
       </p:sp>
+      <p:sp>
+        <p:nvSpPr>
+          <p:cNvPr id="3" name="Subtitle 2"/>
+          <p:cNvSpPr>
+            <a:spLocks noGrp="1"/>
+          </p:cNvSpPr>
+          <p:nvPr>
+            <p:ph type="subTitle" idx="1"/>
+          </p:nvPr>
+        </p:nvSpPr>
+        <p:spPr>
+          <a:xfrm>
+            <a:off x="304800" y="1295400"/>
+            <a:ext cx="8534400" cy="5029200"/>
+          </a:xfrm>
+        </p:spPr>
+        <p:txBody>
+          <a:bodyPr>
+            <a:normAutofit/>
+          </a:bodyPr>
+          <a:lstStyle/>
+          <a:p>
+            <a:pPr algn="l"/>
+            <a:r>
+              <a:rPr lang="en-US" sz="3100" u="sng" dirty="0" smtClean="0">
+                <a:solidFill>
+                  <a:schemeClr val="bg1"/>
+                </a:solidFill>
+              </a:rPr>
+              <a:t>Food for Thought</a:t>
+            </a:r>
+          </a:p>
+          <a:p>
+            <a:pPr marL="514350" indent="-514350" algn="l">
+              <a:buFont typeface="+mj-lt"/>
+              <a:buAutoNum type="arabicPeriod"/>
+            </a:pPr>
+            <a:r>
+              <a:rPr lang="en-US" sz="3100" dirty="0" smtClean="0">
+                <a:solidFill>
+                  <a:schemeClr val="bg1"/>
+                </a:solidFill>
+              </a:rPr>
+              <a:t>Why should anyone trust applications if they cannot prove for themselves that it is secure?</a:t>
+            </a:r>
+          </a:p>
+          <a:p>
+            <a:pPr marL="514350" indent="-514350" algn="l">
+              <a:buFont typeface="+mj-lt"/>
+              <a:buAutoNum type="arabicPeriod"/>
+            </a:pPr>
+            <a:r>
+              <a:rPr lang="en-US" sz="3100" dirty="0" smtClean="0">
+                <a:solidFill>
+                  <a:schemeClr val="bg1"/>
+                </a:solidFill>
+              </a:rPr>
+              <a:t>Applications </a:t>
+            </a:r>
+            <a:r>
+              <a:rPr lang="en-US" sz="3100" dirty="0">
+                <a:solidFill>
+                  <a:schemeClr val="bg1"/>
+                </a:solidFill>
+              </a:rPr>
+              <a:t>should </a:t>
+            </a:r>
+            <a:r>
+              <a:rPr lang="en-US" sz="3100" dirty="0" smtClean="0">
+                <a:solidFill>
+                  <a:schemeClr val="bg1"/>
+                </a:solidFill>
+              </a:rPr>
+              <a:t>be secure by design and not by policy!</a:t>
+            </a:r>
+          </a:p>
+          <a:p>
+            <a:pPr marL="514350" indent="-514350" algn="l">
+              <a:buFont typeface="+mj-lt"/>
+              <a:buAutoNum type="arabicPeriod"/>
+            </a:pPr>
+            <a:endParaRPr lang="en-US" sz="3100" dirty="0" smtClean="0">
+              <a:solidFill>
+                <a:schemeClr val="bg1"/>
+              </a:solidFill>
+            </a:endParaRPr>
+          </a:p>
+          <a:p>
+            <a:pPr algn="l"/>
+            <a:r>
+              <a:rPr lang="en-US" sz="3100" dirty="0" err="1" smtClean="0">
+                <a:solidFill>
+                  <a:schemeClr val="bg1"/>
+                </a:solidFill>
+              </a:rPr>
+              <a:t>CipherChat</a:t>
+            </a:r>
+            <a:r>
+              <a:rPr lang="en-US" sz="3100" dirty="0" smtClean="0">
+                <a:solidFill>
+                  <a:schemeClr val="bg1"/>
+                </a:solidFill>
+              </a:rPr>
+              <a:t> is completely Open Source and is secure by design. In other words it is virtually </a:t>
+            </a:r>
+            <a:r>
+              <a:rPr lang="en-US" sz="3100" dirty="0" err="1" smtClean="0">
+                <a:solidFill>
+                  <a:schemeClr val="bg1"/>
+                </a:solidFill>
+              </a:rPr>
+              <a:t>hackproof</a:t>
+            </a:r>
+            <a:endParaRPr lang="en-US" sz="3100" dirty="0" smtClean="0">
+              <a:solidFill>
+                <a:schemeClr val="bg1"/>
+              </a:solidFill>
+            </a:endParaRPr>
+          </a:p>
+          <a:p>
+            <a:endParaRPr lang="en-US" sz="900" dirty="0" smtClean="0">
+              <a:solidFill>
+                <a:schemeClr val="bg1"/>
+              </a:solidFill>
+            </a:endParaRPr>
+          </a:p>
+          <a:p>
+            <a:r>
+              <a:rPr lang="en-US" sz="3100">
+                <a:solidFill>
+                  <a:schemeClr val="bg1"/>
+                </a:solidFill>
+              </a:rPr>
+              <a:t>https://github.com/CipherChat/CipherChat/</a:t>
+            </a:r>
+            <a:endParaRPr lang="en-US" sz="3100" dirty="0">
+              <a:solidFill>
+                <a:schemeClr val="bg1"/>
+              </a:solidFill>
+            </a:endParaRPr>
+          </a:p>
+        </p:txBody>
+      </p:sp>
     </p:spTree>
     <p:extLst>
       <p:ext uri="{BB962C8B-B14F-4D97-AF65-F5344CB8AC3E}">
-        <p14:creationId xmlns:p14="http://schemas.microsoft.com/office/powerpoint/2010/main" val="2589255197"/>
+        <p14:creationId xmlns:p14="http://schemas.microsoft.com/office/powerpoint/2010/main" val="1616725130"/>
       </p:ext>
     </p:extLst>
   </p:cSld>
@@ -3491,8 +3636,8 @@
         </p:nvSpPr>
         <p:spPr>
           <a:xfrm>
-            <a:off x="304800" y="152400"/>
-            <a:ext cx="8610600" cy="1447800"/>
+            <a:off x="0" y="2514600"/>
+            <a:ext cx="9144000" cy="1447800"/>
           </a:xfrm>
         </p:spPr>
         <p:txBody>
@@ -3501,14 +3646,13 @@
           </a:bodyPr>
           <a:lstStyle/>
           <a:p>
-            <a:pPr algn="l"/>
             <a:r>
               <a:rPr lang="en-US" dirty="0" smtClean="0">
                 <a:solidFill>
                   <a:schemeClr val="bg1"/>
                 </a:solidFill>
               </a:rPr>
-              <a:t>Future Improvements</a:t>
+              <a:t>Live Demonstration</a:t>
             </a:r>
             <a:endParaRPr lang="en-US" dirty="0">
               <a:solidFill>
@@ -3518,218 +3662,10 @@
           </a:p>
         </p:txBody>
       </p:sp>
-      <p:sp>
-        <p:nvSpPr>
-          <p:cNvPr id="3" name="Subtitle 2"/>
-          <p:cNvSpPr>
-            <a:spLocks noGrp="1"/>
-          </p:cNvSpPr>
-          <p:nvPr>
-            <p:ph type="subTitle" idx="1"/>
-          </p:nvPr>
-        </p:nvSpPr>
-        <p:spPr>
-          <a:xfrm>
-            <a:off x="304800" y="1295400"/>
-            <a:ext cx="8534400" cy="5214582"/>
-          </a:xfrm>
-        </p:spPr>
-        <p:txBody>
-          <a:bodyPr>
-            <a:normAutofit/>
-          </a:bodyPr>
-          <a:lstStyle/>
-          <a:p>
-            <a:pPr marL="514350" indent="-514350" algn="l">
-              <a:buFont typeface="+mj-lt"/>
-              <a:buAutoNum type="arabicPeriod"/>
-            </a:pPr>
-            <a:r>
-              <a:rPr lang="en-US" sz="3100" dirty="0" smtClean="0">
-                <a:solidFill>
-                  <a:schemeClr val="bg1"/>
-                </a:solidFill>
-              </a:rPr>
-              <a:t>Use of </a:t>
-            </a:r>
-            <a:r>
-              <a:rPr lang="en-US" sz="3100" dirty="0" err="1">
-                <a:solidFill>
-                  <a:schemeClr val="bg1"/>
-                </a:solidFill>
-              </a:rPr>
-              <a:t>w</a:t>
-            </a:r>
-            <a:r>
-              <a:rPr lang="en-US" sz="3100" dirty="0" err="1" smtClean="0">
-                <a:solidFill>
-                  <a:schemeClr val="bg1"/>
-                </a:solidFill>
-              </a:rPr>
-              <a:t>ebsockets</a:t>
-            </a:r>
-            <a:r>
-              <a:rPr lang="en-US" sz="3100" dirty="0" smtClean="0">
-                <a:solidFill>
-                  <a:schemeClr val="bg1"/>
-                </a:solidFill>
-              </a:rPr>
-              <a:t> instead of polling</a:t>
-            </a:r>
-            <a:endParaRPr lang="en-US" sz="3100" dirty="0">
-              <a:solidFill>
-                <a:schemeClr val="bg1"/>
-              </a:solidFill>
-            </a:endParaRPr>
-          </a:p>
-          <a:p>
-            <a:pPr marL="514350" indent="-514350" algn="l">
-              <a:buFont typeface="+mj-lt"/>
-              <a:buAutoNum type="arabicPeriod"/>
-            </a:pPr>
-            <a:r>
-              <a:rPr lang="en-US" sz="3100" dirty="0" smtClean="0">
-                <a:solidFill>
-                  <a:schemeClr val="bg1"/>
-                </a:solidFill>
-              </a:rPr>
-              <a:t>Allow for the parsing of more complex data such as images and videos</a:t>
-            </a:r>
-          </a:p>
-          <a:p>
-            <a:pPr marL="514350" indent="-514350" algn="l">
-              <a:buFont typeface="+mj-lt"/>
-              <a:buAutoNum type="arabicPeriod"/>
-            </a:pPr>
-            <a:r>
-              <a:rPr lang="en-US" sz="3100" dirty="0">
-                <a:solidFill>
-                  <a:schemeClr val="bg1"/>
-                </a:solidFill>
-              </a:rPr>
-              <a:t>Create more incentives for person to host their own </a:t>
-            </a:r>
-            <a:r>
-              <a:rPr lang="en-US" sz="3100" dirty="0" err="1">
-                <a:solidFill>
-                  <a:schemeClr val="bg1"/>
-                </a:solidFill>
-              </a:rPr>
-              <a:t>CipherChat</a:t>
-            </a:r>
-            <a:r>
-              <a:rPr lang="en-US" sz="3100" dirty="0">
-                <a:solidFill>
-                  <a:schemeClr val="bg1"/>
-                </a:solidFill>
-              </a:rPr>
-              <a:t> </a:t>
-            </a:r>
-            <a:r>
-              <a:rPr lang="en-US" sz="3100" dirty="0" smtClean="0">
-                <a:solidFill>
-                  <a:schemeClr val="bg1"/>
-                </a:solidFill>
-              </a:rPr>
-              <a:t>servers</a:t>
-            </a:r>
-          </a:p>
-          <a:p>
-            <a:pPr algn="l"/>
-            <a:endParaRPr lang="en-US" sz="1600" dirty="0">
-              <a:solidFill>
-                <a:schemeClr val="bg1"/>
-              </a:solidFill>
-            </a:endParaRPr>
-          </a:p>
-          <a:p>
-            <a:pPr algn="l"/>
-            <a:r>
-              <a:rPr lang="en-US" sz="3100" u="sng" dirty="0" smtClean="0">
-                <a:solidFill>
-                  <a:schemeClr val="bg1"/>
-                </a:solidFill>
-              </a:rPr>
-              <a:t>Distant Future</a:t>
-            </a:r>
-          </a:p>
-          <a:p>
-            <a:pPr marL="514350" indent="-514350" algn="l">
-              <a:buFont typeface="+mj-lt"/>
-              <a:buAutoNum type="arabicPeriod"/>
-            </a:pPr>
-            <a:r>
-              <a:rPr lang="en-US" sz="3100" dirty="0" smtClean="0">
-                <a:solidFill>
-                  <a:schemeClr val="bg1"/>
-                </a:solidFill>
-              </a:rPr>
-              <a:t>Facilitate the </a:t>
-            </a:r>
-            <a:r>
-              <a:rPr lang="en-US" sz="3100" dirty="0">
-                <a:solidFill>
-                  <a:schemeClr val="bg1"/>
-                </a:solidFill>
-              </a:rPr>
-              <a:t>sending of digital </a:t>
-            </a:r>
-            <a:r>
-              <a:rPr lang="en-US" sz="3100" dirty="0" smtClean="0">
-                <a:solidFill>
-                  <a:schemeClr val="bg1"/>
-                </a:solidFill>
-              </a:rPr>
-              <a:t>currency (crypto)</a:t>
-            </a:r>
-            <a:endParaRPr lang="en-US" sz="3100" dirty="0">
-              <a:solidFill>
-                <a:schemeClr val="bg1"/>
-              </a:solidFill>
-            </a:endParaRPr>
-          </a:p>
-          <a:p>
-            <a:pPr marL="514350" indent="-514350" algn="l">
-              <a:buFont typeface="+mj-lt"/>
-              <a:buAutoNum type="arabicPeriod"/>
-            </a:pPr>
-            <a:r>
-              <a:rPr lang="en-US" sz="3100" dirty="0" smtClean="0">
-                <a:solidFill>
-                  <a:schemeClr val="bg1"/>
-                </a:solidFill>
-              </a:rPr>
-              <a:t>Free Decentralized Applets (Cab Hailing, Package Delivery etc.)</a:t>
-            </a:r>
-          </a:p>
-          <a:p>
-            <a:pPr marL="514350" indent="-514350" algn="l">
-              <a:buFont typeface="+mj-lt"/>
-              <a:buAutoNum type="arabicPeriod"/>
-            </a:pPr>
-            <a:endParaRPr lang="en-US" sz="3100" dirty="0" smtClean="0">
-              <a:solidFill>
-                <a:schemeClr val="bg1"/>
-              </a:solidFill>
-            </a:endParaRPr>
-          </a:p>
-          <a:p>
-            <a:pPr marL="514350" indent="-514350" algn="l">
-              <a:buFont typeface="+mj-lt"/>
-              <a:buAutoNum type="arabicPeriod"/>
-            </a:pPr>
-            <a:endParaRPr lang="en-US" sz="3100" dirty="0" smtClean="0">
-              <a:solidFill>
-                <a:schemeClr val="bg1"/>
-              </a:solidFill>
-            </a:endParaRPr>
-          </a:p>
-        </p:txBody>
-      </p:sp>
     </p:spTree>
     <p:extLst>
       <p:ext uri="{BB962C8B-B14F-4D97-AF65-F5344CB8AC3E}">
-        <p14:creationId xmlns:p14="http://schemas.microsoft.com/office/powerpoint/2010/main" val="1032352236"/>
+        <p14:creationId xmlns:p14="http://schemas.microsoft.com/office/powerpoint/2010/main" val="2589255197"/>
       </p:ext>
     </p:extLst>
   </p:cSld>
@@ -3775,6 +3711,356 @@
         </p:nvSpPr>
         <p:spPr>
           <a:xfrm>
+            <a:off x="304800" y="152400"/>
+            <a:ext cx="8610600" cy="1447800"/>
+          </a:xfrm>
+        </p:spPr>
+        <p:txBody>
+          <a:bodyPr>
+            <a:normAutofit/>
+          </a:bodyPr>
+          <a:lstStyle/>
+          <a:p>
+            <a:pPr algn="l"/>
+            <a:r>
+              <a:rPr lang="en-US" dirty="0" smtClean="0">
+                <a:solidFill>
+                  <a:schemeClr val="bg1"/>
+                </a:solidFill>
+              </a:rPr>
+              <a:t>Future Improvements</a:t>
+            </a:r>
+            <a:endParaRPr lang="en-US" dirty="0">
+              <a:solidFill>
+                <a:schemeClr val="bg1"/>
+              </a:solidFill>
+            </a:endParaRPr>
+          </a:p>
+        </p:txBody>
+      </p:sp>
+      <p:sp>
+        <p:nvSpPr>
+          <p:cNvPr id="3" name="Subtitle 2"/>
+          <p:cNvSpPr>
+            <a:spLocks noGrp="1"/>
+          </p:cNvSpPr>
+          <p:nvPr>
+            <p:ph type="subTitle" idx="1"/>
+          </p:nvPr>
+        </p:nvSpPr>
+        <p:spPr>
+          <a:xfrm>
+            <a:off x="304800" y="1219200"/>
+            <a:ext cx="8534400" cy="5410200"/>
+          </a:xfrm>
+        </p:spPr>
+        <p:txBody>
+          <a:bodyPr>
+            <a:normAutofit fontScale="92500" lnSpcReduction="20000"/>
+          </a:bodyPr>
+          <a:lstStyle/>
+          <a:p>
+            <a:pPr marL="514350" indent="-514350" algn="l">
+              <a:buFont typeface="+mj-lt"/>
+              <a:buAutoNum type="arabicPeriod"/>
+            </a:pPr>
+            <a:r>
+              <a:rPr lang="en-US" sz="3100" dirty="0" smtClean="0">
+                <a:solidFill>
+                  <a:schemeClr val="bg1"/>
+                </a:solidFill>
+              </a:rPr>
+              <a:t>Use of </a:t>
+            </a:r>
+            <a:r>
+              <a:rPr lang="en-US" sz="3100" dirty="0" err="1">
+                <a:solidFill>
+                  <a:schemeClr val="bg1"/>
+                </a:solidFill>
+              </a:rPr>
+              <a:t>w</a:t>
+            </a:r>
+            <a:r>
+              <a:rPr lang="en-US" sz="3100" dirty="0" err="1" smtClean="0">
+                <a:solidFill>
+                  <a:schemeClr val="bg1"/>
+                </a:solidFill>
+              </a:rPr>
+              <a:t>ebsockets</a:t>
+            </a:r>
+            <a:r>
+              <a:rPr lang="en-US" sz="3100" dirty="0" smtClean="0">
+                <a:solidFill>
+                  <a:schemeClr val="bg1"/>
+                </a:solidFill>
+              </a:rPr>
+              <a:t> instead of polling</a:t>
+            </a:r>
+            <a:endParaRPr lang="en-US" sz="3100" dirty="0">
+              <a:solidFill>
+                <a:schemeClr val="bg1"/>
+              </a:solidFill>
+            </a:endParaRPr>
+          </a:p>
+          <a:p>
+            <a:pPr marL="514350" indent="-514350" algn="l">
+              <a:buFont typeface="+mj-lt"/>
+              <a:buAutoNum type="arabicPeriod"/>
+            </a:pPr>
+            <a:r>
+              <a:rPr lang="en-US" sz="3100" dirty="0" smtClean="0">
+                <a:solidFill>
+                  <a:schemeClr val="bg1"/>
+                </a:solidFill>
+              </a:rPr>
+              <a:t>Create </a:t>
+            </a:r>
+            <a:r>
+              <a:rPr lang="en-US" sz="3100" dirty="0">
+                <a:solidFill>
+                  <a:schemeClr val="bg1"/>
+                </a:solidFill>
+              </a:rPr>
+              <a:t>more incentives for person to host their own </a:t>
+            </a:r>
+            <a:r>
+              <a:rPr lang="en-US" sz="3100" dirty="0" err="1">
+                <a:solidFill>
+                  <a:schemeClr val="bg1"/>
+                </a:solidFill>
+              </a:rPr>
+              <a:t>CipherChat</a:t>
+            </a:r>
+            <a:r>
+              <a:rPr lang="en-US" sz="3100" dirty="0">
+                <a:solidFill>
+                  <a:schemeClr val="bg1"/>
+                </a:solidFill>
+              </a:rPr>
+              <a:t> </a:t>
+            </a:r>
+            <a:r>
+              <a:rPr lang="en-US" sz="3100" dirty="0" smtClean="0">
+                <a:solidFill>
+                  <a:schemeClr val="bg1"/>
+                </a:solidFill>
+              </a:rPr>
+              <a:t>servers</a:t>
+            </a:r>
+          </a:p>
+          <a:p>
+            <a:pPr marL="514350" indent="-514350" algn="l">
+              <a:buFont typeface="+mj-lt"/>
+              <a:buAutoNum type="arabicPeriod"/>
+            </a:pPr>
+            <a:r>
+              <a:rPr lang="en-US" sz="3100" dirty="0" smtClean="0">
+                <a:solidFill>
+                  <a:schemeClr val="bg1"/>
+                </a:solidFill>
+              </a:rPr>
+              <a:t>Notifications</a:t>
+            </a:r>
+          </a:p>
+          <a:p>
+            <a:pPr marL="514350" indent="-514350" algn="l">
+              <a:buFont typeface="+mj-lt"/>
+              <a:buAutoNum type="arabicPeriod"/>
+            </a:pPr>
+            <a:r>
+              <a:rPr lang="en-US" sz="3100" dirty="0" smtClean="0">
+                <a:solidFill>
+                  <a:schemeClr val="bg1"/>
+                </a:solidFill>
+              </a:rPr>
+              <a:t>Make app multilingual</a:t>
+            </a:r>
+          </a:p>
+          <a:p>
+            <a:pPr marL="514350" indent="-514350" algn="l">
+              <a:buFont typeface="+mj-lt"/>
+              <a:buAutoNum type="arabicPeriod"/>
+            </a:pPr>
+            <a:r>
+              <a:rPr lang="en-US" sz="3100" dirty="0" smtClean="0">
+                <a:solidFill>
+                  <a:schemeClr val="bg1"/>
+                </a:solidFill>
+              </a:rPr>
+              <a:t>Allow </a:t>
+            </a:r>
+            <a:r>
+              <a:rPr lang="en-US" sz="3100" dirty="0">
+                <a:solidFill>
+                  <a:schemeClr val="bg1"/>
+                </a:solidFill>
+              </a:rPr>
+              <a:t>for the parsing of more complex data such as images and </a:t>
+            </a:r>
+            <a:r>
+              <a:rPr lang="en-US" sz="3100" dirty="0" smtClean="0">
+                <a:solidFill>
+                  <a:schemeClr val="bg1"/>
+                </a:solidFill>
+              </a:rPr>
+              <a:t>videos</a:t>
+            </a:r>
+          </a:p>
+          <a:p>
+            <a:pPr algn="l"/>
+            <a:endParaRPr lang="en-US" sz="1600" dirty="0">
+              <a:solidFill>
+                <a:schemeClr val="bg1"/>
+              </a:solidFill>
+            </a:endParaRPr>
+          </a:p>
+          <a:p>
+            <a:pPr algn="l"/>
+            <a:r>
+              <a:rPr lang="en-US" sz="3100" u="sng" dirty="0" smtClean="0">
+                <a:solidFill>
+                  <a:schemeClr val="bg1"/>
+                </a:solidFill>
+              </a:rPr>
+              <a:t>Distant Future</a:t>
+            </a:r>
+          </a:p>
+          <a:p>
+            <a:pPr marL="514350" indent="-514350" algn="l">
+              <a:buFont typeface="+mj-lt"/>
+              <a:buAutoNum type="arabicPeriod"/>
+            </a:pPr>
+            <a:r>
+              <a:rPr lang="en-US" sz="3100" dirty="0" smtClean="0">
+                <a:solidFill>
+                  <a:schemeClr val="bg1"/>
+                </a:solidFill>
+              </a:rPr>
+              <a:t>Facilitate the </a:t>
+            </a:r>
+            <a:r>
+              <a:rPr lang="en-US" sz="3100" dirty="0">
+                <a:solidFill>
+                  <a:schemeClr val="bg1"/>
+                </a:solidFill>
+              </a:rPr>
+              <a:t>sending of digital </a:t>
+            </a:r>
+            <a:r>
+              <a:rPr lang="en-US" sz="3100" dirty="0" smtClean="0">
+                <a:solidFill>
+                  <a:schemeClr val="bg1"/>
+                </a:solidFill>
+              </a:rPr>
+              <a:t>currency (crypto)</a:t>
+            </a:r>
+          </a:p>
+          <a:p>
+            <a:pPr marL="514350" indent="-514350" algn="l">
+              <a:buFont typeface="+mj-lt"/>
+              <a:buAutoNum type="arabicPeriod"/>
+            </a:pPr>
+            <a:r>
+              <a:rPr lang="en-US" sz="3100" dirty="0" err="1" smtClean="0">
+                <a:solidFill>
+                  <a:schemeClr val="bg1"/>
+                </a:solidFill>
+              </a:rPr>
+              <a:t>Blockchain</a:t>
+            </a:r>
+            <a:endParaRPr lang="en-US" sz="3100" dirty="0">
+              <a:solidFill>
+                <a:schemeClr val="bg1"/>
+              </a:solidFill>
+            </a:endParaRPr>
+          </a:p>
+          <a:p>
+            <a:pPr marL="514350" indent="-514350" algn="l">
+              <a:buFont typeface="+mj-lt"/>
+              <a:buAutoNum type="arabicPeriod"/>
+            </a:pPr>
+            <a:r>
+              <a:rPr lang="en-US" sz="3100" dirty="0" smtClean="0">
+                <a:solidFill>
+                  <a:schemeClr val="bg1"/>
+                </a:solidFill>
+              </a:rPr>
+              <a:t>Free Decentralized Applets (Cab Hailing, Package Delivery etc.)</a:t>
+            </a:r>
+          </a:p>
+          <a:p>
+            <a:pPr marL="514350" indent="-514350" algn="l">
+              <a:buFont typeface="+mj-lt"/>
+              <a:buAutoNum type="arabicPeriod"/>
+            </a:pPr>
+            <a:endParaRPr lang="en-US" sz="3100" dirty="0" smtClean="0">
+              <a:solidFill>
+                <a:schemeClr val="bg1"/>
+              </a:solidFill>
+            </a:endParaRPr>
+          </a:p>
+          <a:p>
+            <a:pPr marL="514350" indent="-514350" algn="l">
+              <a:buFont typeface="+mj-lt"/>
+              <a:buAutoNum type="arabicPeriod"/>
+            </a:pPr>
+            <a:endParaRPr lang="en-US" sz="3100" dirty="0" smtClean="0">
+              <a:solidFill>
+                <a:schemeClr val="bg1"/>
+              </a:solidFill>
+            </a:endParaRPr>
+          </a:p>
+        </p:txBody>
+      </p:sp>
+    </p:spTree>
+    <p:extLst>
+      <p:ext uri="{BB962C8B-B14F-4D97-AF65-F5344CB8AC3E}">
+        <p14:creationId xmlns:p14="http://schemas.microsoft.com/office/powerpoint/2010/main" val="1032352236"/>
+      </p:ext>
+    </p:extLst>
+  </p:cSld>
+  <p:clrMapOvr>
+    <a:masterClrMapping/>
+  </p:clrMapOvr>
+  <p:timing>
+    <p:tnLst>
+      <p:par>
+        <p:cTn id="1" dur="indefinite" restart="never" nodeType="tmRoot"/>
+      </p:par>
+    </p:tnLst>
+  </p:timing>
+</p:sld>
+</file>
+
+<file path=ppt/slides/slide13.xml><?xml version="1.0" encoding="utf-8"?>
+<p:sld xmlns:a="http://schemas.openxmlformats.org/drawingml/2006/main" xmlns:r="http://schemas.openxmlformats.org/officeDocument/2006/relationships" xmlns:p="http://schemas.openxmlformats.org/presentationml/2006/main">
+  <p:cSld>
+    <p:spTree>
+      <p:nvGrpSpPr>
+        <p:cNvPr id="1" name=""/>
+        <p:cNvGrpSpPr/>
+        <p:nvPr/>
+      </p:nvGrpSpPr>
+      <p:grpSpPr>
+        <a:xfrm>
+          <a:off x="0" y="0"/>
+          <a:ext cx="0" cy="0"/>
+          <a:chOff x="0" y="0"/>
+          <a:chExt cx="0" cy="0"/>
+        </a:xfrm>
+      </p:grpSpPr>
+      <p:sp>
+        <p:nvSpPr>
+          <p:cNvPr id="2" name="Title 1"/>
+          <p:cNvSpPr>
+            <a:spLocks noGrp="1"/>
+          </p:cNvSpPr>
+          <p:nvPr>
+            <p:ph type="ctrTitle"/>
+          </p:nvPr>
+        </p:nvSpPr>
+        <p:spPr>
+          <a:xfrm>
             <a:off x="0" y="2514600"/>
             <a:ext cx="9144000" cy="1447800"/>
           </a:xfrm>
@@ -3791,7 +4077,39 @@
                   <a:schemeClr val="bg1"/>
                 </a:solidFill>
               </a:rPr>
-              <a:t>Thank You for Your Attention!</a:t>
+              <a:t>Thank you for </a:t>
+            </a:r>
+            <a:r>
+              <a:rPr lang="en-US" dirty="0">
+                <a:solidFill>
+                  <a:schemeClr val="bg1"/>
+                </a:solidFill>
+              </a:rPr>
+              <a:t>y</a:t>
+            </a:r>
+            <a:r>
+              <a:rPr lang="en-US" dirty="0" smtClean="0">
+                <a:solidFill>
+                  <a:schemeClr val="bg1"/>
+                </a:solidFill>
+              </a:rPr>
+              <a:t>our kind </a:t>
+            </a:r>
+            <a:r>
+              <a:rPr lang="en-US" dirty="0">
+                <a:solidFill>
+                  <a:schemeClr val="bg1"/>
+                </a:solidFill>
+              </a:rPr>
+              <a:t>a</a:t>
+            </a:r>
+            <a:r>
+              <a:rPr lang="en-US" dirty="0" smtClean="0">
+                <a:solidFill>
+                  <a:schemeClr val="bg1"/>
+                </a:solidFill>
+              </a:rPr>
+              <a:t>ttention!</a:t>
             </a:r>
             <a:endParaRPr lang="en-US" dirty="0">
               <a:solidFill>
@@ -3906,7 +4224,15 @@
                   <a:schemeClr val="bg1"/>
                 </a:solidFill>
               </a:rPr>
-              <a:t>In today’s world the internet has become a hotbed of </a:t>
+              <a:t>In today’s world the internet has become a hotbed of hacking plots at data harvesting. </a:t>
+            </a:r>
+            <a:r>
+              <a:rPr lang="en-US" dirty="0" err="1" smtClean="0">
+                <a:solidFill>
+                  <a:schemeClr val="bg1"/>
+                </a:solidFill>
+              </a:rPr>
+              <a:t>CipherChat</a:t>
             </a:r>
             <a:r>
               <a:rPr lang="en-US" dirty="0" smtClean="0">
@@ -3914,47 +4240,7 @@
                   <a:schemeClr val="bg1"/>
                 </a:solidFill>
               </a:rPr>
-              <a:t>hacking </a:t>
-            </a:r>
-            <a:r>
-              <a:rPr lang="en-US" dirty="0" smtClean="0">
-                <a:solidFill>
-                  <a:schemeClr val="bg1"/>
-                </a:solidFill>
-              </a:rPr>
-              <a:t>plots at data harvesting. </a:t>
-            </a:r>
-            <a:r>
-              <a:rPr lang="en-US" dirty="0" err="1" smtClean="0">
-                <a:solidFill>
-                  <a:schemeClr val="bg1"/>
-                </a:solidFill>
-              </a:rPr>
-              <a:t>CipherChat</a:t>
-            </a:r>
-            <a:r>
-              <a:rPr lang="en-US" dirty="0" smtClean="0">
-                <a:solidFill>
-                  <a:schemeClr val="bg1"/>
-                </a:solidFill>
-              </a:rPr>
-              <a:t> was created based on the premise that everyone should be entitled to their </a:t>
-            </a:r>
-            <a:r>
-              <a:rPr lang="en-US" dirty="0" smtClean="0">
-                <a:solidFill>
-                  <a:schemeClr val="bg1"/>
-                </a:solidFill>
-              </a:rPr>
-              <a:t>privacy regardless </a:t>
-            </a:r>
-            <a:r>
-              <a:rPr lang="en-US" dirty="0" smtClean="0">
-                <a:solidFill>
-                  <a:schemeClr val="bg1"/>
-                </a:solidFill>
-              </a:rPr>
-              <a:t>of how ignorant that individual may be.</a:t>
+              <a:t> was created based on the premise that everyone should be entitled to their privacy regardless of how ignorant that individual may be.</a:t>
             </a:r>
             <a:endParaRPr lang="en-US" dirty="0">
               <a:solidFill>
@@ -4191,11 +4477,6 @@
               </a:rPr>
               <a:t>Server)</a:t>
             </a:r>
-            <a:endParaRPr lang="en-US" sz="2000" dirty="0" smtClean="0">
-              <a:solidFill>
-                <a:schemeClr val="bg1"/>
-              </a:solidFill>
-            </a:endParaRPr>
           </a:p>
           <a:p>
             <a:pPr algn="l"/>
@@ -4295,7 +4576,7 @@
         </p:nvSpPr>
         <p:spPr>
           <a:xfrm>
-            <a:off x="254758" y="1371600"/>
+            <a:off x="304800" y="1371600"/>
             <a:ext cx="8915400" cy="4572000"/>
           </a:xfrm>
         </p:spPr>
@@ -4574,7 +4855,7 @@
                   <a:schemeClr val="bg1"/>
                 </a:solidFill>
               </a:rPr>
-              <a:t> due to its special properties</a:t>
+              <a:t> due to special properties</a:t>
             </a:r>
           </a:p>
           <a:p>
@@ -5022,7 +5303,7 @@
                   <a:schemeClr val="bg1"/>
                 </a:solidFill>
               </a:rPr>
-              <a:t>Messages are encrypted using the generated symmetric key</a:t>
+              <a:t>Messages are encrypted using the generated symmetric key and AES</a:t>
             </a:r>
           </a:p>
           <a:p>
@@ -5106,7 +5387,7 @@
                   <a:schemeClr val="bg1"/>
                 </a:solidFill>
               </a:rPr>
-              <a:t>The received messages are decrypted using the symmetric key</a:t>
+              <a:t>The received messages are decrypted using the symmetric key and AES</a:t>
             </a:r>
           </a:p>
           <a:p>
@@ -5210,8 +5491,8 @@
         </p:nvSpPr>
         <p:spPr>
           <a:xfrm>
-            <a:off x="0" y="5029200"/>
-            <a:ext cx="9144000" cy="1828800"/>
+            <a:off x="152400" y="5029200"/>
+            <a:ext cx="8839200" cy="1828800"/>
           </a:xfrm>
         </p:spPr>
         <p:txBody>
@@ -5331,7 +5612,7 @@
                   <a:schemeClr val="bg1"/>
                 </a:solidFill>
               </a:rPr>
-              <a:t>Open Source</a:t>
+              <a:t>Load Balanced Servers</a:t>
             </a:r>
             <a:endParaRPr lang="en-US" dirty="0">
               <a:solidFill>
@@ -5353,114 +5634,31 @@
         </p:nvSpPr>
         <p:spPr>
           <a:xfrm>
-            <a:off x="304800" y="1295400"/>
-            <a:ext cx="8534400" cy="5029200"/>
+            <a:off x="0" y="4648200"/>
+            <a:ext cx="9144000" cy="1828800"/>
           </a:xfrm>
         </p:spPr>
         <p:txBody>
           <a:bodyPr>
-            <a:normAutofit/>
+            <a:normAutofit lnSpcReduction="10000"/>
           </a:bodyPr>
           <a:lstStyle/>
           <a:p>
-            <a:pPr algn="l"/>
-            <a:r>
-              <a:rPr lang="en-US" sz="3100" u="sng" dirty="0" smtClean="0">
-                <a:solidFill>
-                  <a:schemeClr val="bg1"/>
-                </a:solidFill>
-              </a:rPr>
-              <a:t>Food for Thought</a:t>
-            </a:r>
-          </a:p>
-          <a:p>
-            <a:pPr marL="514350" indent="-514350" algn="l">
-              <a:buFont typeface="+mj-lt"/>
-              <a:buAutoNum type="arabicPeriod"/>
-            </a:pPr>
+            <a:r>
+              <a:rPr lang="en-US" sz="3100" dirty="0" err="1" smtClean="0">
+                <a:solidFill>
+                  <a:schemeClr val="bg1"/>
+                </a:solidFill>
+              </a:rPr>
+              <a:t>CipherChat</a:t>
+            </a:r>
             <a:r>
               <a:rPr lang="en-US" sz="3100" dirty="0" smtClean="0">
                 <a:solidFill>
                   <a:schemeClr val="bg1"/>
                 </a:solidFill>
               </a:rPr>
-              <a:t>Why should anyone trust applications if they cannot prove for themselves that it is secure?</a:t>
-            </a:r>
-          </a:p>
-          <a:p>
-            <a:pPr marL="514350" indent="-514350" algn="l">
-              <a:buFont typeface="+mj-lt"/>
-              <a:buAutoNum type="arabicPeriod"/>
-            </a:pPr>
-            <a:r>
-              <a:rPr lang="en-US" sz="3100" dirty="0" smtClean="0">
-                <a:solidFill>
-                  <a:schemeClr val="bg1"/>
-                </a:solidFill>
-              </a:rPr>
-              <a:t>Applications </a:t>
-            </a:r>
-            <a:r>
-              <a:rPr lang="en-US" sz="3100" dirty="0">
-                <a:solidFill>
-                  <a:schemeClr val="bg1"/>
-                </a:solidFill>
-              </a:rPr>
-              <a:t>should </a:t>
-            </a:r>
-            <a:r>
-              <a:rPr lang="en-US" sz="3100" dirty="0" smtClean="0">
-                <a:solidFill>
-                  <a:schemeClr val="bg1"/>
-                </a:solidFill>
-              </a:rPr>
-              <a:t>be secure by design and not by policy!</a:t>
-            </a:r>
-          </a:p>
-          <a:p>
-            <a:pPr marL="514350" indent="-514350" algn="l">
-              <a:buFont typeface="+mj-lt"/>
-              <a:buAutoNum type="arabicPeriod"/>
-            </a:pPr>
-            <a:endParaRPr lang="en-US" sz="3100" dirty="0" smtClean="0">
-              <a:solidFill>
-                <a:schemeClr val="bg1"/>
-              </a:solidFill>
-            </a:endParaRPr>
-          </a:p>
-          <a:p>
-            <a:pPr algn="l"/>
-            <a:r>
-              <a:rPr lang="en-US" sz="3100" dirty="0" err="1" smtClean="0">
-                <a:solidFill>
-                  <a:schemeClr val="bg1"/>
-                </a:solidFill>
-              </a:rPr>
-              <a:t>CipherChat</a:t>
-            </a:r>
-            <a:r>
-              <a:rPr lang="en-US" sz="3100" dirty="0" smtClean="0">
-                <a:solidFill>
-                  <a:schemeClr val="bg1"/>
-                </a:solidFill>
-              </a:rPr>
-              <a:t> is completely Open Source and is secure by design. In other words it is virtually </a:t>
-            </a:r>
-            <a:r>
-              <a:rPr lang="en-US" sz="3100" dirty="0" err="1" smtClean="0">
-                <a:solidFill>
-                  <a:schemeClr val="bg1"/>
-                </a:solidFill>
-              </a:rPr>
-              <a:t>hackproof</a:t>
-            </a:r>
-            <a:r>
-              <a:rPr lang="en-US" sz="3100" dirty="0" smtClean="0">
-                <a:solidFill>
-                  <a:schemeClr val="bg1"/>
-                </a:solidFill>
-              </a:rPr>
-              <a:t> (infeasible to hack)</a:t>
+              <a:t> Servers are designed to be scalable. Multiple instances can be ran simultaneously on separate threads with each instance handling tasks asynchronously, maximizing efficiency</a:t>
             </a:r>
             <a:endParaRPr lang="en-US" sz="3100" dirty="0">
               <a:solidFill>
@@ -5470,10 +5668,138 @@
           </a:p>
         </p:txBody>
       </p:sp>
+      <p:pic>
+        <p:nvPicPr>
+          <p:cNvPr id="1027" name="Picture 3"/>
+          <p:cNvPicPr>
+            <a:picLocks noChangeAspect="1" noChangeArrowheads="1"/>
+          </p:cNvPicPr>
+          <p:nvPr/>
+        </p:nvPicPr>
+        <p:blipFill>
+          <a:blip r:embed="rId2">
+            <a:extLst>
+              <a:ext uri="{28A0092B-C50C-407E-A947-70E740481C1C}">
+                <a14:useLocalDpi xmlns:a14="http://schemas.microsoft.com/office/drawing/2010/main" val="0"/>
+              </a:ext>
+            </a:extLst>
+          </a:blip>
+          <a:srcRect/>
+          <a:stretch>
+            <a:fillRect/>
+          </a:stretch>
+        </p:blipFill>
+        <p:spPr bwMode="auto">
+          <a:xfrm>
+            <a:off x="670601" y="1600200"/>
+            <a:ext cx="7863799" cy="988592"/>
+          </a:xfrm>
+          <a:prstGeom prst="rect">
+            <a:avLst/>
+          </a:prstGeom>
+          <a:noFill/>
+          <a:ln>
+            <a:noFill/>
+          </a:ln>
+          <a:effectLst/>
+          <a:extLst>
+            <a:ext uri="{909E8E84-426E-40DD-AFC4-6F175D3DCCD1}">
+              <a14:hiddenFill xmlns:a14="http://schemas.microsoft.com/office/drawing/2010/main">
+                <a:solidFill>
+                  <a:schemeClr val="accent1"/>
+                </a:solidFill>
+              </a14:hiddenFill>
+            </a:ext>
+            <a:ext uri="{91240B29-F687-4F45-9708-019B960494DF}">
+              <a14:hiddenLine xmlns:a14="http://schemas.microsoft.com/office/drawing/2010/main" w="9525">
+                <a:solidFill>
+                  <a:schemeClr val="tx1"/>
+                </a:solidFill>
+                <a:miter lim="800000"/>
+                <a:headEnd/>
+                <a:tailEnd/>
+              </a14:hiddenLine>
+            </a:ext>
+            <a:ext uri="{AF507438-7753-43E0-B8FC-AC1667EBCBE1}">
+              <a14:hiddenEffects xmlns:a14="http://schemas.microsoft.com/office/drawing/2010/main">
+                <a:effectLst>
+                  <a:outerShdw dist="35921" dir="2700000" algn="ctr" rotWithShape="0">
+                    <a:schemeClr val="bg2"/>
+                  </a:outerShdw>
+                </a:effectLst>
+              </a14:hiddenEffects>
+            </a:ext>
+          </a:extLst>
+        </p:spPr>
+      </p:pic>
+      <p:pic>
+        <p:nvPicPr>
+          <p:cNvPr id="1029" name="Picture 5"/>
+          <p:cNvPicPr>
+            <a:picLocks noChangeAspect="1" noChangeArrowheads="1"/>
+          </p:cNvPicPr>
+          <p:nvPr/>
+        </p:nvPicPr>
+        <p:blipFill>
+          <a:blip r:embed="rId3">
+            <a:extLst>
+              <a:ext uri="{28A0092B-C50C-407E-A947-70E740481C1C}">
+                <a14:useLocalDpi xmlns:a14="http://schemas.microsoft.com/office/drawing/2010/main" val="0"/>
+              </a:ext>
+            </a:extLst>
+          </a:blip>
+          <a:srcRect/>
+          <a:stretch>
+            <a:fillRect/>
+          </a:stretch>
+        </p:blipFill>
+        <p:spPr bwMode="auto">
+          <a:xfrm>
+            <a:off x="670560" y="2934861"/>
+            <a:ext cx="7863840" cy="1074725"/>
+          </a:xfrm>
+          <a:prstGeom prst="rect">
+            <a:avLst/>
+          </a:prstGeom>
+          <a:noFill/>
+          <a:ln>
+            <a:noFill/>
+          </a:ln>
+          <a:effectLst/>
+          <a:extLst>
+            <a:ext uri="{909E8E84-426E-40DD-AFC4-6F175D3DCCD1}">
+              <a14:hiddenFill xmlns:a14="http://schemas.microsoft.com/office/drawing/2010/main">
+                <a:solidFill>
+                  <a:schemeClr val="accent1"/>
+                </a:solidFill>
+              </a14:hiddenFill>
+            </a:ext>
+            <a:ext uri="{91240B29-F687-4F45-9708-019B960494DF}">
+              <a14:hiddenLine xmlns:a14="http://schemas.microsoft.com/office/drawing/2010/main" w="9525">
+                <a:solidFill>
+                  <a:schemeClr val="tx1"/>
+                </a:solidFill>
+                <a:miter lim="800000"/>
+                <a:headEnd/>
+                <a:tailEnd/>
+              </a14:hiddenLine>
+            </a:ext>
+            <a:ext uri="{AF507438-7753-43E0-B8FC-AC1667EBCBE1}">
+              <a14:hiddenEffects xmlns:a14="http://schemas.microsoft.com/office/drawing/2010/main">
+                <a:effectLst>
+                  <a:outerShdw dist="35921" dir="2700000" algn="ctr" rotWithShape="0">
+                    <a:schemeClr val="bg2"/>
+                  </a:outerShdw>
+                </a:effectLst>
+              </a14:hiddenEffects>
+            </a:ext>
+          </a:extLst>
+        </p:spPr>
+      </p:pic>
     </p:spTree>
     <p:extLst>
       <p:ext uri="{BB962C8B-B14F-4D97-AF65-F5344CB8AC3E}">
-        <p14:creationId xmlns:p14="http://schemas.microsoft.com/office/powerpoint/2010/main" val="1616725130"/>
+        <p14:creationId xmlns:p14="http://schemas.microsoft.com/office/powerpoint/2010/main" val="1057870745"/>
       </p:ext>
     </p:extLst>
   </p:cSld>

--- a/SWEN3004/CipherChat Presentation.pptx
+++ b/SWEN3004/CipherChat Presentation.pptx
@@ -10,14 +10,15 @@
     <p:sldId id="267" r:id="rId4"/>
     <p:sldId id="258" r:id="rId5"/>
     <p:sldId id="263" r:id="rId6"/>
-    <p:sldId id="261" r:id="rId7"/>
-    <p:sldId id="259" r:id="rId8"/>
-    <p:sldId id="260" r:id="rId9"/>
-    <p:sldId id="268" r:id="rId10"/>
-    <p:sldId id="262" r:id="rId11"/>
-    <p:sldId id="264" r:id="rId12"/>
-    <p:sldId id="265" r:id="rId13"/>
-    <p:sldId id="266" r:id="rId14"/>
+    <p:sldId id="260" r:id="rId7"/>
+    <p:sldId id="261" r:id="rId8"/>
+    <p:sldId id="259" r:id="rId9"/>
+    <p:sldId id="269" r:id="rId10"/>
+    <p:sldId id="268" r:id="rId11"/>
+    <p:sldId id="262" r:id="rId12"/>
+    <p:sldId id="264" r:id="rId13"/>
+    <p:sldId id="265" r:id="rId14"/>
+    <p:sldId id="266" r:id="rId15"/>
   </p:sldIdLst>
   <p:sldSz cx="9144000" cy="6858000" type="screen4x3"/>
   <p:notesSz cx="6858000" cy="9144000"/>
@@ -300,7 +301,7 @@
           <a:p>
             <a:fld id="{72E4B8C5-FDE9-40E7-A1FE-02759727A400}" type="datetimeFigureOut">
               <a:rPr lang="en-US" smtClean="0"/>
-              <a:t>5/2/2019</a:t>
+              <a:t>5/4/2019</a:t>
             </a:fld>
             <a:endParaRPr lang="en-US"/>
           </a:p>
@@ -470,7 +471,7 @@
           <a:p>
             <a:fld id="{72E4B8C5-FDE9-40E7-A1FE-02759727A400}" type="datetimeFigureOut">
               <a:rPr lang="en-US" smtClean="0"/>
-              <a:t>5/2/2019</a:t>
+              <a:t>5/4/2019</a:t>
             </a:fld>
             <a:endParaRPr lang="en-US"/>
           </a:p>
@@ -650,7 +651,7 @@
           <a:p>
             <a:fld id="{72E4B8C5-FDE9-40E7-A1FE-02759727A400}" type="datetimeFigureOut">
               <a:rPr lang="en-US" smtClean="0"/>
-              <a:t>5/2/2019</a:t>
+              <a:t>5/4/2019</a:t>
             </a:fld>
             <a:endParaRPr lang="en-US"/>
           </a:p>
@@ -820,7 +821,7 @@
           <a:p>
             <a:fld id="{72E4B8C5-FDE9-40E7-A1FE-02759727A400}" type="datetimeFigureOut">
               <a:rPr lang="en-US" smtClean="0"/>
-              <a:t>5/2/2019</a:t>
+              <a:t>5/4/2019</a:t>
             </a:fld>
             <a:endParaRPr lang="en-US"/>
           </a:p>
@@ -1066,7 +1067,7 @@
           <a:p>
             <a:fld id="{72E4B8C5-FDE9-40E7-A1FE-02759727A400}" type="datetimeFigureOut">
               <a:rPr lang="en-US" smtClean="0"/>
-              <a:t>5/2/2019</a:t>
+              <a:t>5/4/2019</a:t>
             </a:fld>
             <a:endParaRPr lang="en-US"/>
           </a:p>
@@ -1354,7 +1355,7 @@
           <a:p>
             <a:fld id="{72E4B8C5-FDE9-40E7-A1FE-02759727A400}" type="datetimeFigureOut">
               <a:rPr lang="en-US" smtClean="0"/>
-              <a:t>5/2/2019</a:t>
+              <a:t>5/4/2019</a:t>
             </a:fld>
             <a:endParaRPr lang="en-US"/>
           </a:p>
@@ -1776,7 +1777,7 @@
           <a:p>
             <a:fld id="{72E4B8C5-FDE9-40E7-A1FE-02759727A400}" type="datetimeFigureOut">
               <a:rPr lang="en-US" smtClean="0"/>
-              <a:t>5/2/2019</a:t>
+              <a:t>5/4/2019</a:t>
             </a:fld>
             <a:endParaRPr lang="en-US"/>
           </a:p>
@@ -1894,7 +1895,7 @@
           <a:p>
             <a:fld id="{72E4B8C5-FDE9-40E7-A1FE-02759727A400}" type="datetimeFigureOut">
               <a:rPr lang="en-US" smtClean="0"/>
-              <a:t>5/2/2019</a:t>
+              <a:t>5/4/2019</a:t>
             </a:fld>
             <a:endParaRPr lang="en-US"/>
           </a:p>
@@ -1989,7 +1990,7 @@
           <a:p>
             <a:fld id="{72E4B8C5-FDE9-40E7-A1FE-02759727A400}" type="datetimeFigureOut">
               <a:rPr lang="en-US" smtClean="0"/>
-              <a:t>5/2/2019</a:t>
+              <a:t>5/4/2019</a:t>
             </a:fld>
             <a:endParaRPr lang="en-US"/>
           </a:p>
@@ -2266,7 +2267,7 @@
           <a:p>
             <a:fld id="{72E4B8C5-FDE9-40E7-A1FE-02759727A400}" type="datetimeFigureOut">
               <a:rPr lang="en-US" smtClean="0"/>
-              <a:t>5/2/2019</a:t>
+              <a:t>5/4/2019</a:t>
             </a:fld>
             <a:endParaRPr lang="en-US"/>
           </a:p>
@@ -2519,7 +2520,7 @@
           <a:p>
             <a:fld id="{72E4B8C5-FDE9-40E7-A1FE-02759727A400}" type="datetimeFigureOut">
               <a:rPr lang="en-US" smtClean="0"/>
-              <a:t>5/2/2019</a:t>
+              <a:t>5/4/2019</a:t>
             </a:fld>
             <a:endParaRPr lang="en-US"/>
           </a:p>
@@ -2742,7 +2743,7 @@
           <a:p>
             <a:fld id="{72E4B8C5-FDE9-40E7-A1FE-02759727A400}" type="datetimeFigureOut">
               <a:rPr lang="en-US" smtClean="0"/>
-              <a:t>5/2/2019</a:t>
+              <a:t>5/4/2019</a:t>
             </a:fld>
             <a:endParaRPr lang="en-US"/>
           </a:p>
@@ -3434,7 +3435,7 @@
                   <a:schemeClr val="bg1"/>
                 </a:solidFill>
               </a:rPr>
-              <a:t>Open Source</a:t>
+              <a:t>Load Balanced Servers</a:t>
             </a:r>
             <a:endParaRPr lang="en-US" dirty="0">
               <a:solidFill>
@@ -3456,128 +3457,31 @@
         </p:nvSpPr>
         <p:spPr>
           <a:xfrm>
-            <a:off x="304800" y="1295400"/>
-            <a:ext cx="8534400" cy="5029200"/>
+            <a:off x="0" y="4648200"/>
+            <a:ext cx="9144000" cy="1828800"/>
           </a:xfrm>
         </p:spPr>
         <p:txBody>
           <a:bodyPr>
-            <a:normAutofit/>
+            <a:normAutofit lnSpcReduction="10000"/>
           </a:bodyPr>
           <a:lstStyle/>
           <a:p>
-            <a:pPr algn="l"/>
-            <a:r>
-              <a:rPr lang="en-US" sz="3100" u="sng" dirty="0" smtClean="0">
-                <a:solidFill>
-                  <a:schemeClr val="bg1"/>
-                </a:solidFill>
-              </a:rPr>
-              <a:t>Food for Thought</a:t>
-            </a:r>
-          </a:p>
-          <a:p>
-            <a:pPr marL="514350" indent="-514350" algn="l">
-              <a:buFont typeface="+mj-lt"/>
-              <a:buAutoNum type="arabicPeriod"/>
-            </a:pPr>
+            <a:r>
+              <a:rPr lang="en-US" sz="3100" dirty="0" err="1" smtClean="0">
+                <a:solidFill>
+                  <a:schemeClr val="bg1"/>
+                </a:solidFill>
+              </a:rPr>
+              <a:t>CipherChat</a:t>
+            </a:r>
             <a:r>
               <a:rPr lang="en-US" sz="3100" dirty="0" smtClean="0">
                 <a:solidFill>
                   <a:schemeClr val="bg1"/>
                 </a:solidFill>
               </a:rPr>
-              <a:t>Why should anyone trust applications if they cannot prove for themselves that it is secure?</a:t>
-            </a:r>
-          </a:p>
-          <a:p>
-            <a:pPr marL="514350" indent="-514350" algn="l">
-              <a:buFont typeface="+mj-lt"/>
-              <a:buAutoNum type="arabicPeriod"/>
-            </a:pPr>
-            <a:r>
-              <a:rPr lang="en-US" sz="3100" dirty="0" smtClean="0">
-                <a:solidFill>
-                  <a:schemeClr val="bg1"/>
-                </a:solidFill>
-              </a:rPr>
-              <a:t>Applications </a:t>
-            </a:r>
-            <a:r>
-              <a:rPr lang="en-US" sz="3100" dirty="0">
-                <a:solidFill>
-                  <a:schemeClr val="bg1"/>
-                </a:solidFill>
-              </a:rPr>
-              <a:t>should </a:t>
-            </a:r>
-            <a:r>
-              <a:rPr lang="en-US" sz="3100" dirty="0" smtClean="0">
-                <a:solidFill>
-                  <a:schemeClr val="bg1"/>
-                </a:solidFill>
-              </a:rPr>
-              <a:t>be secure by design and not by policy!</a:t>
-            </a:r>
-          </a:p>
-          <a:p>
-            <a:pPr marL="514350" indent="-514350" algn="l">
-              <a:buFont typeface="+mj-lt"/>
-              <a:buAutoNum type="arabicPeriod"/>
-            </a:pPr>
-            <a:endParaRPr lang="en-US" sz="3100" dirty="0" smtClean="0">
-              <a:solidFill>
-                <a:schemeClr val="bg1"/>
-              </a:solidFill>
-            </a:endParaRPr>
-          </a:p>
-          <a:p>
-            <a:pPr algn="l"/>
-            <a:r>
-              <a:rPr lang="en-US" sz="3100" dirty="0" err="1" smtClean="0">
-                <a:solidFill>
-                  <a:schemeClr val="bg1"/>
-                </a:solidFill>
-              </a:rPr>
-              <a:t>CipherChat</a:t>
-            </a:r>
-            <a:r>
-              <a:rPr lang="en-US" sz="3100" dirty="0" smtClean="0">
-                <a:solidFill>
-                  <a:schemeClr val="bg1"/>
-                </a:solidFill>
-              </a:rPr>
-              <a:t> is completely Open Source and is secure by design. In other words it is virtually </a:t>
-            </a:r>
-            <a:r>
-              <a:rPr lang="en-US" sz="3100" dirty="0" err="1" smtClean="0">
-                <a:solidFill>
-                  <a:schemeClr val="bg1"/>
-                </a:solidFill>
-              </a:rPr>
-              <a:t>hackproof</a:t>
-            </a:r>
-            <a:endParaRPr lang="en-US" sz="3100" dirty="0" smtClean="0">
-              <a:solidFill>
-                <a:schemeClr val="bg1"/>
-              </a:solidFill>
-            </a:endParaRPr>
-          </a:p>
-          <a:p>
-            <a:endParaRPr lang="en-US" sz="900" dirty="0" smtClean="0">
-              <a:solidFill>
-                <a:schemeClr val="bg1"/>
-              </a:solidFill>
-            </a:endParaRPr>
-          </a:p>
-          <a:p>
-            <a:r>
-              <a:rPr lang="en-US" sz="3100">
-                <a:solidFill>
-                  <a:schemeClr val="bg1"/>
-                </a:solidFill>
-              </a:rPr>
-              <a:t>https://github.com/CipherChat/CipherChat/</a:t>
+              <a:t> Servers are designed to be scalable. Multiple instances can be ran simultaneously on separate threads with each instance handling tasks asynchronously, maximizing efficiency</a:t>
             </a:r>
             <a:endParaRPr lang="en-US" sz="3100" dirty="0">
               <a:solidFill>
@@ -3587,10 +3491,138 @@
           </a:p>
         </p:txBody>
       </p:sp>
+      <p:pic>
+        <p:nvPicPr>
+          <p:cNvPr id="1027" name="Picture 3"/>
+          <p:cNvPicPr>
+            <a:picLocks noChangeAspect="1" noChangeArrowheads="1"/>
+          </p:cNvPicPr>
+          <p:nvPr/>
+        </p:nvPicPr>
+        <p:blipFill>
+          <a:blip r:embed="rId2">
+            <a:extLst>
+              <a:ext uri="{28A0092B-C50C-407E-A947-70E740481C1C}">
+                <a14:useLocalDpi xmlns:a14="http://schemas.microsoft.com/office/drawing/2010/main" val="0"/>
+              </a:ext>
+            </a:extLst>
+          </a:blip>
+          <a:srcRect/>
+          <a:stretch>
+            <a:fillRect/>
+          </a:stretch>
+        </p:blipFill>
+        <p:spPr bwMode="auto">
+          <a:xfrm>
+            <a:off x="670601" y="1600200"/>
+            <a:ext cx="7863799" cy="988592"/>
+          </a:xfrm>
+          <a:prstGeom prst="rect">
+            <a:avLst/>
+          </a:prstGeom>
+          <a:noFill/>
+          <a:ln>
+            <a:noFill/>
+          </a:ln>
+          <a:effectLst/>
+          <a:extLst>
+            <a:ext uri="{909E8E84-426E-40DD-AFC4-6F175D3DCCD1}">
+              <a14:hiddenFill xmlns:a14="http://schemas.microsoft.com/office/drawing/2010/main">
+                <a:solidFill>
+                  <a:schemeClr val="accent1"/>
+                </a:solidFill>
+              </a14:hiddenFill>
+            </a:ext>
+            <a:ext uri="{91240B29-F687-4F45-9708-019B960494DF}">
+              <a14:hiddenLine xmlns:a14="http://schemas.microsoft.com/office/drawing/2010/main" w="9525">
+                <a:solidFill>
+                  <a:schemeClr val="tx1"/>
+                </a:solidFill>
+                <a:miter lim="800000"/>
+                <a:headEnd/>
+                <a:tailEnd/>
+              </a14:hiddenLine>
+            </a:ext>
+            <a:ext uri="{AF507438-7753-43E0-B8FC-AC1667EBCBE1}">
+              <a14:hiddenEffects xmlns:a14="http://schemas.microsoft.com/office/drawing/2010/main">
+                <a:effectLst>
+                  <a:outerShdw dist="35921" dir="2700000" algn="ctr" rotWithShape="0">
+                    <a:schemeClr val="bg2"/>
+                  </a:outerShdw>
+                </a:effectLst>
+              </a14:hiddenEffects>
+            </a:ext>
+          </a:extLst>
+        </p:spPr>
+      </p:pic>
+      <p:pic>
+        <p:nvPicPr>
+          <p:cNvPr id="1029" name="Picture 5"/>
+          <p:cNvPicPr>
+            <a:picLocks noChangeAspect="1" noChangeArrowheads="1"/>
+          </p:cNvPicPr>
+          <p:nvPr/>
+        </p:nvPicPr>
+        <p:blipFill>
+          <a:blip r:embed="rId3">
+            <a:extLst>
+              <a:ext uri="{28A0092B-C50C-407E-A947-70E740481C1C}">
+                <a14:useLocalDpi xmlns:a14="http://schemas.microsoft.com/office/drawing/2010/main" val="0"/>
+              </a:ext>
+            </a:extLst>
+          </a:blip>
+          <a:srcRect/>
+          <a:stretch>
+            <a:fillRect/>
+          </a:stretch>
+        </p:blipFill>
+        <p:spPr bwMode="auto">
+          <a:xfrm>
+            <a:off x="670560" y="2934861"/>
+            <a:ext cx="7863840" cy="1074725"/>
+          </a:xfrm>
+          <a:prstGeom prst="rect">
+            <a:avLst/>
+          </a:prstGeom>
+          <a:noFill/>
+          <a:ln>
+            <a:noFill/>
+          </a:ln>
+          <a:effectLst/>
+          <a:extLst>
+            <a:ext uri="{909E8E84-426E-40DD-AFC4-6F175D3DCCD1}">
+              <a14:hiddenFill xmlns:a14="http://schemas.microsoft.com/office/drawing/2010/main">
+                <a:solidFill>
+                  <a:schemeClr val="accent1"/>
+                </a:solidFill>
+              </a14:hiddenFill>
+            </a:ext>
+            <a:ext uri="{91240B29-F687-4F45-9708-019B960494DF}">
+              <a14:hiddenLine xmlns:a14="http://schemas.microsoft.com/office/drawing/2010/main" w="9525">
+                <a:solidFill>
+                  <a:schemeClr val="tx1"/>
+                </a:solidFill>
+                <a:miter lim="800000"/>
+                <a:headEnd/>
+                <a:tailEnd/>
+              </a14:hiddenLine>
+            </a:ext>
+            <a:ext uri="{AF507438-7753-43E0-B8FC-AC1667EBCBE1}">
+              <a14:hiddenEffects xmlns:a14="http://schemas.microsoft.com/office/drawing/2010/main">
+                <a:effectLst>
+                  <a:outerShdw dist="35921" dir="2700000" algn="ctr" rotWithShape="0">
+                    <a:schemeClr val="bg2"/>
+                  </a:outerShdw>
+                </a:effectLst>
+              </a14:hiddenEffects>
+            </a:ext>
+          </a:extLst>
+        </p:spPr>
+      </p:pic>
     </p:spTree>
     <p:extLst>
       <p:ext uri="{BB962C8B-B14F-4D97-AF65-F5344CB8AC3E}">
-        <p14:creationId xmlns:p14="http://schemas.microsoft.com/office/powerpoint/2010/main" val="1616725130"/>
+        <p14:creationId xmlns:p14="http://schemas.microsoft.com/office/powerpoint/2010/main" val="1057870745"/>
       </p:ext>
     </p:extLst>
   </p:cSld>
@@ -3636,8 +3668,8 @@
         </p:nvSpPr>
         <p:spPr>
           <a:xfrm>
-            <a:off x="0" y="2514600"/>
-            <a:ext cx="9144000" cy="1447800"/>
+            <a:off x="304800" y="152400"/>
+            <a:ext cx="8610600" cy="1447800"/>
           </a:xfrm>
         </p:spPr>
         <p:txBody>
@@ -3646,13 +3678,14 @@
           </a:bodyPr>
           <a:lstStyle/>
           <a:p>
+            <a:pPr algn="l"/>
             <a:r>
               <a:rPr lang="en-US" dirty="0" smtClean="0">
                 <a:solidFill>
                   <a:schemeClr val="bg1"/>
                 </a:solidFill>
               </a:rPr>
-              <a:t>Live Demonstration</a:t>
+              <a:t>Open Source</a:t>
             </a:r>
             <a:endParaRPr lang="en-US" dirty="0">
               <a:solidFill>
@@ -3662,10 +3695,180 @@
           </a:p>
         </p:txBody>
       </p:sp>
+      <p:sp>
+        <p:nvSpPr>
+          <p:cNvPr id="3" name="Subtitle 2"/>
+          <p:cNvSpPr>
+            <a:spLocks noGrp="1"/>
+          </p:cNvSpPr>
+          <p:nvPr>
+            <p:ph type="subTitle" idx="1"/>
+          </p:nvPr>
+        </p:nvSpPr>
+        <p:spPr>
+          <a:xfrm>
+            <a:off x="304800" y="1295400"/>
+            <a:ext cx="8534400" cy="5181600"/>
+          </a:xfrm>
+        </p:spPr>
+        <p:txBody>
+          <a:bodyPr>
+            <a:normAutofit fontScale="92500" lnSpcReduction="10000"/>
+          </a:bodyPr>
+          <a:lstStyle/>
+          <a:p>
+            <a:pPr algn="l"/>
+            <a:r>
+              <a:rPr lang="en-US" sz="3100" u="sng" dirty="0" smtClean="0">
+                <a:solidFill>
+                  <a:schemeClr val="bg1"/>
+                </a:solidFill>
+              </a:rPr>
+              <a:t>Food for Thought</a:t>
+            </a:r>
+          </a:p>
+          <a:p>
+            <a:pPr marL="514350" indent="-514350" algn="l">
+              <a:buFont typeface="+mj-lt"/>
+              <a:buAutoNum type="arabicPeriod"/>
+            </a:pPr>
+            <a:r>
+              <a:rPr lang="en-US" sz="3100" dirty="0" smtClean="0">
+                <a:solidFill>
+                  <a:schemeClr val="bg1"/>
+                </a:solidFill>
+              </a:rPr>
+              <a:t>Why should anyone trust applications if they cannot prove for themselves that it is secure?</a:t>
+            </a:r>
+          </a:p>
+          <a:p>
+            <a:pPr marL="514350" indent="-514350" algn="l">
+              <a:buFont typeface="+mj-lt"/>
+              <a:buAutoNum type="arabicPeriod"/>
+            </a:pPr>
+            <a:r>
+              <a:rPr lang="en-US" sz="3100" dirty="0" smtClean="0">
+                <a:solidFill>
+                  <a:schemeClr val="bg1"/>
+                </a:solidFill>
+              </a:rPr>
+              <a:t>Applications </a:t>
+            </a:r>
+            <a:r>
+              <a:rPr lang="en-US" sz="3100" dirty="0">
+                <a:solidFill>
+                  <a:schemeClr val="bg1"/>
+                </a:solidFill>
+              </a:rPr>
+              <a:t>should </a:t>
+            </a:r>
+            <a:r>
+              <a:rPr lang="en-US" sz="3100" dirty="0" smtClean="0">
+                <a:solidFill>
+                  <a:schemeClr val="bg1"/>
+                </a:solidFill>
+              </a:rPr>
+              <a:t>be secure by design and not by policy!</a:t>
+            </a:r>
+          </a:p>
+          <a:p>
+            <a:pPr marL="514350" indent="-514350" algn="l">
+              <a:buFont typeface="+mj-lt"/>
+              <a:buAutoNum type="arabicPeriod"/>
+            </a:pPr>
+            <a:endParaRPr lang="en-US" sz="3100" dirty="0" smtClean="0">
+              <a:solidFill>
+                <a:schemeClr val="bg1"/>
+              </a:solidFill>
+            </a:endParaRPr>
+          </a:p>
+          <a:p>
+            <a:pPr algn="l"/>
+            <a:r>
+              <a:rPr lang="en-US" sz="3100" dirty="0" err="1" smtClean="0">
+                <a:solidFill>
+                  <a:schemeClr val="bg1"/>
+                </a:solidFill>
+              </a:rPr>
+              <a:t>CipherChat</a:t>
+            </a:r>
+            <a:r>
+              <a:rPr lang="en-US" sz="3100" dirty="0" smtClean="0">
+                <a:solidFill>
+                  <a:schemeClr val="bg1"/>
+                </a:solidFill>
+              </a:rPr>
+              <a:t> is </a:t>
+            </a:r>
+            <a:r>
+              <a:rPr lang="en-US" sz="3100" dirty="0" smtClean="0">
+                <a:solidFill>
+                  <a:schemeClr val="bg1"/>
+                </a:solidFill>
+              </a:rPr>
+              <a:t>Open </a:t>
+            </a:r>
+            <a:r>
+              <a:rPr lang="en-US" sz="3100" dirty="0" smtClean="0">
+                <a:solidFill>
+                  <a:schemeClr val="bg1"/>
+                </a:solidFill>
+              </a:rPr>
+              <a:t>Source. </a:t>
+            </a:r>
+            <a:r>
+              <a:rPr lang="en-US" sz="3100" dirty="0" smtClean="0">
+                <a:solidFill>
+                  <a:schemeClr val="bg1"/>
+                </a:solidFill>
+              </a:rPr>
+              <a:t>By design, </a:t>
+            </a:r>
+            <a:r>
+              <a:rPr lang="en-US" sz="3100" dirty="0" err="1" smtClean="0">
+                <a:solidFill>
+                  <a:schemeClr val="bg1"/>
+                </a:solidFill>
+              </a:rPr>
+              <a:t>CipherChat</a:t>
+            </a:r>
+            <a:r>
+              <a:rPr lang="en-US" sz="3100" dirty="0" smtClean="0">
+                <a:solidFill>
+                  <a:schemeClr val="bg1"/>
+                </a:solidFill>
+              </a:rPr>
+              <a:t> is trustless if a known server is used for each conversation (else MITM vulnerability) and will evolve to be trustless regardless of which server is used.</a:t>
+            </a:r>
+            <a:br>
+              <a:rPr lang="en-US" sz="3100" dirty="0" smtClean="0">
+                <a:solidFill>
+                  <a:schemeClr val="bg1"/>
+                </a:solidFill>
+              </a:rPr>
+            </a:br>
+            <a:endParaRPr lang="en-US" sz="900" dirty="0" smtClean="0">
+              <a:solidFill>
+                <a:schemeClr val="bg1"/>
+              </a:solidFill>
+            </a:endParaRPr>
+          </a:p>
+          <a:p>
+            <a:r>
+              <a:rPr lang="en-US" sz="3100" dirty="0">
+                <a:solidFill>
+                  <a:schemeClr val="bg1"/>
+                </a:solidFill>
+              </a:rPr>
+              <a:t>https://github.com/CipherChat/CipherChat/</a:t>
+            </a:r>
+          </a:p>
+        </p:txBody>
+      </p:sp>
     </p:spTree>
     <p:extLst>
       <p:ext uri="{BB962C8B-B14F-4D97-AF65-F5344CB8AC3E}">
-        <p14:creationId xmlns:p14="http://schemas.microsoft.com/office/powerpoint/2010/main" val="2589255197"/>
+        <p14:creationId xmlns:p14="http://schemas.microsoft.com/office/powerpoint/2010/main" val="1616725130"/>
       </p:ext>
     </p:extLst>
   </p:cSld>
@@ -3711,8 +3914,8 @@
         </p:nvSpPr>
         <p:spPr>
           <a:xfrm>
-            <a:off x="304800" y="152400"/>
-            <a:ext cx="8610600" cy="1447800"/>
+            <a:off x="0" y="2514600"/>
+            <a:ext cx="9144000" cy="1447800"/>
           </a:xfrm>
         </p:spPr>
         <p:txBody>
@@ -3721,14 +3924,13 @@
           </a:bodyPr>
           <a:lstStyle/>
           <a:p>
-            <a:pPr algn="l"/>
             <a:r>
               <a:rPr lang="en-US" dirty="0" smtClean="0">
                 <a:solidFill>
                   <a:schemeClr val="bg1"/>
                 </a:solidFill>
               </a:rPr>
-              <a:t>Future Improvements</a:t>
+              <a:t>Live Demonstration</a:t>
             </a:r>
             <a:endParaRPr lang="en-US" dirty="0">
               <a:solidFill>
@@ -3738,6 +3940,82 @@
           </a:p>
         </p:txBody>
       </p:sp>
+    </p:spTree>
+    <p:extLst>
+      <p:ext uri="{BB962C8B-B14F-4D97-AF65-F5344CB8AC3E}">
+        <p14:creationId xmlns:p14="http://schemas.microsoft.com/office/powerpoint/2010/main" val="2589255197"/>
+      </p:ext>
+    </p:extLst>
+  </p:cSld>
+  <p:clrMapOvr>
+    <a:masterClrMapping/>
+  </p:clrMapOvr>
+  <p:timing>
+    <p:tnLst>
+      <p:par>
+        <p:cTn id="1" dur="indefinite" restart="never" nodeType="tmRoot"/>
+      </p:par>
+    </p:tnLst>
+  </p:timing>
+</p:sld>
+</file>
+
+<file path=ppt/slides/slide13.xml><?xml version="1.0" encoding="utf-8"?>
+<p:sld xmlns:a="http://schemas.openxmlformats.org/drawingml/2006/main" xmlns:r="http://schemas.openxmlformats.org/officeDocument/2006/relationships" xmlns:p="http://schemas.openxmlformats.org/presentationml/2006/main">
+  <p:cSld>
+    <p:spTree>
+      <p:nvGrpSpPr>
+        <p:cNvPr id="1" name=""/>
+        <p:cNvGrpSpPr/>
+        <p:nvPr/>
+      </p:nvGrpSpPr>
+      <p:grpSpPr>
+        <a:xfrm>
+          <a:off x="0" y="0"/>
+          <a:ext cx="0" cy="0"/>
+          <a:chOff x="0" y="0"/>
+          <a:chExt cx="0" cy="0"/>
+        </a:xfrm>
+      </p:grpSpPr>
+      <p:sp>
+        <p:nvSpPr>
+          <p:cNvPr id="2" name="Title 1"/>
+          <p:cNvSpPr>
+            <a:spLocks noGrp="1"/>
+          </p:cNvSpPr>
+          <p:nvPr>
+            <p:ph type="ctrTitle"/>
+          </p:nvPr>
+        </p:nvSpPr>
+        <p:spPr>
+          <a:xfrm>
+            <a:off x="304800" y="152400"/>
+            <a:ext cx="8610600" cy="1447800"/>
+          </a:xfrm>
+        </p:spPr>
+        <p:txBody>
+          <a:bodyPr>
+            <a:normAutofit/>
+          </a:bodyPr>
+          <a:lstStyle/>
+          <a:p>
+            <a:pPr algn="l"/>
+            <a:r>
+              <a:rPr lang="en-US" dirty="0" smtClean="0">
+                <a:solidFill>
+                  <a:schemeClr val="bg1"/>
+                </a:solidFill>
+              </a:rPr>
+              <a:t>Future Improvements</a:t>
+            </a:r>
+            <a:endParaRPr lang="en-US" dirty="0">
+              <a:solidFill>
+                <a:schemeClr val="bg1"/>
+              </a:solidFill>
+            </a:endParaRPr>
+          </a:p>
+        </p:txBody>
+      </p:sp>
       <p:sp>
         <p:nvSpPr>
           <p:cNvPr id="3" name="Subtitle 2"/>
@@ -3751,12 +4029,12 @@
         <p:spPr>
           <a:xfrm>
             <a:off x="304800" y="1219200"/>
-            <a:ext cx="8534400" cy="5410200"/>
+            <a:ext cx="8839200" cy="5410200"/>
           </a:xfrm>
         </p:spPr>
         <p:txBody>
           <a:bodyPr>
-            <a:normAutofit fontScale="92500" lnSpcReduction="20000"/>
+            <a:normAutofit fontScale="85000" lnSpcReduction="20000"/>
           </a:bodyPr>
           <a:lstStyle/>
           <a:p>
@@ -3795,6 +4073,20 @@
                 </a:solidFill>
               </a:rPr>
               <a:t> instead of polling</a:t>
+            </a:r>
+          </a:p>
+          <a:p>
+            <a:pPr marL="514350" indent="-514350" algn="l">
+              <a:buFont typeface="+mj-lt"/>
+              <a:buAutoNum type="arabicPeriod"/>
+            </a:pPr>
+            <a:r>
+              <a:rPr lang="en-US" sz="3100" dirty="0" smtClean="0">
+                <a:solidFill>
+                  <a:schemeClr val="bg1"/>
+                </a:solidFill>
+              </a:rPr>
+              <a:t>Restrict Public Key Exchange to face-to-face interaction only</a:t>
             </a:r>
             <a:endParaRPr lang="en-US" sz="3100" dirty="0">
               <a:solidFill>
@@ -3944,7 +4236,7 @@
                   <a:schemeClr val="bg1"/>
                 </a:solidFill>
               </a:rPr>
-              <a:t>sending of digital </a:t>
+              <a:t>sending of </a:t>
             </a:r>
             <a:r>
               <a:rPr lang="en-US" sz="3100" dirty="0" smtClean="0">
@@ -3952,7 +4244,7 @@
                   <a:schemeClr val="bg1"/>
                 </a:solidFill>
               </a:rPr>
-              <a:t>currency (crypto)</a:t>
+              <a:t>any currency (using crypto)</a:t>
             </a:r>
           </a:p>
           <a:p>
@@ -4032,7 +4324,7 @@
 </p:sld>
 </file>
 
-<file path=ppt/slides/slide13.xml><?xml version="1.0" encoding="utf-8"?>
+<file path=ppt/slides/slide14.xml><?xml version="1.0" encoding="utf-8"?>
 <p:sld xmlns:a="http://schemas.openxmlformats.org/drawingml/2006/main" xmlns:r="http://schemas.openxmlformats.org/officeDocument/2006/relationships" xmlns:p="http://schemas.openxmlformats.org/presentationml/2006/main">
   <p:cSld>
     <p:spTree>
@@ -5030,445 +5322,6 @@
                   <a:schemeClr val="bg1"/>
                 </a:solidFill>
               </a:rPr>
-              <a:t>Elliptic Curve </a:t>
-            </a:r>
-            <a:r>
-              <a:rPr lang="en-US" dirty="0" err="1" smtClean="0">
-                <a:solidFill>
-                  <a:schemeClr val="bg1"/>
-                </a:solidFill>
-              </a:rPr>
-              <a:t>Diffie</a:t>
-            </a:r>
-            <a:r>
-              <a:rPr lang="en-US" dirty="0" smtClean="0">
-                <a:solidFill>
-                  <a:schemeClr val="bg1"/>
-                </a:solidFill>
-              </a:rPr>
-              <a:t> Hellman</a:t>
-            </a:r>
-            <a:endParaRPr lang="en-US" dirty="0">
-              <a:solidFill>
-                <a:schemeClr val="bg1"/>
-              </a:solidFill>
-            </a:endParaRPr>
-          </a:p>
-        </p:txBody>
-      </p:sp>
-      <p:sp>
-        <p:nvSpPr>
-          <p:cNvPr id="3" name="Subtitle 2"/>
-          <p:cNvSpPr>
-            <a:spLocks noGrp="1"/>
-          </p:cNvSpPr>
-          <p:nvPr>
-            <p:ph type="subTitle" idx="1"/>
-          </p:nvPr>
-        </p:nvSpPr>
-        <p:spPr>
-          <a:xfrm>
-            <a:off x="254758" y="3124200"/>
-            <a:ext cx="8915400" cy="2819400"/>
-          </a:xfrm>
-        </p:spPr>
-        <p:txBody>
-          <a:bodyPr>
-            <a:normAutofit/>
-          </a:bodyPr>
-          <a:lstStyle/>
-          <a:p>
-            <a:pPr algn="l"/>
-            <a:endParaRPr lang="en-US" sz="3100" dirty="0">
-              <a:solidFill>
-                <a:schemeClr val="bg1"/>
-              </a:solidFill>
-            </a:endParaRPr>
-          </a:p>
-        </p:txBody>
-      </p:sp>
-      <p:pic>
-        <p:nvPicPr>
-          <p:cNvPr id="1027" name="Picture 3"/>
-          <p:cNvPicPr>
-            <a:picLocks noChangeAspect="1" noChangeArrowheads="1"/>
-          </p:cNvPicPr>
-          <p:nvPr/>
-        </p:nvPicPr>
-        <p:blipFill>
-          <a:blip r:embed="rId2">
-            <a:extLst>
-              <a:ext uri="{28A0092B-C50C-407E-A947-70E740481C1C}">
-                <a14:useLocalDpi xmlns:a14="http://schemas.microsoft.com/office/drawing/2010/main" val="0"/>
-              </a:ext>
-            </a:extLst>
-          </a:blip>
-          <a:srcRect/>
-          <a:stretch>
-            <a:fillRect/>
-          </a:stretch>
-        </p:blipFill>
-        <p:spPr bwMode="auto">
-          <a:xfrm>
-            <a:off x="228600" y="1828800"/>
-            <a:ext cx="8675983" cy="4359711"/>
-          </a:xfrm>
-          <a:prstGeom prst="rect">
-            <a:avLst/>
-          </a:prstGeom>
-          <a:noFill/>
-          <a:ln>
-            <a:noFill/>
-          </a:ln>
-          <a:effectLst/>
-          <a:extLst>
-            <a:ext uri="{909E8E84-426E-40DD-AFC4-6F175D3DCCD1}">
-              <a14:hiddenFill xmlns:a14="http://schemas.microsoft.com/office/drawing/2010/main">
-                <a:solidFill>
-                  <a:schemeClr val="accent1"/>
-                </a:solidFill>
-              </a14:hiddenFill>
-            </a:ext>
-            <a:ext uri="{91240B29-F687-4F45-9708-019B960494DF}">
-              <a14:hiddenLine xmlns:a14="http://schemas.microsoft.com/office/drawing/2010/main" w="9525">
-                <a:solidFill>
-                  <a:schemeClr val="tx1"/>
-                </a:solidFill>
-                <a:miter lim="800000"/>
-                <a:headEnd/>
-                <a:tailEnd/>
-              </a14:hiddenLine>
-            </a:ext>
-            <a:ext uri="{AF507438-7753-43E0-B8FC-AC1667EBCBE1}">
-              <a14:hiddenEffects xmlns:a14="http://schemas.microsoft.com/office/drawing/2010/main">
-                <a:effectLst>
-                  <a:outerShdw dist="35921" dir="2700000" algn="ctr" rotWithShape="0">
-                    <a:schemeClr val="bg2"/>
-                  </a:outerShdw>
-                </a:effectLst>
-              </a14:hiddenEffects>
-            </a:ext>
-          </a:extLst>
-        </p:spPr>
-      </p:pic>
-    </p:spTree>
-    <p:extLst>
-      <p:ext uri="{BB962C8B-B14F-4D97-AF65-F5344CB8AC3E}">
-        <p14:creationId xmlns:p14="http://schemas.microsoft.com/office/powerpoint/2010/main" val="1827753660"/>
-      </p:ext>
-    </p:extLst>
-  </p:cSld>
-  <p:clrMapOvr>
-    <a:masterClrMapping/>
-  </p:clrMapOvr>
-  <p:timing>
-    <p:tnLst>
-      <p:par>
-        <p:cTn id="1" dur="indefinite" restart="never" nodeType="tmRoot"/>
-      </p:par>
-    </p:tnLst>
-  </p:timing>
-</p:sld>
-</file>
-
-<file path=ppt/slides/slide7.xml><?xml version="1.0" encoding="utf-8"?>
-<p:sld xmlns:a="http://schemas.openxmlformats.org/drawingml/2006/main" xmlns:r="http://schemas.openxmlformats.org/officeDocument/2006/relationships" xmlns:p="http://schemas.openxmlformats.org/presentationml/2006/main">
-  <p:cSld>
-    <p:spTree>
-      <p:nvGrpSpPr>
-        <p:cNvPr id="1" name=""/>
-        <p:cNvGrpSpPr/>
-        <p:nvPr/>
-      </p:nvGrpSpPr>
-      <p:grpSpPr>
-        <a:xfrm>
-          <a:off x="0" y="0"/>
-          <a:ext cx="0" cy="0"/>
-          <a:chOff x="0" y="0"/>
-          <a:chExt cx="0" cy="0"/>
-        </a:xfrm>
-      </p:grpSpPr>
-      <p:sp>
-        <p:nvSpPr>
-          <p:cNvPr id="2" name="Title 1"/>
-          <p:cNvSpPr>
-            <a:spLocks noGrp="1"/>
-          </p:cNvSpPr>
-          <p:nvPr>
-            <p:ph type="ctrTitle"/>
-          </p:nvPr>
-        </p:nvSpPr>
-        <p:spPr>
-          <a:xfrm>
-            <a:off x="304800" y="152400"/>
-            <a:ext cx="8610600" cy="1447800"/>
-          </a:xfrm>
-        </p:spPr>
-        <p:txBody>
-          <a:bodyPr>
-            <a:normAutofit/>
-          </a:bodyPr>
-          <a:lstStyle/>
-          <a:p>
-            <a:pPr algn="l"/>
-            <a:r>
-              <a:rPr lang="en-US" dirty="0" smtClean="0">
-                <a:solidFill>
-                  <a:schemeClr val="bg1"/>
-                </a:solidFill>
-              </a:rPr>
-              <a:t>Method</a:t>
-            </a:r>
-            <a:endParaRPr lang="en-US" dirty="0">
-              <a:solidFill>
-                <a:schemeClr val="bg1"/>
-              </a:solidFill>
-            </a:endParaRPr>
-          </a:p>
-        </p:txBody>
-      </p:sp>
-      <p:sp>
-        <p:nvSpPr>
-          <p:cNvPr id="3" name="Subtitle 2"/>
-          <p:cNvSpPr>
-            <a:spLocks noGrp="1"/>
-          </p:cNvSpPr>
-          <p:nvPr>
-            <p:ph type="subTitle" idx="1"/>
-          </p:nvPr>
-        </p:nvSpPr>
-        <p:spPr>
-          <a:xfrm>
-            <a:off x="254758" y="1219200"/>
-            <a:ext cx="8660642" cy="5486400"/>
-          </a:xfrm>
-        </p:spPr>
-        <p:txBody>
-          <a:bodyPr>
-            <a:normAutofit fontScale="92500" lnSpcReduction="20000"/>
-          </a:bodyPr>
-          <a:lstStyle/>
-          <a:p>
-            <a:pPr marL="514350" indent="-514350" algn="l">
-              <a:buFont typeface="+mj-lt"/>
-              <a:buAutoNum type="arabicPeriod"/>
-            </a:pPr>
-            <a:r>
-              <a:rPr lang="en-US" sz="3100" dirty="0" smtClean="0">
-                <a:solidFill>
-                  <a:schemeClr val="bg1"/>
-                </a:solidFill>
-              </a:rPr>
-              <a:t>Multiple clients connect to a </a:t>
-            </a:r>
-            <a:r>
-              <a:rPr lang="en-US" sz="3100" dirty="0" err="1" smtClean="0">
-                <a:solidFill>
-                  <a:schemeClr val="bg1"/>
-                </a:solidFill>
-              </a:rPr>
-              <a:t>CipherChat</a:t>
-            </a:r>
-            <a:r>
-              <a:rPr lang="en-US" sz="3100" dirty="0" smtClean="0">
-                <a:solidFill>
-                  <a:schemeClr val="bg1"/>
-                </a:solidFill>
-              </a:rPr>
-              <a:t> server</a:t>
-            </a:r>
-          </a:p>
-          <a:p>
-            <a:pPr marL="514350" indent="-514350" algn="l">
-              <a:buFont typeface="+mj-lt"/>
-              <a:buAutoNum type="arabicPeriod"/>
-            </a:pPr>
-            <a:r>
-              <a:rPr lang="en-US" sz="3100" dirty="0" smtClean="0">
-                <a:solidFill>
-                  <a:schemeClr val="bg1"/>
-                </a:solidFill>
-              </a:rPr>
-              <a:t>Clients exchange public keys using ECDH</a:t>
-            </a:r>
-          </a:p>
-          <a:p>
-            <a:pPr marL="514350" indent="-514350" algn="l">
-              <a:buFont typeface="+mj-lt"/>
-              <a:buAutoNum type="arabicPeriod"/>
-            </a:pPr>
-            <a:r>
-              <a:rPr lang="en-US" sz="3100" dirty="0" smtClean="0">
-                <a:solidFill>
-                  <a:schemeClr val="bg1"/>
-                </a:solidFill>
-              </a:rPr>
-              <a:t>Messages are encrypted using the generated symmetric key and AES</a:t>
-            </a:r>
-          </a:p>
-          <a:p>
-            <a:pPr marL="514350" indent="-514350" algn="l">
-              <a:buFont typeface="+mj-lt"/>
-              <a:buAutoNum type="arabicPeriod"/>
-            </a:pPr>
-            <a:r>
-              <a:rPr lang="en-US" sz="3100" dirty="0" smtClean="0">
-                <a:solidFill>
-                  <a:schemeClr val="bg1"/>
-                </a:solidFill>
-              </a:rPr>
-              <a:t>Messages are signed using ECDSA Signing</a:t>
-            </a:r>
-          </a:p>
-          <a:p>
-            <a:pPr marL="514350" indent="-514350" algn="l">
-              <a:buFont typeface="+mj-lt"/>
-              <a:buAutoNum type="arabicPeriod"/>
-            </a:pPr>
-            <a:r>
-              <a:rPr lang="en-US" sz="3100" dirty="0" smtClean="0">
-                <a:solidFill>
-                  <a:schemeClr val="bg1"/>
-                </a:solidFill>
-              </a:rPr>
-              <a:t>The encrypted message is sent to the server</a:t>
-            </a:r>
-          </a:p>
-          <a:p>
-            <a:pPr marL="514350" indent="-514350" algn="l">
-              <a:buFont typeface="+mj-lt"/>
-              <a:buAutoNum type="arabicPeriod"/>
-            </a:pPr>
-            <a:r>
-              <a:rPr lang="en-US" sz="3100" dirty="0" smtClean="0">
-                <a:solidFill>
-                  <a:schemeClr val="bg1"/>
-                </a:solidFill>
-              </a:rPr>
-              <a:t>The server verifies the authenticity of the message using the signature (ECDSA Verification)</a:t>
-            </a:r>
-          </a:p>
-          <a:p>
-            <a:pPr marL="514350" indent="-514350" algn="l">
-              <a:buFont typeface="+mj-lt"/>
-              <a:buAutoNum type="arabicPeriod"/>
-            </a:pPr>
-            <a:r>
-              <a:rPr lang="en-US" sz="3100" dirty="0" smtClean="0">
-                <a:solidFill>
-                  <a:schemeClr val="bg1"/>
-                </a:solidFill>
-              </a:rPr>
-              <a:t>Server saves the authenticated message</a:t>
-            </a:r>
-          </a:p>
-          <a:p>
-            <a:pPr marL="514350" indent="-514350" algn="l">
-              <a:buFont typeface="+mj-lt"/>
-              <a:buAutoNum type="arabicPeriod"/>
-            </a:pPr>
-            <a:r>
-              <a:rPr lang="en-US" sz="3100" dirty="0" smtClean="0">
-                <a:solidFill>
-                  <a:schemeClr val="bg1"/>
-                </a:solidFill>
-              </a:rPr>
-              <a:t>The other peer(s) sends requests to the server and receive the latest messages</a:t>
-            </a:r>
-          </a:p>
-          <a:p>
-            <a:pPr marL="514350" indent="-514350" algn="l">
-              <a:buFont typeface="+mj-lt"/>
-              <a:buAutoNum type="arabicPeriod"/>
-            </a:pPr>
-            <a:r>
-              <a:rPr lang="en-US" sz="3100" dirty="0" smtClean="0">
-                <a:solidFill>
-                  <a:schemeClr val="bg1"/>
-                </a:solidFill>
-              </a:rPr>
-              <a:t>The received messages are decrypted using the symmetric key and AES</a:t>
-            </a:r>
-          </a:p>
-          <a:p>
-            <a:pPr marL="514350" indent="-514350" algn="l">
-              <a:buFont typeface="+mj-lt"/>
-              <a:buAutoNum type="arabicPeriod"/>
-            </a:pPr>
-            <a:endParaRPr lang="en-US" sz="3100" dirty="0">
-              <a:solidFill>
-                <a:schemeClr val="bg1"/>
-              </a:solidFill>
-            </a:endParaRPr>
-          </a:p>
-        </p:txBody>
-      </p:sp>
-    </p:spTree>
-    <p:extLst>
-      <p:ext uri="{BB962C8B-B14F-4D97-AF65-F5344CB8AC3E}">
-        <p14:creationId xmlns:p14="http://schemas.microsoft.com/office/powerpoint/2010/main" val="2357914262"/>
-      </p:ext>
-    </p:extLst>
-  </p:cSld>
-  <p:clrMapOvr>
-    <a:masterClrMapping/>
-  </p:clrMapOvr>
-  <p:timing>
-    <p:tnLst>
-      <p:par>
-        <p:cTn id="1" dur="indefinite" restart="never" nodeType="tmRoot"/>
-      </p:par>
-    </p:tnLst>
-  </p:timing>
-</p:sld>
-</file>
-
-<file path=ppt/slides/slide8.xml><?xml version="1.0" encoding="utf-8"?>
-<p:sld xmlns:a="http://schemas.openxmlformats.org/drawingml/2006/main" xmlns:r="http://schemas.openxmlformats.org/officeDocument/2006/relationships" xmlns:p="http://schemas.openxmlformats.org/presentationml/2006/main">
-  <p:cSld>
-    <p:spTree>
-      <p:nvGrpSpPr>
-        <p:cNvPr id="1" name=""/>
-        <p:cNvGrpSpPr/>
-        <p:nvPr/>
-      </p:nvGrpSpPr>
-      <p:grpSpPr>
-        <a:xfrm>
-          <a:off x="0" y="0"/>
-          <a:ext cx="0" cy="0"/>
-          <a:chOff x="0" y="0"/>
-          <a:chExt cx="0" cy="0"/>
-        </a:xfrm>
-      </p:grpSpPr>
-      <p:sp>
-        <p:nvSpPr>
-          <p:cNvPr id="2" name="Title 1"/>
-          <p:cNvSpPr>
-            <a:spLocks noGrp="1"/>
-          </p:cNvSpPr>
-          <p:nvPr>
-            <p:ph type="ctrTitle"/>
-          </p:nvPr>
-        </p:nvSpPr>
-        <p:spPr>
-          <a:xfrm>
-            <a:off x="304800" y="152400"/>
-            <a:ext cx="8610600" cy="1447800"/>
-          </a:xfrm>
-        </p:spPr>
-        <p:txBody>
-          <a:bodyPr>
-            <a:normAutofit/>
-          </a:bodyPr>
-          <a:lstStyle/>
-          <a:p>
-            <a:pPr algn="l"/>
-            <a:r>
-              <a:rPr lang="en-US" dirty="0" smtClean="0">
-                <a:solidFill>
-                  <a:schemeClr val="bg1"/>
-                </a:solidFill>
-              </a:rPr>
               <a:t>Why Decentralization?</a:t>
             </a:r>
             <a:endParaRPr lang="en-US" dirty="0">
@@ -5566,7 +5419,7 @@
 </p:sld>
 </file>
 
-<file path=ppt/slides/slide9.xml><?xml version="1.0" encoding="utf-8"?>
+<file path=ppt/slides/slide7.xml><?xml version="1.0" encoding="utf-8"?>
 <p:sld xmlns:a="http://schemas.openxmlformats.org/drawingml/2006/main" xmlns:r="http://schemas.openxmlformats.org/officeDocument/2006/relationships" xmlns:p="http://schemas.openxmlformats.org/presentationml/2006/main">
   <p:cSld>
     <p:spTree>
@@ -5612,7 +5465,23 @@
                   <a:schemeClr val="bg1"/>
                 </a:solidFill>
               </a:rPr>
-              <a:t>Load Balanced Servers</a:t>
+              <a:t>Elliptic Curve </a:t>
+            </a:r>
+            <a:r>
+              <a:rPr lang="en-US" dirty="0" err="1" smtClean="0">
+                <a:solidFill>
+                  <a:schemeClr val="bg1"/>
+                </a:solidFill>
+              </a:rPr>
+              <a:t>Diffie</a:t>
+            </a:r>
+            <a:r>
+              <a:rPr lang="en-US" dirty="0" smtClean="0">
+                <a:solidFill>
+                  <a:schemeClr val="bg1"/>
+                </a:solidFill>
+              </a:rPr>
+              <a:t> Hellman</a:t>
             </a:r>
             <a:endParaRPr lang="en-US" dirty="0">
               <a:solidFill>
@@ -5634,32 +5503,17 @@
         </p:nvSpPr>
         <p:spPr>
           <a:xfrm>
-            <a:off x="0" y="4648200"/>
-            <a:ext cx="9144000" cy="1828800"/>
+            <a:off x="254758" y="3124200"/>
+            <a:ext cx="8915400" cy="2819400"/>
           </a:xfrm>
         </p:spPr>
         <p:txBody>
           <a:bodyPr>
-            <a:normAutofit lnSpcReduction="10000"/>
+            <a:normAutofit/>
           </a:bodyPr>
           <a:lstStyle/>
           <a:p>
-            <a:r>
-              <a:rPr lang="en-US" sz="3100" dirty="0" err="1" smtClean="0">
-                <a:solidFill>
-                  <a:schemeClr val="bg1"/>
-                </a:solidFill>
-              </a:rPr>
-              <a:t>CipherChat</a:t>
-            </a:r>
-            <a:r>
-              <a:rPr lang="en-US" sz="3100" dirty="0" smtClean="0">
-                <a:solidFill>
-                  <a:schemeClr val="bg1"/>
-                </a:solidFill>
-              </a:rPr>
-              <a:t> Servers are designed to be scalable. Multiple instances can be ran simultaneously on separate threads with each instance handling tasks asynchronously, maximizing efficiency</a:t>
-            </a:r>
+            <a:pPr algn="l"/>
             <a:endParaRPr lang="en-US" sz="3100" dirty="0">
               <a:solidFill>
                 <a:schemeClr val="bg1"/>
@@ -5691,72 +5545,8 @@
         </p:blipFill>
         <p:spPr bwMode="auto">
           <a:xfrm>
-            <a:off x="670601" y="1600200"/>
-            <a:ext cx="7863799" cy="988592"/>
-          </a:xfrm>
-          <a:prstGeom prst="rect">
-            <a:avLst/>
-          </a:prstGeom>
-          <a:noFill/>
-          <a:ln>
-            <a:noFill/>
-          </a:ln>
-          <a:effectLst/>
-          <a:extLst>
-            <a:ext uri="{909E8E84-426E-40DD-AFC4-6F175D3DCCD1}">
-              <a14:hiddenFill xmlns:a14="http://schemas.microsoft.com/office/drawing/2010/main">
-                <a:solidFill>
-                  <a:schemeClr val="accent1"/>
-                </a:solidFill>
-              </a14:hiddenFill>
-            </a:ext>
-            <a:ext uri="{91240B29-F687-4F45-9708-019B960494DF}">
-              <a14:hiddenLine xmlns:a14="http://schemas.microsoft.com/office/drawing/2010/main" w="9525">
-                <a:solidFill>
-                  <a:schemeClr val="tx1"/>
-                </a:solidFill>
-                <a:miter lim="800000"/>
-                <a:headEnd/>
-                <a:tailEnd/>
-              </a14:hiddenLine>
-            </a:ext>
-            <a:ext uri="{AF507438-7753-43E0-B8FC-AC1667EBCBE1}">
-              <a14:hiddenEffects xmlns:a14="http://schemas.microsoft.com/office/drawing/2010/main">
-                <a:effectLst>
-                  <a:outerShdw dist="35921" dir="2700000" algn="ctr" rotWithShape="0">
-                    <a:schemeClr val="bg2"/>
-                  </a:outerShdw>
-                </a:effectLst>
-              </a14:hiddenEffects>
-            </a:ext>
-          </a:extLst>
-        </p:spPr>
-      </p:pic>
-      <p:pic>
-        <p:nvPicPr>
-          <p:cNvPr id="1029" name="Picture 5"/>
-          <p:cNvPicPr>
-            <a:picLocks noChangeAspect="1" noChangeArrowheads="1"/>
-          </p:cNvPicPr>
-          <p:nvPr/>
-        </p:nvPicPr>
-        <p:blipFill>
-          <a:blip r:embed="rId3">
-            <a:extLst>
-              <a:ext uri="{28A0092B-C50C-407E-A947-70E740481C1C}">
-                <a14:useLocalDpi xmlns:a14="http://schemas.microsoft.com/office/drawing/2010/main" val="0"/>
-              </a:ext>
-            </a:extLst>
-          </a:blip>
-          <a:srcRect/>
-          <a:stretch>
-            <a:fillRect/>
-          </a:stretch>
-        </p:blipFill>
-        <p:spPr bwMode="auto">
-          <a:xfrm>
-            <a:off x="670560" y="2934861"/>
-            <a:ext cx="7863840" cy="1074725"/>
+            <a:off x="228600" y="1828800"/>
+            <a:ext cx="8675983" cy="4359711"/>
           </a:xfrm>
           <a:prstGeom prst="rect">
             <a:avLst/>
@@ -5799,7 +5589,465 @@
     </p:spTree>
     <p:extLst>
       <p:ext uri="{BB962C8B-B14F-4D97-AF65-F5344CB8AC3E}">
-        <p14:creationId xmlns:p14="http://schemas.microsoft.com/office/powerpoint/2010/main" val="1057870745"/>
+        <p14:creationId xmlns:p14="http://schemas.microsoft.com/office/powerpoint/2010/main" val="1827753660"/>
+      </p:ext>
+    </p:extLst>
+  </p:cSld>
+  <p:clrMapOvr>
+    <a:masterClrMapping/>
+  </p:clrMapOvr>
+  <p:timing>
+    <p:tnLst>
+      <p:par>
+        <p:cTn id="1" dur="indefinite" restart="never" nodeType="tmRoot"/>
+      </p:par>
+    </p:tnLst>
+  </p:timing>
+</p:sld>
+</file>
+
+<file path=ppt/slides/slide8.xml><?xml version="1.0" encoding="utf-8"?>
+<p:sld xmlns:a="http://schemas.openxmlformats.org/drawingml/2006/main" xmlns:r="http://schemas.openxmlformats.org/officeDocument/2006/relationships" xmlns:p="http://schemas.openxmlformats.org/presentationml/2006/main">
+  <p:cSld>
+    <p:spTree>
+      <p:nvGrpSpPr>
+        <p:cNvPr id="1" name=""/>
+        <p:cNvGrpSpPr/>
+        <p:nvPr/>
+      </p:nvGrpSpPr>
+      <p:grpSpPr>
+        <a:xfrm>
+          <a:off x="0" y="0"/>
+          <a:ext cx="0" cy="0"/>
+          <a:chOff x="0" y="0"/>
+          <a:chExt cx="0" cy="0"/>
+        </a:xfrm>
+      </p:grpSpPr>
+      <p:sp>
+        <p:nvSpPr>
+          <p:cNvPr id="2" name="Title 1"/>
+          <p:cNvSpPr>
+            <a:spLocks noGrp="1"/>
+          </p:cNvSpPr>
+          <p:nvPr>
+            <p:ph type="ctrTitle"/>
+          </p:nvPr>
+        </p:nvSpPr>
+        <p:spPr>
+          <a:xfrm>
+            <a:off x="304800" y="152400"/>
+            <a:ext cx="8610600" cy="1447800"/>
+          </a:xfrm>
+        </p:spPr>
+        <p:txBody>
+          <a:bodyPr>
+            <a:normAutofit/>
+          </a:bodyPr>
+          <a:lstStyle/>
+          <a:p>
+            <a:pPr algn="l"/>
+            <a:r>
+              <a:rPr lang="en-US" dirty="0" smtClean="0">
+                <a:solidFill>
+                  <a:schemeClr val="bg1"/>
+                </a:solidFill>
+              </a:rPr>
+              <a:t>Method</a:t>
+            </a:r>
+            <a:endParaRPr lang="en-US" dirty="0">
+              <a:solidFill>
+                <a:schemeClr val="bg1"/>
+              </a:solidFill>
+            </a:endParaRPr>
+          </a:p>
+        </p:txBody>
+      </p:sp>
+      <p:sp>
+        <p:nvSpPr>
+          <p:cNvPr id="3" name="Subtitle 2"/>
+          <p:cNvSpPr>
+            <a:spLocks noGrp="1"/>
+          </p:cNvSpPr>
+          <p:nvPr>
+            <p:ph type="subTitle" idx="1"/>
+          </p:nvPr>
+        </p:nvSpPr>
+        <p:spPr>
+          <a:xfrm>
+            <a:off x="254758" y="1219200"/>
+            <a:ext cx="8660642" cy="5486400"/>
+          </a:xfrm>
+        </p:spPr>
+        <p:txBody>
+          <a:bodyPr>
+            <a:normAutofit fontScale="92500" lnSpcReduction="20000"/>
+          </a:bodyPr>
+          <a:lstStyle/>
+          <a:p>
+            <a:pPr marL="514350" indent="-514350" algn="l">
+              <a:buFont typeface="+mj-lt"/>
+              <a:buAutoNum type="arabicPeriod"/>
+            </a:pPr>
+            <a:r>
+              <a:rPr lang="en-US" sz="3100" dirty="0" smtClean="0">
+                <a:solidFill>
+                  <a:schemeClr val="bg1"/>
+                </a:solidFill>
+              </a:rPr>
+              <a:t>Multiple clients connect to a </a:t>
+            </a:r>
+            <a:r>
+              <a:rPr lang="en-US" sz="3100" dirty="0" err="1" smtClean="0">
+                <a:solidFill>
+                  <a:schemeClr val="bg1"/>
+                </a:solidFill>
+              </a:rPr>
+              <a:t>CipherChat</a:t>
+            </a:r>
+            <a:r>
+              <a:rPr lang="en-US" sz="3100" dirty="0" smtClean="0">
+                <a:solidFill>
+                  <a:schemeClr val="bg1"/>
+                </a:solidFill>
+              </a:rPr>
+              <a:t> server</a:t>
+            </a:r>
+          </a:p>
+          <a:p>
+            <a:pPr marL="514350" indent="-514350" algn="l">
+              <a:buFont typeface="+mj-lt"/>
+              <a:buAutoNum type="arabicPeriod"/>
+            </a:pPr>
+            <a:r>
+              <a:rPr lang="en-US" sz="3100" dirty="0" smtClean="0">
+                <a:solidFill>
+                  <a:schemeClr val="bg1"/>
+                </a:solidFill>
+              </a:rPr>
+              <a:t>Clients exchange public keys using ECDH</a:t>
+            </a:r>
+          </a:p>
+          <a:p>
+            <a:pPr marL="514350" indent="-514350" algn="l">
+              <a:buFont typeface="+mj-lt"/>
+              <a:buAutoNum type="arabicPeriod"/>
+            </a:pPr>
+            <a:r>
+              <a:rPr lang="en-US" sz="3100" dirty="0" smtClean="0">
+                <a:solidFill>
+                  <a:schemeClr val="bg1"/>
+                </a:solidFill>
+              </a:rPr>
+              <a:t>Messages are encrypted using the generated symmetric key and AES</a:t>
+            </a:r>
+          </a:p>
+          <a:p>
+            <a:pPr marL="514350" indent="-514350" algn="l">
+              <a:buFont typeface="+mj-lt"/>
+              <a:buAutoNum type="arabicPeriod"/>
+            </a:pPr>
+            <a:r>
+              <a:rPr lang="en-US" sz="3100" dirty="0" smtClean="0">
+                <a:solidFill>
+                  <a:schemeClr val="bg1"/>
+                </a:solidFill>
+              </a:rPr>
+              <a:t>Messages are signed using ECDSA Signing</a:t>
+            </a:r>
+          </a:p>
+          <a:p>
+            <a:pPr marL="514350" indent="-514350" algn="l">
+              <a:buFont typeface="+mj-lt"/>
+              <a:buAutoNum type="arabicPeriod"/>
+            </a:pPr>
+            <a:r>
+              <a:rPr lang="en-US" sz="3100" dirty="0" smtClean="0">
+                <a:solidFill>
+                  <a:schemeClr val="bg1"/>
+                </a:solidFill>
+              </a:rPr>
+              <a:t>The encrypted message is sent to the server</a:t>
+            </a:r>
+          </a:p>
+          <a:p>
+            <a:pPr marL="514350" indent="-514350" algn="l">
+              <a:buFont typeface="+mj-lt"/>
+              <a:buAutoNum type="arabicPeriod"/>
+            </a:pPr>
+            <a:r>
+              <a:rPr lang="en-US" sz="3100" dirty="0" smtClean="0">
+                <a:solidFill>
+                  <a:schemeClr val="bg1"/>
+                </a:solidFill>
+              </a:rPr>
+              <a:t>The server verifies the authenticity of the message using the signature (ECDSA Verification)</a:t>
+            </a:r>
+          </a:p>
+          <a:p>
+            <a:pPr marL="514350" indent="-514350" algn="l">
+              <a:buFont typeface="+mj-lt"/>
+              <a:buAutoNum type="arabicPeriod"/>
+            </a:pPr>
+            <a:r>
+              <a:rPr lang="en-US" sz="3100" dirty="0" smtClean="0">
+                <a:solidFill>
+                  <a:schemeClr val="bg1"/>
+                </a:solidFill>
+              </a:rPr>
+              <a:t>Server saves the authenticated message</a:t>
+            </a:r>
+          </a:p>
+          <a:p>
+            <a:pPr marL="514350" indent="-514350" algn="l">
+              <a:buFont typeface="+mj-lt"/>
+              <a:buAutoNum type="arabicPeriod"/>
+            </a:pPr>
+            <a:r>
+              <a:rPr lang="en-US" sz="3100" dirty="0" smtClean="0">
+                <a:solidFill>
+                  <a:schemeClr val="bg1"/>
+                </a:solidFill>
+              </a:rPr>
+              <a:t>The other peer(s) sends requests to the server and receive the latest messages</a:t>
+            </a:r>
+          </a:p>
+          <a:p>
+            <a:pPr marL="514350" indent="-514350" algn="l">
+              <a:buFont typeface="+mj-lt"/>
+              <a:buAutoNum type="arabicPeriod"/>
+            </a:pPr>
+            <a:r>
+              <a:rPr lang="en-US" sz="3100" dirty="0" smtClean="0">
+                <a:solidFill>
+                  <a:schemeClr val="bg1"/>
+                </a:solidFill>
+              </a:rPr>
+              <a:t>The received messages are decrypted using the symmetric key and AES</a:t>
+            </a:r>
+          </a:p>
+          <a:p>
+            <a:pPr marL="514350" indent="-514350" algn="l">
+              <a:buFont typeface="+mj-lt"/>
+              <a:buAutoNum type="arabicPeriod"/>
+            </a:pPr>
+            <a:endParaRPr lang="en-US" sz="3100" dirty="0">
+              <a:solidFill>
+                <a:schemeClr val="bg1"/>
+              </a:solidFill>
+            </a:endParaRPr>
+          </a:p>
+        </p:txBody>
+      </p:sp>
+    </p:spTree>
+    <p:extLst>
+      <p:ext uri="{BB962C8B-B14F-4D97-AF65-F5344CB8AC3E}">
+        <p14:creationId xmlns:p14="http://schemas.microsoft.com/office/powerpoint/2010/main" val="2357914262"/>
+      </p:ext>
+    </p:extLst>
+  </p:cSld>
+  <p:clrMapOvr>
+    <a:masterClrMapping/>
+  </p:clrMapOvr>
+  <p:timing>
+    <p:tnLst>
+      <p:par>
+        <p:cTn id="1" dur="indefinite" restart="never" nodeType="tmRoot"/>
+      </p:par>
+    </p:tnLst>
+  </p:timing>
+</p:sld>
+</file>
+
+<file path=ppt/slides/slide9.xml><?xml version="1.0" encoding="utf-8"?>
+<p:sld xmlns:a="http://schemas.openxmlformats.org/drawingml/2006/main" xmlns:r="http://schemas.openxmlformats.org/officeDocument/2006/relationships" xmlns:p="http://schemas.openxmlformats.org/presentationml/2006/main">
+  <p:cSld>
+    <p:spTree>
+      <p:nvGrpSpPr>
+        <p:cNvPr id="1" name=""/>
+        <p:cNvGrpSpPr/>
+        <p:nvPr/>
+      </p:nvGrpSpPr>
+      <p:grpSpPr>
+        <a:xfrm>
+          <a:off x="0" y="0"/>
+          <a:ext cx="0" cy="0"/>
+          <a:chOff x="0" y="0"/>
+          <a:chExt cx="0" cy="0"/>
+        </a:xfrm>
+      </p:grpSpPr>
+      <p:sp>
+        <p:nvSpPr>
+          <p:cNvPr id="2" name="Title 1"/>
+          <p:cNvSpPr>
+            <a:spLocks noGrp="1"/>
+          </p:cNvSpPr>
+          <p:nvPr>
+            <p:ph type="ctrTitle"/>
+          </p:nvPr>
+        </p:nvSpPr>
+        <p:spPr>
+          <a:xfrm>
+            <a:off x="304800" y="152400"/>
+            <a:ext cx="8610600" cy="1447800"/>
+          </a:xfrm>
+        </p:spPr>
+        <p:txBody>
+          <a:bodyPr>
+            <a:normAutofit/>
+          </a:bodyPr>
+          <a:lstStyle/>
+          <a:p>
+            <a:pPr algn="l"/>
+            <a:r>
+              <a:rPr lang="en-US" dirty="0" err="1" smtClean="0">
+                <a:solidFill>
+                  <a:schemeClr val="bg1"/>
+                </a:solidFill>
+              </a:rPr>
+              <a:t>Diffie</a:t>
+            </a:r>
+            <a:r>
+              <a:rPr lang="en-US" dirty="0" smtClean="0">
+                <a:solidFill>
+                  <a:schemeClr val="bg1"/>
+                </a:solidFill>
+              </a:rPr>
+              <a:t> Hellman </a:t>
+            </a:r>
+            <a:r>
+              <a:rPr lang="en-US" dirty="0" err="1" smtClean="0">
+                <a:solidFill>
+                  <a:schemeClr val="bg1"/>
+                </a:solidFill>
+              </a:rPr>
+              <a:t>Vulnurability</a:t>
+            </a:r>
+            <a:endParaRPr lang="en-US" dirty="0">
+              <a:solidFill>
+                <a:schemeClr val="bg1"/>
+              </a:solidFill>
+            </a:endParaRPr>
+          </a:p>
+        </p:txBody>
+      </p:sp>
+      <p:sp>
+        <p:nvSpPr>
+          <p:cNvPr id="3" name="Subtitle 2"/>
+          <p:cNvSpPr>
+            <a:spLocks noGrp="1"/>
+          </p:cNvSpPr>
+          <p:nvPr>
+            <p:ph type="subTitle" idx="1"/>
+          </p:nvPr>
+        </p:nvSpPr>
+        <p:spPr>
+          <a:xfrm>
+            <a:off x="228600" y="1447800"/>
+            <a:ext cx="8915400" cy="4953000"/>
+          </a:xfrm>
+        </p:spPr>
+        <p:txBody>
+          <a:bodyPr>
+            <a:normAutofit lnSpcReduction="10000"/>
+          </a:bodyPr>
+          <a:lstStyle/>
+          <a:p>
+            <a:pPr algn="l"/>
+            <a:r>
+              <a:rPr lang="en-US" sz="3100" dirty="0" smtClean="0">
+                <a:solidFill>
+                  <a:schemeClr val="bg1"/>
+                </a:solidFill>
+              </a:rPr>
+              <a:t>Although </a:t>
+            </a:r>
+            <a:r>
+              <a:rPr lang="en-US" sz="3100" dirty="0" err="1" smtClean="0">
+                <a:solidFill>
+                  <a:schemeClr val="bg1"/>
+                </a:solidFill>
+              </a:rPr>
+              <a:t>Diffie</a:t>
+            </a:r>
+            <a:r>
+              <a:rPr lang="en-US" sz="3100" dirty="0" smtClean="0">
+                <a:solidFill>
+                  <a:schemeClr val="bg1"/>
+                </a:solidFill>
+              </a:rPr>
+              <a:t> Hellman can defend against passive attackers it is vulnerable to </a:t>
+            </a:r>
+            <a:r>
+              <a:rPr lang="en-US" sz="3100" u="sng" dirty="0" smtClean="0">
+                <a:solidFill>
+                  <a:schemeClr val="bg1"/>
+                </a:solidFill>
+              </a:rPr>
+              <a:t>Man in the Middle Attack</a:t>
+            </a:r>
+            <a:r>
+              <a:rPr lang="en-US" sz="3100" dirty="0" smtClean="0">
+                <a:solidFill>
+                  <a:schemeClr val="bg1"/>
+                </a:solidFill>
+              </a:rPr>
+              <a:t>. In this case the server may function as two or more separate peers, decrypting and re-encrypting message before sending them to the intended recipient.</a:t>
+            </a:r>
+          </a:p>
+          <a:p>
+            <a:pPr algn="l"/>
+            <a:r>
+              <a:rPr lang="en-US" sz="3100" u="sng" dirty="0" smtClean="0">
+                <a:solidFill>
+                  <a:schemeClr val="bg1"/>
+                </a:solidFill>
+              </a:rPr>
+              <a:t>Current Solution</a:t>
+            </a:r>
+            <a:endParaRPr lang="en-US" sz="3100" dirty="0" smtClean="0">
+              <a:solidFill>
+                <a:schemeClr val="bg1"/>
+              </a:solidFill>
+            </a:endParaRPr>
+          </a:p>
+          <a:p>
+            <a:pPr marL="514350" indent="-514350" algn="l">
+              <a:buAutoNum type="arabicPeriod"/>
+            </a:pPr>
+            <a:r>
+              <a:rPr lang="en-US" sz="3100" dirty="0" smtClean="0">
+                <a:solidFill>
+                  <a:schemeClr val="bg1"/>
+                </a:solidFill>
+              </a:rPr>
+              <a:t>Host and use your own server</a:t>
+            </a:r>
+          </a:p>
+          <a:p>
+            <a:pPr algn="l"/>
+            <a:endParaRPr lang="en-US" sz="3100" dirty="0" smtClean="0">
+              <a:solidFill>
+                <a:schemeClr val="bg1"/>
+              </a:solidFill>
+            </a:endParaRPr>
+          </a:p>
+          <a:p>
+            <a:pPr algn="l"/>
+            <a:r>
+              <a:rPr lang="en-US" sz="3100" dirty="0" smtClean="0">
+                <a:solidFill>
+                  <a:schemeClr val="bg1"/>
+                </a:solidFill>
+              </a:rPr>
+              <a:t>This vulnerability will addressed later in this presentation</a:t>
+            </a:r>
+          </a:p>
+        </p:txBody>
+      </p:sp>
+    </p:spTree>
+    <p:extLst>
+      <p:ext uri="{BB962C8B-B14F-4D97-AF65-F5344CB8AC3E}">
+        <p14:creationId xmlns:p14="http://schemas.microsoft.com/office/powerpoint/2010/main" val="3161049883"/>
       </p:ext>
     </p:extLst>
   </p:cSld>

--- a/SWEN3004/CipherChat Presentation.pptx
+++ b/SWEN3004/CipherChat Presentation.pptx
@@ -8,17 +8,18 @@
     <p:sldId id="256" r:id="rId2"/>
     <p:sldId id="257" r:id="rId3"/>
     <p:sldId id="267" r:id="rId4"/>
-    <p:sldId id="258" r:id="rId5"/>
-    <p:sldId id="263" r:id="rId6"/>
-    <p:sldId id="260" r:id="rId7"/>
-    <p:sldId id="261" r:id="rId8"/>
-    <p:sldId id="259" r:id="rId9"/>
-    <p:sldId id="269" r:id="rId10"/>
-    <p:sldId id="268" r:id="rId11"/>
-    <p:sldId id="262" r:id="rId12"/>
-    <p:sldId id="264" r:id="rId13"/>
-    <p:sldId id="265" r:id="rId14"/>
-    <p:sldId id="266" r:id="rId15"/>
+    <p:sldId id="270" r:id="rId5"/>
+    <p:sldId id="258" r:id="rId6"/>
+    <p:sldId id="263" r:id="rId7"/>
+    <p:sldId id="260" r:id="rId8"/>
+    <p:sldId id="261" r:id="rId9"/>
+    <p:sldId id="259" r:id="rId10"/>
+    <p:sldId id="269" r:id="rId11"/>
+    <p:sldId id="268" r:id="rId12"/>
+    <p:sldId id="262" r:id="rId13"/>
+    <p:sldId id="264" r:id="rId14"/>
+    <p:sldId id="265" r:id="rId15"/>
+    <p:sldId id="266" r:id="rId16"/>
   </p:sldIdLst>
   <p:sldSz cx="9144000" cy="6858000" type="screen4x3"/>
   <p:notesSz cx="6858000" cy="9144000"/>
@@ -301,7 +302,7 @@
           <a:p>
             <a:fld id="{72E4B8C5-FDE9-40E7-A1FE-02759727A400}" type="datetimeFigureOut">
               <a:rPr lang="en-US" smtClean="0"/>
-              <a:t>5/4/2019</a:t>
+              <a:t>5/7/2019</a:t>
             </a:fld>
             <a:endParaRPr lang="en-US"/>
           </a:p>
@@ -471,7 +472,7 @@
           <a:p>
             <a:fld id="{72E4B8C5-FDE9-40E7-A1FE-02759727A400}" type="datetimeFigureOut">
               <a:rPr lang="en-US" smtClean="0"/>
-              <a:t>5/4/2019</a:t>
+              <a:t>5/7/2019</a:t>
             </a:fld>
             <a:endParaRPr lang="en-US"/>
           </a:p>
@@ -651,7 +652,7 @@
           <a:p>
             <a:fld id="{72E4B8C5-FDE9-40E7-A1FE-02759727A400}" type="datetimeFigureOut">
               <a:rPr lang="en-US" smtClean="0"/>
-              <a:t>5/4/2019</a:t>
+              <a:t>5/7/2019</a:t>
             </a:fld>
             <a:endParaRPr lang="en-US"/>
           </a:p>
@@ -821,7 +822,7 @@
           <a:p>
             <a:fld id="{72E4B8C5-FDE9-40E7-A1FE-02759727A400}" type="datetimeFigureOut">
               <a:rPr lang="en-US" smtClean="0"/>
-              <a:t>5/4/2019</a:t>
+              <a:t>5/7/2019</a:t>
             </a:fld>
             <a:endParaRPr lang="en-US"/>
           </a:p>
@@ -1067,7 +1068,7 @@
           <a:p>
             <a:fld id="{72E4B8C5-FDE9-40E7-A1FE-02759727A400}" type="datetimeFigureOut">
               <a:rPr lang="en-US" smtClean="0"/>
-              <a:t>5/4/2019</a:t>
+              <a:t>5/7/2019</a:t>
             </a:fld>
             <a:endParaRPr lang="en-US"/>
           </a:p>
@@ -1355,7 +1356,7 @@
           <a:p>
             <a:fld id="{72E4B8C5-FDE9-40E7-A1FE-02759727A400}" type="datetimeFigureOut">
               <a:rPr lang="en-US" smtClean="0"/>
-              <a:t>5/4/2019</a:t>
+              <a:t>5/7/2019</a:t>
             </a:fld>
             <a:endParaRPr lang="en-US"/>
           </a:p>
@@ -1777,7 +1778,7 @@
           <a:p>
             <a:fld id="{72E4B8C5-FDE9-40E7-A1FE-02759727A400}" type="datetimeFigureOut">
               <a:rPr lang="en-US" smtClean="0"/>
-              <a:t>5/4/2019</a:t>
+              <a:t>5/7/2019</a:t>
             </a:fld>
             <a:endParaRPr lang="en-US"/>
           </a:p>
@@ -1895,7 +1896,7 @@
           <a:p>
             <a:fld id="{72E4B8C5-FDE9-40E7-A1FE-02759727A400}" type="datetimeFigureOut">
               <a:rPr lang="en-US" smtClean="0"/>
-              <a:t>5/4/2019</a:t>
+              <a:t>5/7/2019</a:t>
             </a:fld>
             <a:endParaRPr lang="en-US"/>
           </a:p>
@@ -1990,7 +1991,7 @@
           <a:p>
             <a:fld id="{72E4B8C5-FDE9-40E7-A1FE-02759727A400}" type="datetimeFigureOut">
               <a:rPr lang="en-US" smtClean="0"/>
-              <a:t>5/4/2019</a:t>
+              <a:t>5/7/2019</a:t>
             </a:fld>
             <a:endParaRPr lang="en-US"/>
           </a:p>
@@ -2267,7 +2268,7 @@
           <a:p>
             <a:fld id="{72E4B8C5-FDE9-40E7-A1FE-02759727A400}" type="datetimeFigureOut">
               <a:rPr lang="en-US" smtClean="0"/>
-              <a:t>5/4/2019</a:t>
+              <a:t>5/7/2019</a:t>
             </a:fld>
             <a:endParaRPr lang="en-US"/>
           </a:p>
@@ -2520,7 +2521,7 @@
           <a:p>
             <a:fld id="{72E4B8C5-FDE9-40E7-A1FE-02759727A400}" type="datetimeFigureOut">
               <a:rPr lang="en-US" smtClean="0"/>
-              <a:t>5/4/2019</a:t>
+              <a:t>5/7/2019</a:t>
             </a:fld>
             <a:endParaRPr lang="en-US"/>
           </a:p>
@@ -2743,7 +2744,7 @@
           <a:p>
             <a:fld id="{72E4B8C5-FDE9-40E7-A1FE-02759727A400}" type="datetimeFigureOut">
               <a:rPr lang="en-US" smtClean="0"/>
-              <a:t>5/4/2019</a:t>
+              <a:t>5/7/2019</a:t>
             </a:fld>
             <a:endParaRPr lang="en-US"/>
           </a:p>
@@ -3430,6 +3431,212 @@
           <a:p>
             <a:pPr algn="l"/>
             <a:r>
+              <a:rPr lang="en-US" dirty="0" err="1" smtClean="0">
+                <a:solidFill>
+                  <a:schemeClr val="bg1"/>
+                </a:solidFill>
+              </a:rPr>
+              <a:t>Diffie</a:t>
+            </a:r>
+            <a:r>
+              <a:rPr lang="en-US" dirty="0" smtClean="0">
+                <a:solidFill>
+                  <a:schemeClr val="bg1"/>
+                </a:solidFill>
+              </a:rPr>
+              <a:t> Hellman </a:t>
+            </a:r>
+            <a:r>
+              <a:rPr lang="en-US" dirty="0" err="1" smtClean="0">
+                <a:solidFill>
+                  <a:schemeClr val="bg1"/>
+                </a:solidFill>
+              </a:rPr>
+              <a:t>Vulnurability</a:t>
+            </a:r>
+            <a:endParaRPr lang="en-US" dirty="0">
+              <a:solidFill>
+                <a:schemeClr val="bg1"/>
+              </a:solidFill>
+            </a:endParaRPr>
+          </a:p>
+        </p:txBody>
+      </p:sp>
+      <p:sp>
+        <p:nvSpPr>
+          <p:cNvPr id="3" name="Subtitle 2"/>
+          <p:cNvSpPr>
+            <a:spLocks noGrp="1"/>
+          </p:cNvSpPr>
+          <p:nvPr>
+            <p:ph type="subTitle" idx="1"/>
+          </p:nvPr>
+        </p:nvSpPr>
+        <p:spPr>
+          <a:xfrm>
+            <a:off x="228600" y="1447800"/>
+            <a:ext cx="8915400" cy="4953000"/>
+          </a:xfrm>
+        </p:spPr>
+        <p:txBody>
+          <a:bodyPr>
+            <a:normAutofit lnSpcReduction="10000"/>
+          </a:bodyPr>
+          <a:lstStyle/>
+          <a:p>
+            <a:pPr algn="l"/>
+            <a:r>
+              <a:rPr lang="en-US" sz="3100" dirty="0" smtClean="0">
+                <a:solidFill>
+                  <a:schemeClr val="bg1"/>
+                </a:solidFill>
+              </a:rPr>
+              <a:t>Although </a:t>
+            </a:r>
+            <a:r>
+              <a:rPr lang="en-US" sz="3100" dirty="0" err="1" smtClean="0">
+                <a:solidFill>
+                  <a:schemeClr val="bg1"/>
+                </a:solidFill>
+              </a:rPr>
+              <a:t>Diffie</a:t>
+            </a:r>
+            <a:r>
+              <a:rPr lang="en-US" sz="3100" dirty="0" smtClean="0">
+                <a:solidFill>
+                  <a:schemeClr val="bg1"/>
+                </a:solidFill>
+              </a:rPr>
+              <a:t> Hellman can defend against passive attackers it is vulnerable to </a:t>
+            </a:r>
+            <a:r>
+              <a:rPr lang="en-US" sz="3100" u="sng" dirty="0" smtClean="0">
+                <a:solidFill>
+                  <a:schemeClr val="bg1"/>
+                </a:solidFill>
+              </a:rPr>
+              <a:t>Man in the Middle Attack</a:t>
+            </a:r>
+            <a:r>
+              <a:rPr lang="en-US" sz="3100" dirty="0" smtClean="0">
+                <a:solidFill>
+                  <a:schemeClr val="bg1"/>
+                </a:solidFill>
+              </a:rPr>
+              <a:t>. In this case the server may function as two or more separate peers, decrypting and re-encrypting message before sending them to the intended recipient.</a:t>
+            </a:r>
+          </a:p>
+          <a:p>
+            <a:pPr algn="l"/>
+            <a:r>
+              <a:rPr lang="en-US" sz="3100" u="sng" dirty="0" smtClean="0">
+                <a:solidFill>
+                  <a:schemeClr val="bg1"/>
+                </a:solidFill>
+              </a:rPr>
+              <a:t>Current Solution</a:t>
+            </a:r>
+            <a:endParaRPr lang="en-US" sz="3100" dirty="0" smtClean="0">
+              <a:solidFill>
+                <a:schemeClr val="bg1"/>
+              </a:solidFill>
+            </a:endParaRPr>
+          </a:p>
+          <a:p>
+            <a:pPr marL="514350" indent="-514350" algn="l">
+              <a:buAutoNum type="arabicPeriod"/>
+            </a:pPr>
+            <a:r>
+              <a:rPr lang="en-US" sz="3100" dirty="0" smtClean="0">
+                <a:solidFill>
+                  <a:schemeClr val="bg1"/>
+                </a:solidFill>
+              </a:rPr>
+              <a:t>Host and use your own server</a:t>
+            </a:r>
+          </a:p>
+          <a:p>
+            <a:pPr algn="l"/>
+            <a:endParaRPr lang="en-US" sz="3100" dirty="0" smtClean="0">
+              <a:solidFill>
+                <a:schemeClr val="bg1"/>
+              </a:solidFill>
+            </a:endParaRPr>
+          </a:p>
+          <a:p>
+            <a:pPr algn="l"/>
+            <a:r>
+              <a:rPr lang="en-US" sz="3100" dirty="0" smtClean="0">
+                <a:solidFill>
+                  <a:schemeClr val="bg1"/>
+                </a:solidFill>
+              </a:rPr>
+              <a:t>This vulnerability will addressed later in this presentation</a:t>
+            </a:r>
+          </a:p>
+        </p:txBody>
+      </p:sp>
+    </p:spTree>
+    <p:extLst>
+      <p:ext uri="{BB962C8B-B14F-4D97-AF65-F5344CB8AC3E}">
+        <p14:creationId xmlns:p14="http://schemas.microsoft.com/office/powerpoint/2010/main" val="3161049883"/>
+      </p:ext>
+    </p:extLst>
+  </p:cSld>
+  <p:clrMapOvr>
+    <a:masterClrMapping/>
+  </p:clrMapOvr>
+  <p:timing>
+    <p:tnLst>
+      <p:par>
+        <p:cTn id="1" dur="indefinite" restart="never" nodeType="tmRoot"/>
+      </p:par>
+    </p:tnLst>
+  </p:timing>
+</p:sld>
+</file>
+
+<file path=ppt/slides/slide11.xml><?xml version="1.0" encoding="utf-8"?>
+<p:sld xmlns:a="http://schemas.openxmlformats.org/drawingml/2006/main" xmlns:r="http://schemas.openxmlformats.org/officeDocument/2006/relationships" xmlns:p="http://schemas.openxmlformats.org/presentationml/2006/main">
+  <p:cSld>
+    <p:spTree>
+      <p:nvGrpSpPr>
+        <p:cNvPr id="1" name=""/>
+        <p:cNvGrpSpPr/>
+        <p:nvPr/>
+      </p:nvGrpSpPr>
+      <p:grpSpPr>
+        <a:xfrm>
+          <a:off x="0" y="0"/>
+          <a:ext cx="0" cy="0"/>
+          <a:chOff x="0" y="0"/>
+          <a:chExt cx="0" cy="0"/>
+        </a:xfrm>
+      </p:grpSpPr>
+      <p:sp>
+        <p:nvSpPr>
+          <p:cNvPr id="2" name="Title 1"/>
+          <p:cNvSpPr>
+            <a:spLocks noGrp="1"/>
+          </p:cNvSpPr>
+          <p:nvPr>
+            <p:ph type="ctrTitle"/>
+          </p:nvPr>
+        </p:nvSpPr>
+        <p:spPr>
+          <a:xfrm>
+            <a:off x="304800" y="152400"/>
+            <a:ext cx="8610600" cy="1447800"/>
+          </a:xfrm>
+        </p:spPr>
+        <p:txBody>
+          <a:bodyPr>
+            <a:normAutofit/>
+          </a:bodyPr>
+          <a:lstStyle/>
+          <a:p>
+            <a:pPr algn="l"/>
+            <a:r>
               <a:rPr lang="en-US" dirty="0" smtClean="0">
                 <a:solidFill>
                   <a:schemeClr val="bg1"/>
@@ -3639,252 +3846,6 @@
 </p:sld>
 </file>
 
-<file path=ppt/slides/slide11.xml><?xml version="1.0" encoding="utf-8"?>
-<p:sld xmlns:a="http://schemas.openxmlformats.org/drawingml/2006/main" xmlns:r="http://schemas.openxmlformats.org/officeDocument/2006/relationships" xmlns:p="http://schemas.openxmlformats.org/presentationml/2006/main">
-  <p:cSld>
-    <p:spTree>
-      <p:nvGrpSpPr>
-        <p:cNvPr id="1" name=""/>
-        <p:cNvGrpSpPr/>
-        <p:nvPr/>
-      </p:nvGrpSpPr>
-      <p:grpSpPr>
-        <a:xfrm>
-          <a:off x="0" y="0"/>
-          <a:ext cx="0" cy="0"/>
-          <a:chOff x="0" y="0"/>
-          <a:chExt cx="0" cy="0"/>
-        </a:xfrm>
-      </p:grpSpPr>
-      <p:sp>
-        <p:nvSpPr>
-          <p:cNvPr id="2" name="Title 1"/>
-          <p:cNvSpPr>
-            <a:spLocks noGrp="1"/>
-          </p:cNvSpPr>
-          <p:nvPr>
-            <p:ph type="ctrTitle"/>
-          </p:nvPr>
-        </p:nvSpPr>
-        <p:spPr>
-          <a:xfrm>
-            <a:off x="304800" y="152400"/>
-            <a:ext cx="8610600" cy="1447800"/>
-          </a:xfrm>
-        </p:spPr>
-        <p:txBody>
-          <a:bodyPr>
-            <a:normAutofit/>
-          </a:bodyPr>
-          <a:lstStyle/>
-          <a:p>
-            <a:pPr algn="l"/>
-            <a:r>
-              <a:rPr lang="en-US" dirty="0" smtClean="0">
-                <a:solidFill>
-                  <a:schemeClr val="bg1"/>
-                </a:solidFill>
-              </a:rPr>
-              <a:t>Open Source</a:t>
-            </a:r>
-            <a:endParaRPr lang="en-US" dirty="0">
-              <a:solidFill>
-                <a:schemeClr val="bg1"/>
-              </a:solidFill>
-            </a:endParaRPr>
-          </a:p>
-        </p:txBody>
-      </p:sp>
-      <p:sp>
-        <p:nvSpPr>
-          <p:cNvPr id="3" name="Subtitle 2"/>
-          <p:cNvSpPr>
-            <a:spLocks noGrp="1"/>
-          </p:cNvSpPr>
-          <p:nvPr>
-            <p:ph type="subTitle" idx="1"/>
-          </p:nvPr>
-        </p:nvSpPr>
-        <p:spPr>
-          <a:xfrm>
-            <a:off x="304800" y="1295400"/>
-            <a:ext cx="8534400" cy="5181600"/>
-          </a:xfrm>
-        </p:spPr>
-        <p:txBody>
-          <a:bodyPr>
-            <a:normAutofit fontScale="92500" lnSpcReduction="10000"/>
-          </a:bodyPr>
-          <a:lstStyle/>
-          <a:p>
-            <a:pPr algn="l"/>
-            <a:r>
-              <a:rPr lang="en-US" sz="3100" u="sng" dirty="0" smtClean="0">
-                <a:solidFill>
-                  <a:schemeClr val="bg1"/>
-                </a:solidFill>
-              </a:rPr>
-              <a:t>Food for Thought</a:t>
-            </a:r>
-          </a:p>
-          <a:p>
-            <a:pPr marL="514350" indent="-514350" algn="l">
-              <a:buFont typeface="+mj-lt"/>
-              <a:buAutoNum type="arabicPeriod"/>
-            </a:pPr>
-            <a:r>
-              <a:rPr lang="en-US" sz="3100" dirty="0" smtClean="0">
-                <a:solidFill>
-                  <a:schemeClr val="bg1"/>
-                </a:solidFill>
-              </a:rPr>
-              <a:t>Why should anyone trust applications if they cannot prove for themselves that it is secure?</a:t>
-            </a:r>
-          </a:p>
-          <a:p>
-            <a:pPr marL="514350" indent="-514350" algn="l">
-              <a:buFont typeface="+mj-lt"/>
-              <a:buAutoNum type="arabicPeriod"/>
-            </a:pPr>
-            <a:r>
-              <a:rPr lang="en-US" sz="3100" dirty="0" smtClean="0">
-                <a:solidFill>
-                  <a:schemeClr val="bg1"/>
-                </a:solidFill>
-              </a:rPr>
-              <a:t>Applications </a:t>
-            </a:r>
-            <a:r>
-              <a:rPr lang="en-US" sz="3100" dirty="0">
-                <a:solidFill>
-                  <a:schemeClr val="bg1"/>
-                </a:solidFill>
-              </a:rPr>
-              <a:t>should </a:t>
-            </a:r>
-            <a:r>
-              <a:rPr lang="en-US" sz="3100" dirty="0" smtClean="0">
-                <a:solidFill>
-                  <a:schemeClr val="bg1"/>
-                </a:solidFill>
-              </a:rPr>
-              <a:t>be secure by design and not by policy!</a:t>
-            </a:r>
-          </a:p>
-          <a:p>
-            <a:pPr marL="514350" indent="-514350" algn="l">
-              <a:buFont typeface="+mj-lt"/>
-              <a:buAutoNum type="arabicPeriod"/>
-            </a:pPr>
-            <a:endParaRPr lang="en-US" sz="3100" dirty="0" smtClean="0">
-              <a:solidFill>
-                <a:schemeClr val="bg1"/>
-              </a:solidFill>
-            </a:endParaRPr>
-          </a:p>
-          <a:p>
-            <a:pPr algn="l"/>
-            <a:r>
-              <a:rPr lang="en-US" sz="3100" dirty="0" err="1" smtClean="0">
-                <a:solidFill>
-                  <a:schemeClr val="bg1"/>
-                </a:solidFill>
-              </a:rPr>
-              <a:t>CipherChat</a:t>
-            </a:r>
-            <a:r>
-              <a:rPr lang="en-US" sz="3100" dirty="0" smtClean="0">
-                <a:solidFill>
-                  <a:schemeClr val="bg1"/>
-                </a:solidFill>
-              </a:rPr>
-              <a:t> is </a:t>
-            </a:r>
-            <a:r>
-              <a:rPr lang="en-US" sz="3100" dirty="0" smtClean="0">
-                <a:solidFill>
-                  <a:schemeClr val="bg1"/>
-                </a:solidFill>
-              </a:rPr>
-              <a:t>Open </a:t>
-            </a:r>
-            <a:r>
-              <a:rPr lang="en-US" sz="3100" dirty="0" smtClean="0">
-                <a:solidFill>
-                  <a:schemeClr val="bg1"/>
-                </a:solidFill>
-              </a:rPr>
-              <a:t>Source. </a:t>
-            </a:r>
-            <a:r>
-              <a:rPr lang="en-US" sz="3100" dirty="0" smtClean="0">
-                <a:solidFill>
-                  <a:schemeClr val="bg1"/>
-                </a:solidFill>
-              </a:rPr>
-              <a:t>By design, </a:t>
-            </a:r>
-            <a:r>
-              <a:rPr lang="en-US" sz="3100" dirty="0" err="1" smtClean="0">
-                <a:solidFill>
-                  <a:schemeClr val="bg1"/>
-                </a:solidFill>
-              </a:rPr>
-              <a:t>CipherChat</a:t>
-            </a:r>
-            <a:r>
-              <a:rPr lang="en-US" sz="3100" dirty="0" smtClean="0">
-                <a:solidFill>
-                  <a:schemeClr val="bg1"/>
-                </a:solidFill>
-              </a:rPr>
-              <a:t> is trustless if a known server is used for each conversation (else MITM vulnerability) and will evolve to be trustless regardless of which server is used.</a:t>
-            </a:r>
-            <a:br>
-              <a:rPr lang="en-US" sz="3100" dirty="0" smtClean="0">
-                <a:solidFill>
-                  <a:schemeClr val="bg1"/>
-                </a:solidFill>
-              </a:rPr>
-            </a:br>
-            <a:endParaRPr lang="en-US" sz="900" dirty="0" smtClean="0">
-              <a:solidFill>
-                <a:schemeClr val="bg1"/>
-              </a:solidFill>
-            </a:endParaRPr>
-          </a:p>
-          <a:p>
-            <a:r>
-              <a:rPr lang="en-US" sz="3100" dirty="0">
-                <a:solidFill>
-                  <a:schemeClr val="bg1"/>
-                </a:solidFill>
-              </a:rPr>
-              <a:t>https://github.com/CipherChat/CipherChat/</a:t>
-            </a:r>
-          </a:p>
-        </p:txBody>
-      </p:sp>
-    </p:spTree>
-    <p:extLst>
-      <p:ext uri="{BB962C8B-B14F-4D97-AF65-F5344CB8AC3E}">
-        <p14:creationId xmlns:p14="http://schemas.microsoft.com/office/powerpoint/2010/main" val="1616725130"/>
-      </p:ext>
-    </p:extLst>
-  </p:cSld>
-  <p:clrMapOvr>
-    <a:masterClrMapping/>
-  </p:clrMapOvr>
-  <p:timing>
-    <p:tnLst>
-      <p:par>
-        <p:cTn id="1" dur="indefinite" restart="never" nodeType="tmRoot"/>
-      </p:par>
-    </p:tnLst>
-  </p:timing>
-</p:sld>
-</file>
-
 <file path=ppt/slides/slide12.xml><?xml version="1.0" encoding="utf-8"?>
 <p:sld xmlns:a="http://schemas.openxmlformats.org/drawingml/2006/main" xmlns:r="http://schemas.openxmlformats.org/officeDocument/2006/relationships" xmlns:p="http://schemas.openxmlformats.org/presentationml/2006/main">
   <p:cSld>
@@ -3914,8 +3875,8 @@
         </p:nvSpPr>
         <p:spPr>
           <a:xfrm>
-            <a:off x="0" y="2514600"/>
-            <a:ext cx="9144000" cy="1447800"/>
+            <a:off x="304800" y="152400"/>
+            <a:ext cx="8610600" cy="1447800"/>
           </a:xfrm>
         </p:spPr>
         <p:txBody>
@@ -3924,13 +3885,14 @@
           </a:bodyPr>
           <a:lstStyle/>
           <a:p>
+            <a:pPr algn="l"/>
             <a:r>
               <a:rPr lang="en-US" dirty="0" smtClean="0">
                 <a:solidFill>
                   <a:schemeClr val="bg1"/>
                 </a:solidFill>
               </a:rPr>
-              <a:t>Live Demonstration</a:t>
+              <a:t>Open Source</a:t>
             </a:r>
             <a:endParaRPr lang="en-US" dirty="0">
               <a:solidFill>
@@ -3940,10 +3902,156 @@
           </a:p>
         </p:txBody>
       </p:sp>
+      <p:sp>
+        <p:nvSpPr>
+          <p:cNvPr id="3" name="Subtitle 2"/>
+          <p:cNvSpPr>
+            <a:spLocks noGrp="1"/>
+          </p:cNvSpPr>
+          <p:nvPr>
+            <p:ph type="subTitle" idx="1"/>
+          </p:nvPr>
+        </p:nvSpPr>
+        <p:spPr>
+          <a:xfrm>
+            <a:off x="304800" y="1295400"/>
+            <a:ext cx="8534400" cy="5181600"/>
+          </a:xfrm>
+        </p:spPr>
+        <p:txBody>
+          <a:bodyPr>
+            <a:normAutofit fontScale="92500" lnSpcReduction="10000"/>
+          </a:bodyPr>
+          <a:lstStyle/>
+          <a:p>
+            <a:pPr algn="l"/>
+            <a:r>
+              <a:rPr lang="en-US" sz="3100" u="sng" dirty="0" smtClean="0">
+                <a:solidFill>
+                  <a:schemeClr val="bg1"/>
+                </a:solidFill>
+              </a:rPr>
+              <a:t>Food for Thought</a:t>
+            </a:r>
+          </a:p>
+          <a:p>
+            <a:pPr marL="514350" indent="-514350" algn="l">
+              <a:buFont typeface="+mj-lt"/>
+              <a:buAutoNum type="arabicPeriod"/>
+            </a:pPr>
+            <a:r>
+              <a:rPr lang="en-US" sz="3100" dirty="0" smtClean="0">
+                <a:solidFill>
+                  <a:schemeClr val="bg1"/>
+                </a:solidFill>
+              </a:rPr>
+              <a:t>Why should anyone trust applications if they cannot prove for themselves that it is secure?</a:t>
+            </a:r>
+          </a:p>
+          <a:p>
+            <a:pPr marL="514350" indent="-514350" algn="l">
+              <a:buFont typeface="+mj-lt"/>
+              <a:buAutoNum type="arabicPeriod"/>
+            </a:pPr>
+            <a:r>
+              <a:rPr lang="en-US" sz="3100" dirty="0" smtClean="0">
+                <a:solidFill>
+                  <a:schemeClr val="bg1"/>
+                </a:solidFill>
+              </a:rPr>
+              <a:t>Applications </a:t>
+            </a:r>
+            <a:r>
+              <a:rPr lang="en-US" sz="3100" dirty="0">
+                <a:solidFill>
+                  <a:schemeClr val="bg1"/>
+                </a:solidFill>
+              </a:rPr>
+              <a:t>should </a:t>
+            </a:r>
+            <a:r>
+              <a:rPr lang="en-US" sz="3100" dirty="0" smtClean="0">
+                <a:solidFill>
+                  <a:schemeClr val="bg1"/>
+                </a:solidFill>
+              </a:rPr>
+              <a:t>be secure by design and not by policy!</a:t>
+            </a:r>
+          </a:p>
+          <a:p>
+            <a:pPr marL="514350" indent="-514350" algn="l">
+              <a:buFont typeface="+mj-lt"/>
+              <a:buAutoNum type="arabicPeriod"/>
+            </a:pPr>
+            <a:endParaRPr lang="en-US" sz="3100" dirty="0" smtClean="0">
+              <a:solidFill>
+                <a:schemeClr val="bg1"/>
+              </a:solidFill>
+            </a:endParaRPr>
+          </a:p>
+          <a:p>
+            <a:pPr algn="l"/>
+            <a:r>
+              <a:rPr lang="en-US" sz="3100" dirty="0" err="1" smtClean="0">
+                <a:solidFill>
+                  <a:schemeClr val="bg1"/>
+                </a:solidFill>
+              </a:rPr>
+              <a:t>CipherChat</a:t>
+            </a:r>
+            <a:r>
+              <a:rPr lang="en-US" sz="3100" dirty="0" smtClean="0">
+                <a:solidFill>
+                  <a:schemeClr val="bg1"/>
+                </a:solidFill>
+              </a:rPr>
+              <a:t> is Open Source. By design, </a:t>
+            </a:r>
+            <a:r>
+              <a:rPr lang="en-US" sz="3100" dirty="0" err="1" smtClean="0">
+                <a:solidFill>
+                  <a:schemeClr val="bg1"/>
+                </a:solidFill>
+              </a:rPr>
+              <a:t>CipherChat</a:t>
+            </a:r>
+            <a:r>
+              <a:rPr lang="en-US" sz="3100" dirty="0" smtClean="0">
+                <a:solidFill>
+                  <a:schemeClr val="bg1"/>
+                </a:solidFill>
+              </a:rPr>
+              <a:t> is trustless if a known server is used for each conversation (else MITM vulnerability) and will evolve to be trustless regardless of which server is used.</a:t>
+            </a:r>
+            <a:br>
+              <a:rPr lang="en-US" sz="3100" dirty="0" smtClean="0">
+                <a:solidFill>
+                  <a:schemeClr val="bg1"/>
+                </a:solidFill>
+              </a:rPr>
+            </a:br>
+            <a:endParaRPr lang="en-US" sz="900" dirty="0" smtClean="0">
+              <a:solidFill>
+                <a:schemeClr val="bg1"/>
+              </a:solidFill>
+            </a:endParaRPr>
+          </a:p>
+          <a:p>
+            <a:r>
+              <a:rPr lang="en-US" sz="3100" dirty="0">
+                <a:solidFill>
+                  <a:schemeClr val="bg1"/>
+                </a:solidFill>
+              </a:rPr>
+              <a:t>https://github.com/CipherChat/CipherChat/</a:t>
+            </a:r>
+          </a:p>
+        </p:txBody>
+      </p:sp>
     </p:spTree>
     <p:extLst>
       <p:ext uri="{BB962C8B-B14F-4D97-AF65-F5344CB8AC3E}">
-        <p14:creationId xmlns:p14="http://schemas.microsoft.com/office/powerpoint/2010/main" val="2589255197"/>
+        <p14:creationId xmlns:p14="http://schemas.microsoft.com/office/powerpoint/2010/main" val="1616725130"/>
       </p:ext>
     </p:extLst>
   </p:cSld>
@@ -3989,8 +4097,8 @@
         </p:nvSpPr>
         <p:spPr>
           <a:xfrm>
-            <a:off x="304800" y="152400"/>
-            <a:ext cx="8610600" cy="1447800"/>
+            <a:off x="0" y="2514600"/>
+            <a:ext cx="9144000" cy="1447800"/>
           </a:xfrm>
         </p:spPr>
         <p:txBody>
@@ -3999,14 +4107,13 @@
           </a:bodyPr>
           <a:lstStyle/>
           <a:p>
-            <a:pPr algn="l"/>
             <a:r>
               <a:rPr lang="en-US" dirty="0" smtClean="0">
                 <a:solidFill>
                   <a:schemeClr val="bg1"/>
                 </a:solidFill>
               </a:rPr>
-              <a:t>Future Improvements</a:t>
+              <a:t>Live Demonstration</a:t>
             </a:r>
             <a:endParaRPr lang="en-US" dirty="0">
               <a:solidFill>
@@ -4016,298 +4123,10 @@
           </a:p>
         </p:txBody>
       </p:sp>
-      <p:sp>
-        <p:nvSpPr>
-          <p:cNvPr id="3" name="Subtitle 2"/>
-          <p:cNvSpPr>
-            <a:spLocks noGrp="1"/>
-          </p:cNvSpPr>
-          <p:nvPr>
-            <p:ph type="subTitle" idx="1"/>
-          </p:nvPr>
-        </p:nvSpPr>
-        <p:spPr>
-          <a:xfrm>
-            <a:off x="304800" y="1219200"/>
-            <a:ext cx="8839200" cy="5410200"/>
-          </a:xfrm>
-        </p:spPr>
-        <p:txBody>
-          <a:bodyPr>
-            <a:normAutofit fontScale="85000" lnSpcReduction="20000"/>
-          </a:bodyPr>
-          <a:lstStyle/>
-          <a:p>
-            <a:pPr marL="514350" indent="-514350" algn="l">
-              <a:buFont typeface="+mj-lt"/>
-              <a:buAutoNum type="arabicPeriod"/>
-            </a:pPr>
-            <a:r>
-              <a:rPr lang="en-US" sz="3100" dirty="0" smtClean="0">
-                <a:solidFill>
-                  <a:schemeClr val="bg1"/>
-                </a:solidFill>
-              </a:rPr>
-              <a:t>Use of </a:t>
-            </a:r>
-            <a:r>
-              <a:rPr lang="en-US" sz="3100" dirty="0" err="1">
-                <a:solidFill>
-                  <a:schemeClr val="bg1"/>
-                </a:solidFill>
-              </a:rPr>
-              <a:t>w</a:t>
-            </a:r>
-            <a:r>
-              <a:rPr lang="en-US" sz="3100" dirty="0" err="1" smtClean="0">
-                <a:solidFill>
-                  <a:schemeClr val="bg1"/>
-                </a:solidFill>
-              </a:rPr>
-              <a:t>ebsockets</a:t>
-            </a:r>
-            <a:r>
-              <a:rPr lang="en-US" sz="3100" dirty="0" smtClean="0">
-                <a:solidFill>
-                  <a:schemeClr val="bg1"/>
-                </a:solidFill>
-              </a:rPr>
-              <a:t> instead of polling</a:t>
-            </a:r>
-          </a:p>
-          <a:p>
-            <a:pPr marL="514350" indent="-514350" algn="l">
-              <a:buFont typeface="+mj-lt"/>
-              <a:buAutoNum type="arabicPeriod"/>
-            </a:pPr>
-            <a:r>
-              <a:rPr lang="en-US" sz="3100" dirty="0" smtClean="0">
-                <a:solidFill>
-                  <a:schemeClr val="bg1"/>
-                </a:solidFill>
-              </a:rPr>
-              <a:t>Restrict Public Key Exchange to face-to-face interaction only</a:t>
-            </a:r>
-            <a:endParaRPr lang="en-US" sz="3100" dirty="0">
-              <a:solidFill>
-                <a:schemeClr val="bg1"/>
-              </a:solidFill>
-            </a:endParaRPr>
-          </a:p>
-          <a:p>
-            <a:pPr marL="514350" indent="-514350" algn="l">
-              <a:buFont typeface="+mj-lt"/>
-              <a:buAutoNum type="arabicPeriod"/>
-            </a:pPr>
-            <a:r>
-              <a:rPr lang="en-US" sz="3100" dirty="0" smtClean="0">
-                <a:solidFill>
-                  <a:schemeClr val="bg1"/>
-                </a:solidFill>
-              </a:rPr>
-              <a:t>Create </a:t>
-            </a:r>
-            <a:r>
-              <a:rPr lang="en-US" sz="3100" dirty="0">
-                <a:solidFill>
-                  <a:schemeClr val="bg1"/>
-                </a:solidFill>
-              </a:rPr>
-              <a:t>more incentives for person to host their own </a:t>
-            </a:r>
-            <a:r>
-              <a:rPr lang="en-US" sz="3100" dirty="0" err="1">
-                <a:solidFill>
-                  <a:schemeClr val="bg1"/>
-                </a:solidFill>
-              </a:rPr>
-              <a:t>CipherChat</a:t>
-            </a:r>
-            <a:r>
-              <a:rPr lang="en-US" sz="3100" dirty="0">
-                <a:solidFill>
-                  <a:schemeClr val="bg1"/>
-                </a:solidFill>
-              </a:rPr>
-              <a:t> </a:t>
-            </a:r>
-            <a:r>
-              <a:rPr lang="en-US" sz="3100" dirty="0" smtClean="0">
-                <a:solidFill>
-                  <a:schemeClr val="bg1"/>
-                </a:solidFill>
-              </a:rPr>
-              <a:t>servers</a:t>
-            </a:r>
-          </a:p>
-          <a:p>
-            <a:pPr marL="514350" indent="-514350" algn="l">
-              <a:buFont typeface="+mj-lt"/>
-              <a:buAutoNum type="arabicPeriod"/>
-            </a:pPr>
-            <a:r>
-              <a:rPr lang="en-US" sz="3100" dirty="0" smtClean="0">
-                <a:solidFill>
-                  <a:schemeClr val="bg1"/>
-                </a:solidFill>
-              </a:rPr>
-              <a:t>Notifications</a:t>
-            </a:r>
-          </a:p>
-          <a:p>
-            <a:pPr marL="514350" indent="-514350" algn="l">
-              <a:buFont typeface="+mj-lt"/>
-              <a:buAutoNum type="arabicPeriod"/>
-            </a:pPr>
-            <a:r>
-              <a:rPr lang="en-US" sz="3100" dirty="0" smtClean="0">
-                <a:solidFill>
-                  <a:schemeClr val="bg1"/>
-                </a:solidFill>
-              </a:rPr>
-              <a:t>Make app multilingual</a:t>
-            </a:r>
-          </a:p>
-          <a:p>
-            <a:pPr marL="514350" indent="-514350" algn="l">
-              <a:buFont typeface="+mj-lt"/>
-              <a:buAutoNum type="arabicPeriod"/>
-            </a:pPr>
-            <a:r>
-              <a:rPr lang="en-US" sz="3100" dirty="0" smtClean="0">
-                <a:solidFill>
-                  <a:schemeClr val="bg1"/>
-                </a:solidFill>
-              </a:rPr>
-              <a:t>Allow </a:t>
-            </a:r>
-            <a:r>
-              <a:rPr lang="en-US" sz="3100" dirty="0">
-                <a:solidFill>
-                  <a:schemeClr val="bg1"/>
-                </a:solidFill>
-              </a:rPr>
-              <a:t>for the parsing of more complex data such as images and </a:t>
-            </a:r>
-            <a:r>
-              <a:rPr lang="en-US" sz="3100" dirty="0" smtClean="0">
-                <a:solidFill>
-                  <a:schemeClr val="bg1"/>
-                </a:solidFill>
-              </a:rPr>
-              <a:t>videos</a:t>
-            </a:r>
-          </a:p>
-          <a:p>
-            <a:pPr algn="l"/>
-            <a:endParaRPr lang="en-US" sz="1600" dirty="0">
-              <a:solidFill>
-                <a:schemeClr val="bg1"/>
-              </a:solidFill>
-            </a:endParaRPr>
-          </a:p>
-          <a:p>
-            <a:pPr algn="l"/>
-            <a:r>
-              <a:rPr lang="en-US" sz="3100" u="sng" dirty="0" smtClean="0">
-                <a:solidFill>
-                  <a:schemeClr val="bg1"/>
-                </a:solidFill>
-              </a:rPr>
-              <a:t>Distant Future</a:t>
-            </a:r>
-          </a:p>
-          <a:p>
-            <a:pPr marL="514350" indent="-514350" algn="l">
-              <a:buFont typeface="+mj-lt"/>
-              <a:buAutoNum type="arabicPeriod"/>
-            </a:pPr>
-            <a:r>
-              <a:rPr lang="en-US" sz="3100" dirty="0" smtClean="0">
-                <a:solidFill>
-                  <a:schemeClr val="bg1"/>
-                </a:solidFill>
-              </a:rPr>
-              <a:t>Facilitate the </a:t>
-            </a:r>
-            <a:r>
-              <a:rPr lang="en-US" sz="3100" dirty="0">
-                <a:solidFill>
-                  <a:schemeClr val="bg1"/>
-                </a:solidFill>
-              </a:rPr>
-              <a:t>sending of </a:t>
-            </a:r>
-            <a:r>
-              <a:rPr lang="en-US" sz="3100" dirty="0" smtClean="0">
-                <a:solidFill>
-                  <a:schemeClr val="bg1"/>
-                </a:solidFill>
-              </a:rPr>
-              <a:t>any currency (using crypto)</a:t>
-            </a:r>
-          </a:p>
-          <a:p>
-            <a:pPr marL="514350" indent="-514350" algn="l">
-              <a:buFont typeface="+mj-lt"/>
-              <a:buAutoNum type="arabicPeriod"/>
-            </a:pPr>
-            <a:r>
-              <a:rPr lang="en-US" sz="3100" dirty="0" err="1" smtClean="0">
-                <a:solidFill>
-                  <a:schemeClr val="bg1"/>
-                </a:solidFill>
-              </a:rPr>
-              <a:t>Blockchain</a:t>
-            </a:r>
-            <a:endParaRPr lang="en-US" sz="3100" dirty="0">
-              <a:solidFill>
-                <a:schemeClr val="bg1"/>
-              </a:solidFill>
-            </a:endParaRPr>
-          </a:p>
-          <a:p>
-            <a:pPr marL="514350" indent="-514350" algn="l">
-              <a:buFont typeface="+mj-lt"/>
-              <a:buAutoNum type="arabicPeriod"/>
-            </a:pPr>
-            <a:r>
-              <a:rPr lang="en-US" sz="3100" dirty="0" smtClean="0">
-                <a:solidFill>
-                  <a:schemeClr val="bg1"/>
-                </a:solidFill>
-              </a:rPr>
-              <a:t>Free Decentralized Applets (Cab Hailing, Package Delivery etc.)</a:t>
-            </a:r>
-          </a:p>
-          <a:p>
-            <a:pPr marL="514350" indent="-514350" algn="l">
-              <a:buFont typeface="+mj-lt"/>
-              <a:buAutoNum type="arabicPeriod"/>
-            </a:pPr>
-            <a:endParaRPr lang="en-US" sz="3100" dirty="0" smtClean="0">
-              <a:solidFill>
-                <a:schemeClr val="bg1"/>
-              </a:solidFill>
-            </a:endParaRPr>
-          </a:p>
-          <a:p>
-            <a:pPr marL="514350" indent="-514350" algn="l">
-              <a:buFont typeface="+mj-lt"/>
-              <a:buAutoNum type="arabicPeriod"/>
-            </a:pPr>
-            <a:endParaRPr lang="en-US" sz="3100" dirty="0" smtClean="0">
-              <a:solidFill>
-                <a:schemeClr val="bg1"/>
-              </a:solidFill>
-            </a:endParaRPr>
-          </a:p>
-        </p:txBody>
-      </p:sp>
     </p:spTree>
     <p:extLst>
       <p:ext uri="{BB962C8B-B14F-4D97-AF65-F5344CB8AC3E}">
-        <p14:creationId xmlns:p14="http://schemas.microsoft.com/office/powerpoint/2010/main" val="1032352236"/>
+        <p14:creationId xmlns:p14="http://schemas.microsoft.com/office/powerpoint/2010/main" val="2589255197"/>
       </p:ext>
     </p:extLst>
   </p:cSld>
@@ -4353,6 +4172,354 @@
         </p:nvSpPr>
         <p:spPr>
           <a:xfrm>
+            <a:off x="304800" y="152400"/>
+            <a:ext cx="8610600" cy="1447800"/>
+          </a:xfrm>
+        </p:spPr>
+        <p:txBody>
+          <a:bodyPr>
+            <a:normAutofit/>
+          </a:bodyPr>
+          <a:lstStyle/>
+          <a:p>
+            <a:pPr algn="l"/>
+            <a:r>
+              <a:rPr lang="en-US" dirty="0" smtClean="0">
+                <a:solidFill>
+                  <a:schemeClr val="bg1"/>
+                </a:solidFill>
+              </a:rPr>
+              <a:t>Future Improvements</a:t>
+            </a:r>
+            <a:endParaRPr lang="en-US" dirty="0">
+              <a:solidFill>
+                <a:schemeClr val="bg1"/>
+              </a:solidFill>
+            </a:endParaRPr>
+          </a:p>
+        </p:txBody>
+      </p:sp>
+      <p:sp>
+        <p:nvSpPr>
+          <p:cNvPr id="3" name="Subtitle 2"/>
+          <p:cNvSpPr>
+            <a:spLocks noGrp="1"/>
+          </p:cNvSpPr>
+          <p:nvPr>
+            <p:ph type="subTitle" idx="1"/>
+          </p:nvPr>
+        </p:nvSpPr>
+        <p:spPr>
+          <a:xfrm>
+            <a:off x="304800" y="1219200"/>
+            <a:ext cx="8839200" cy="5410200"/>
+          </a:xfrm>
+        </p:spPr>
+        <p:txBody>
+          <a:bodyPr>
+            <a:normAutofit fontScale="85000" lnSpcReduction="20000"/>
+          </a:bodyPr>
+          <a:lstStyle/>
+          <a:p>
+            <a:pPr marL="514350" indent="-514350" algn="l">
+              <a:buFont typeface="+mj-lt"/>
+              <a:buAutoNum type="arabicPeriod"/>
+            </a:pPr>
+            <a:r>
+              <a:rPr lang="en-US" sz="3100" dirty="0" smtClean="0">
+                <a:solidFill>
+                  <a:schemeClr val="bg1"/>
+                </a:solidFill>
+              </a:rPr>
+              <a:t>Use of </a:t>
+            </a:r>
+            <a:r>
+              <a:rPr lang="en-US" sz="3100" dirty="0" err="1">
+                <a:solidFill>
+                  <a:schemeClr val="bg1"/>
+                </a:solidFill>
+              </a:rPr>
+              <a:t>w</a:t>
+            </a:r>
+            <a:r>
+              <a:rPr lang="en-US" sz="3100" dirty="0" err="1" smtClean="0">
+                <a:solidFill>
+                  <a:schemeClr val="bg1"/>
+                </a:solidFill>
+              </a:rPr>
+              <a:t>ebsockets</a:t>
+            </a:r>
+            <a:r>
+              <a:rPr lang="en-US" sz="3100" dirty="0" smtClean="0">
+                <a:solidFill>
+                  <a:schemeClr val="bg1"/>
+                </a:solidFill>
+              </a:rPr>
+              <a:t> instead of polling</a:t>
+            </a:r>
+          </a:p>
+          <a:p>
+            <a:pPr marL="514350" indent="-514350" algn="l">
+              <a:buFont typeface="+mj-lt"/>
+              <a:buAutoNum type="arabicPeriod"/>
+            </a:pPr>
+            <a:r>
+              <a:rPr lang="en-US" sz="3100" dirty="0" smtClean="0">
+                <a:solidFill>
+                  <a:schemeClr val="bg1"/>
+                </a:solidFill>
+              </a:rPr>
+              <a:t>Restrict Public Key Exchange to face-to-face interaction only</a:t>
+            </a:r>
+            <a:endParaRPr lang="en-US" sz="3100" dirty="0">
+              <a:solidFill>
+                <a:schemeClr val="bg1"/>
+              </a:solidFill>
+            </a:endParaRPr>
+          </a:p>
+          <a:p>
+            <a:pPr marL="514350" indent="-514350" algn="l">
+              <a:buFont typeface="+mj-lt"/>
+              <a:buAutoNum type="arabicPeriod"/>
+            </a:pPr>
+            <a:r>
+              <a:rPr lang="en-US" sz="3100" dirty="0" smtClean="0">
+                <a:solidFill>
+                  <a:schemeClr val="bg1"/>
+                </a:solidFill>
+              </a:rPr>
+              <a:t>Create </a:t>
+            </a:r>
+            <a:r>
+              <a:rPr lang="en-US" sz="3100" dirty="0">
+                <a:solidFill>
+                  <a:schemeClr val="bg1"/>
+                </a:solidFill>
+              </a:rPr>
+              <a:t>more incentives for person to host their own </a:t>
+            </a:r>
+            <a:r>
+              <a:rPr lang="en-US" sz="3100" dirty="0" err="1">
+                <a:solidFill>
+                  <a:schemeClr val="bg1"/>
+                </a:solidFill>
+              </a:rPr>
+              <a:t>CipherChat</a:t>
+            </a:r>
+            <a:r>
+              <a:rPr lang="en-US" sz="3100" dirty="0">
+                <a:solidFill>
+                  <a:schemeClr val="bg1"/>
+                </a:solidFill>
+              </a:rPr>
+              <a:t> </a:t>
+            </a:r>
+            <a:r>
+              <a:rPr lang="en-US" sz="3100" dirty="0" smtClean="0">
+                <a:solidFill>
+                  <a:schemeClr val="bg1"/>
+                </a:solidFill>
+              </a:rPr>
+              <a:t>servers</a:t>
+            </a:r>
+          </a:p>
+          <a:p>
+            <a:pPr marL="514350" indent="-514350" algn="l">
+              <a:buFont typeface="+mj-lt"/>
+              <a:buAutoNum type="arabicPeriod"/>
+            </a:pPr>
+            <a:r>
+              <a:rPr lang="en-US" sz="3100" dirty="0" smtClean="0">
+                <a:solidFill>
+                  <a:schemeClr val="bg1"/>
+                </a:solidFill>
+              </a:rPr>
+              <a:t>Notifications</a:t>
+            </a:r>
+          </a:p>
+          <a:p>
+            <a:pPr marL="514350" indent="-514350" algn="l">
+              <a:buFont typeface="+mj-lt"/>
+              <a:buAutoNum type="arabicPeriod"/>
+            </a:pPr>
+            <a:r>
+              <a:rPr lang="en-US" sz="3100" dirty="0" smtClean="0">
+                <a:solidFill>
+                  <a:schemeClr val="bg1"/>
+                </a:solidFill>
+              </a:rPr>
+              <a:t>Make app multilingual</a:t>
+            </a:r>
+          </a:p>
+          <a:p>
+            <a:pPr marL="514350" indent="-514350" algn="l">
+              <a:buFont typeface="+mj-lt"/>
+              <a:buAutoNum type="arabicPeriod"/>
+            </a:pPr>
+            <a:r>
+              <a:rPr lang="en-US" sz="3100" dirty="0" smtClean="0">
+                <a:solidFill>
+                  <a:schemeClr val="bg1"/>
+                </a:solidFill>
+              </a:rPr>
+              <a:t>Allow </a:t>
+            </a:r>
+            <a:r>
+              <a:rPr lang="en-US" sz="3100" dirty="0">
+                <a:solidFill>
+                  <a:schemeClr val="bg1"/>
+                </a:solidFill>
+              </a:rPr>
+              <a:t>for the parsing of more complex data such as images and </a:t>
+            </a:r>
+            <a:r>
+              <a:rPr lang="en-US" sz="3100" dirty="0" smtClean="0">
+                <a:solidFill>
+                  <a:schemeClr val="bg1"/>
+                </a:solidFill>
+              </a:rPr>
+              <a:t>videos</a:t>
+            </a:r>
+          </a:p>
+          <a:p>
+            <a:pPr algn="l"/>
+            <a:endParaRPr lang="en-US" sz="1600" dirty="0">
+              <a:solidFill>
+                <a:schemeClr val="bg1"/>
+              </a:solidFill>
+            </a:endParaRPr>
+          </a:p>
+          <a:p>
+            <a:pPr algn="l"/>
+            <a:r>
+              <a:rPr lang="en-US" sz="3100" u="sng" dirty="0" smtClean="0">
+                <a:solidFill>
+                  <a:schemeClr val="bg1"/>
+                </a:solidFill>
+              </a:rPr>
+              <a:t>Distant Future</a:t>
+            </a:r>
+          </a:p>
+          <a:p>
+            <a:pPr marL="514350" indent="-514350" algn="l">
+              <a:buFont typeface="+mj-lt"/>
+              <a:buAutoNum type="arabicPeriod"/>
+            </a:pPr>
+            <a:r>
+              <a:rPr lang="en-US" sz="3100" dirty="0" smtClean="0">
+                <a:solidFill>
+                  <a:schemeClr val="bg1"/>
+                </a:solidFill>
+              </a:rPr>
+              <a:t>Facilitate the sending of any currency (using crypto)</a:t>
+            </a:r>
+          </a:p>
+          <a:p>
+            <a:pPr marL="514350" indent="-514350" algn="l">
+              <a:buFont typeface="+mj-lt"/>
+              <a:buAutoNum type="arabicPeriod"/>
+            </a:pPr>
+            <a:r>
+              <a:rPr lang="en-US" sz="3100" dirty="0" err="1" smtClean="0">
+                <a:solidFill>
+                  <a:schemeClr val="bg1"/>
+                </a:solidFill>
+              </a:rPr>
+              <a:t>Blockchain</a:t>
+            </a:r>
+            <a:endParaRPr lang="en-US" sz="3100" dirty="0" smtClean="0">
+              <a:solidFill>
+                <a:schemeClr val="bg1"/>
+              </a:solidFill>
+            </a:endParaRPr>
+          </a:p>
+          <a:p>
+            <a:pPr marL="514350" indent="-514350" algn="l">
+              <a:buFont typeface="+mj-lt"/>
+              <a:buAutoNum type="arabicPeriod"/>
+            </a:pPr>
+            <a:r>
+              <a:rPr lang="en-US" sz="3100" dirty="0" smtClean="0">
+                <a:solidFill>
+                  <a:schemeClr val="bg1"/>
+                </a:solidFill>
+              </a:rPr>
+              <a:t>Free Decentralized Applets (Cab Hailing, Package Delivery etc.)</a:t>
+            </a:r>
+          </a:p>
+          <a:p>
+            <a:pPr marL="514350" indent="-514350" algn="l">
+              <a:buFont typeface="+mj-lt"/>
+              <a:buAutoNum type="arabicPeriod"/>
+            </a:pPr>
+            <a:endParaRPr lang="en-US" sz="3100" dirty="0" smtClean="0">
+              <a:solidFill>
+                <a:schemeClr val="bg1"/>
+              </a:solidFill>
+            </a:endParaRPr>
+          </a:p>
+          <a:p>
+            <a:pPr marL="514350" indent="-514350" algn="l">
+              <a:buFont typeface="+mj-lt"/>
+              <a:buAutoNum type="arabicPeriod"/>
+            </a:pPr>
+            <a:endParaRPr lang="en-US" sz="3100" dirty="0" smtClean="0">
+              <a:solidFill>
+                <a:schemeClr val="bg1"/>
+              </a:solidFill>
+            </a:endParaRPr>
+          </a:p>
+        </p:txBody>
+      </p:sp>
+    </p:spTree>
+    <p:extLst>
+      <p:ext uri="{BB962C8B-B14F-4D97-AF65-F5344CB8AC3E}">
+        <p14:creationId xmlns:p14="http://schemas.microsoft.com/office/powerpoint/2010/main" val="1032352236"/>
+      </p:ext>
+    </p:extLst>
+  </p:cSld>
+  <p:clrMapOvr>
+    <a:masterClrMapping/>
+  </p:clrMapOvr>
+  <p:timing>
+    <p:tnLst>
+      <p:par>
+        <p:cTn id="1" dur="indefinite" restart="never" nodeType="tmRoot"/>
+      </p:par>
+    </p:tnLst>
+  </p:timing>
+</p:sld>
+</file>
+
+<file path=ppt/slides/slide15.xml><?xml version="1.0" encoding="utf-8"?>
+<p:sld xmlns:a="http://schemas.openxmlformats.org/drawingml/2006/main" xmlns:r="http://schemas.openxmlformats.org/officeDocument/2006/relationships" xmlns:p="http://schemas.openxmlformats.org/presentationml/2006/main">
+  <p:cSld>
+    <p:spTree>
+      <p:nvGrpSpPr>
+        <p:cNvPr id="1" name=""/>
+        <p:cNvGrpSpPr/>
+        <p:nvPr/>
+      </p:nvGrpSpPr>
+      <p:grpSpPr>
+        <a:xfrm>
+          <a:off x="0" y="0"/>
+          <a:ext cx="0" cy="0"/>
+          <a:chOff x="0" y="0"/>
+          <a:chExt cx="0" cy="0"/>
+        </a:xfrm>
+      </p:grpSpPr>
+      <p:sp>
+        <p:nvSpPr>
+          <p:cNvPr id="2" name="Title 1"/>
+          <p:cNvSpPr>
+            <a:spLocks noGrp="1"/>
+          </p:cNvSpPr>
+          <p:nvPr>
+            <p:ph type="ctrTitle"/>
+          </p:nvPr>
+        </p:nvSpPr>
+        <p:spPr>
+          <a:xfrm>
             <a:off x="0" y="2514600"/>
             <a:ext cx="9144000" cy="1447800"/>
           </a:xfrm>
@@ -4401,7 +4568,30 @@
                   <a:schemeClr val="bg1"/>
                 </a:solidFill>
               </a:rPr>
-              <a:t>ttention!</a:t>
+              <a:t>ttention</a:t>
+            </a:r>
+            <a:r>
+              <a:rPr lang="en-US" dirty="0" smtClean="0">
+                <a:solidFill>
+                  <a:schemeClr val="bg1"/>
+                </a:solidFill>
+              </a:rPr>
+              <a:t>!</a:t>
+            </a:r>
+            <a:br>
+              <a:rPr lang="en-US" dirty="0" smtClean="0">
+                <a:solidFill>
+                  <a:schemeClr val="bg1"/>
+                </a:solidFill>
+              </a:rPr>
+            </a:br>
+            <a:r>
+              <a:rPr lang="en-US" sz="3200" dirty="0" smtClean="0">
+                <a:solidFill>
+                  <a:schemeClr val="bg1"/>
+                </a:solidFill>
+              </a:rPr>
+              <a:t>Any Question?</a:t>
             </a:r>
             <a:endParaRPr lang="en-US" dirty="0">
               <a:solidFill>
@@ -4608,7 +4798,7 @@
                   <a:schemeClr val="bg1"/>
                 </a:solidFill>
               </a:rPr>
-              <a:t>Tools Used</a:t>
+              <a:t>User Interface</a:t>
             </a:r>
             <a:endParaRPr lang="en-US" dirty="0">
               <a:solidFill>
@@ -4641,137 +4831,6 @@
           <a:lstStyle/>
           <a:p>
             <a:pPr algn="l"/>
-            <a:r>
-              <a:rPr lang="en-US" dirty="0" smtClean="0">
-                <a:solidFill>
-                  <a:schemeClr val="bg1"/>
-                </a:solidFill>
-              </a:rPr>
-              <a:t>The following languages contributed to completion of this project</a:t>
-            </a:r>
-          </a:p>
-          <a:p>
-            <a:pPr algn="l"/>
-            <a:endParaRPr lang="en-US" sz="1800" dirty="0" smtClean="0">
-              <a:solidFill>
-                <a:schemeClr val="bg1"/>
-              </a:solidFill>
-            </a:endParaRPr>
-          </a:p>
-          <a:p>
-            <a:pPr marL="514350" indent="-514350" algn="l">
-              <a:buFont typeface="+mj-lt"/>
-              <a:buAutoNum type="arabicPeriod"/>
-            </a:pPr>
-            <a:r>
-              <a:rPr lang="en-US" dirty="0" smtClean="0">
-                <a:solidFill>
-                  <a:schemeClr val="bg1"/>
-                </a:solidFill>
-              </a:rPr>
-              <a:t>JavaScript </a:t>
-            </a:r>
-            <a:r>
-              <a:rPr lang="en-US" sz="2000" dirty="0" smtClean="0">
-                <a:solidFill>
-                  <a:schemeClr val="bg1"/>
-                </a:solidFill>
-              </a:rPr>
-              <a:t>(Server &amp; Client)</a:t>
-            </a:r>
-          </a:p>
-          <a:p>
-            <a:pPr marL="514350" indent="-514350" algn="l">
-              <a:buFont typeface="+mj-lt"/>
-              <a:buAutoNum type="arabicPeriod"/>
-            </a:pPr>
-            <a:r>
-              <a:rPr lang="en-US" dirty="0" smtClean="0">
-                <a:solidFill>
-                  <a:schemeClr val="bg1"/>
-                </a:solidFill>
-              </a:rPr>
-              <a:t>Dart </a:t>
-            </a:r>
-            <a:r>
-              <a:rPr lang="en-US" sz="2000" dirty="0" smtClean="0">
-                <a:solidFill>
-                  <a:schemeClr val="bg1"/>
-                </a:solidFill>
-              </a:rPr>
-              <a:t>(Client)</a:t>
-            </a:r>
-          </a:p>
-          <a:p>
-            <a:pPr marL="514350" indent="-514350" algn="l">
-              <a:buFont typeface="+mj-lt"/>
-              <a:buAutoNum type="arabicPeriod"/>
-            </a:pPr>
-            <a:r>
-              <a:rPr lang="en-US" dirty="0" smtClean="0">
-                <a:solidFill>
-                  <a:schemeClr val="bg1"/>
-                </a:solidFill>
-              </a:rPr>
-              <a:t>SQL </a:t>
-            </a:r>
-            <a:r>
-              <a:rPr lang="en-US" sz="2000" dirty="0">
-                <a:solidFill>
-                  <a:schemeClr val="bg1"/>
-                </a:solidFill>
-              </a:rPr>
-              <a:t>(Server &amp; Client</a:t>
-            </a:r>
-            <a:r>
-              <a:rPr lang="en-US" sz="2000" dirty="0" smtClean="0">
-                <a:solidFill>
-                  <a:schemeClr val="bg1"/>
-                </a:solidFill>
-              </a:rPr>
-              <a:t>)</a:t>
-            </a:r>
-          </a:p>
-          <a:p>
-            <a:pPr marL="514350" indent="-514350" algn="l">
-              <a:buFont typeface="+mj-lt"/>
-              <a:buAutoNum type="arabicPeriod"/>
-            </a:pPr>
-            <a:r>
-              <a:rPr lang="en-US" dirty="0" smtClean="0">
-                <a:solidFill>
-                  <a:schemeClr val="bg1"/>
-                </a:solidFill>
-              </a:rPr>
-              <a:t>Bash </a:t>
-            </a:r>
-            <a:r>
-              <a:rPr lang="en-US" dirty="0">
-                <a:solidFill>
-                  <a:schemeClr val="bg1"/>
-                </a:solidFill>
-              </a:rPr>
-              <a:t>Scripting Language </a:t>
-            </a:r>
-            <a:r>
-              <a:rPr lang="en-US" sz="2000" dirty="0">
-                <a:solidFill>
-                  <a:schemeClr val="bg1"/>
-                </a:solidFill>
-              </a:rPr>
-              <a:t>(</a:t>
-            </a:r>
-            <a:r>
-              <a:rPr lang="en-US" sz="2000" dirty="0" smtClean="0">
-                <a:solidFill>
-                  <a:schemeClr val="bg1"/>
-                </a:solidFill>
-              </a:rPr>
-              <a:t>Server)</a:t>
-            </a:r>
-          </a:p>
-          <a:p>
-            <a:pPr algn="l"/>
             <a:endParaRPr lang="en-US" dirty="0">
               <a:solidFill>
                 <a:schemeClr val="bg1"/>
@@ -4780,6 +4839,66 @@
           </a:p>
         </p:txBody>
       </p:sp>
+      <p:pic>
+        <p:nvPicPr>
+          <p:cNvPr id="4" name="Picture 3"/>
+          <p:cNvPicPr>
+            <a:picLocks noChangeAspect="1"/>
+          </p:cNvPicPr>
+          <p:nvPr/>
+        </p:nvPicPr>
+        <p:blipFill>
+          <a:blip r:embed="rId2" cstate="print">
+            <a:extLst>
+              <a:ext uri="{28A0092B-C50C-407E-A947-70E740481C1C}">
+                <a14:useLocalDpi xmlns:a14="http://schemas.microsoft.com/office/drawing/2010/main" val="0"/>
+              </a:ext>
+            </a:extLst>
+          </a:blip>
+          <a:stretch>
+            <a:fillRect/>
+          </a:stretch>
+        </p:blipFill>
+        <p:spPr>
+          <a:xfrm>
+            <a:off x="1147549" y="1371600"/>
+            <a:ext cx="2552700" cy="5105400"/>
+          </a:xfrm>
+          <a:prstGeom prst="rect">
+            <a:avLst/>
+          </a:prstGeom>
+        </p:spPr>
+      </p:pic>
+      <p:pic>
+        <p:nvPicPr>
+          <p:cNvPr id="5" name="Picture 4"/>
+          <p:cNvPicPr>
+            <a:picLocks noChangeAspect="1"/>
+          </p:cNvPicPr>
+          <p:nvPr/>
+        </p:nvPicPr>
+        <p:blipFill>
+          <a:blip r:embed="rId3" cstate="print">
+            <a:extLst>
+              <a:ext uri="{28A0092B-C50C-407E-A947-70E740481C1C}">
+                <a14:useLocalDpi xmlns:a14="http://schemas.microsoft.com/office/drawing/2010/main" val="0"/>
+              </a:ext>
+            </a:extLst>
+          </a:blip>
+          <a:stretch>
+            <a:fillRect/>
+          </a:stretch>
+        </p:blipFill>
+        <p:spPr>
+          <a:xfrm>
+            <a:off x="5257800" y="1360227"/>
+            <a:ext cx="2558387" cy="5116773"/>
+          </a:xfrm>
+          <a:prstGeom prst="rect">
+            <a:avLst/>
+          </a:prstGeom>
+        </p:spPr>
+      </p:pic>
     </p:spTree>
     <p:extLst>
       <p:ext uri="{BB962C8B-B14F-4D97-AF65-F5344CB8AC3E}">
@@ -4846,6 +4965,244 @@
                   <a:schemeClr val="bg1"/>
                 </a:solidFill>
               </a:rPr>
+              <a:t>Tools Used</a:t>
+            </a:r>
+            <a:endParaRPr lang="en-US" dirty="0">
+              <a:solidFill>
+                <a:schemeClr val="bg1"/>
+              </a:solidFill>
+            </a:endParaRPr>
+          </a:p>
+        </p:txBody>
+      </p:sp>
+      <p:sp>
+        <p:nvSpPr>
+          <p:cNvPr id="3" name="Subtitle 2"/>
+          <p:cNvSpPr>
+            <a:spLocks noGrp="1"/>
+          </p:cNvSpPr>
+          <p:nvPr>
+            <p:ph type="subTitle" idx="1"/>
+          </p:nvPr>
+        </p:nvSpPr>
+        <p:spPr>
+          <a:xfrm>
+            <a:off x="457200" y="1371600"/>
+            <a:ext cx="8229600" cy="4419600"/>
+          </a:xfrm>
+        </p:spPr>
+        <p:txBody>
+          <a:bodyPr>
+            <a:normAutofit/>
+          </a:bodyPr>
+          <a:lstStyle/>
+          <a:p>
+            <a:pPr algn="l"/>
+            <a:r>
+              <a:rPr lang="en-US" dirty="0" smtClean="0">
+                <a:solidFill>
+                  <a:schemeClr val="bg1"/>
+                </a:solidFill>
+              </a:rPr>
+              <a:t>The following languages contributed to completion of this project</a:t>
+            </a:r>
+          </a:p>
+          <a:p>
+            <a:pPr algn="l"/>
+            <a:endParaRPr lang="en-US" sz="1800" dirty="0" smtClean="0">
+              <a:solidFill>
+                <a:schemeClr val="bg1"/>
+              </a:solidFill>
+            </a:endParaRPr>
+          </a:p>
+          <a:p>
+            <a:pPr marL="514350" indent="-514350" algn="l">
+              <a:buFont typeface="+mj-lt"/>
+              <a:buAutoNum type="arabicPeriod"/>
+            </a:pPr>
+            <a:r>
+              <a:rPr lang="en-US" dirty="0" smtClean="0">
+                <a:solidFill>
+                  <a:schemeClr val="bg1"/>
+                </a:solidFill>
+              </a:rPr>
+              <a:t>JavaScript </a:t>
+            </a:r>
+            <a:r>
+              <a:rPr lang="en-US" sz="2000" dirty="0" smtClean="0">
+                <a:solidFill>
+                  <a:schemeClr val="bg1"/>
+                </a:solidFill>
+              </a:rPr>
+              <a:t>(Server &amp; Client)</a:t>
+            </a:r>
+          </a:p>
+          <a:p>
+            <a:pPr marL="514350" indent="-514350" algn="l">
+              <a:buFont typeface="+mj-lt"/>
+              <a:buAutoNum type="arabicPeriod"/>
+            </a:pPr>
+            <a:r>
+              <a:rPr lang="en-US" dirty="0" smtClean="0">
+                <a:solidFill>
+                  <a:schemeClr val="bg1"/>
+                </a:solidFill>
+              </a:rPr>
+              <a:t>Dart </a:t>
+            </a:r>
+            <a:r>
+              <a:rPr lang="en-US" sz="2000" dirty="0" smtClean="0">
+                <a:solidFill>
+                  <a:schemeClr val="bg1"/>
+                </a:solidFill>
+              </a:rPr>
+              <a:t>(Client)</a:t>
+            </a:r>
+          </a:p>
+          <a:p>
+            <a:pPr marL="514350" indent="-514350" algn="l">
+              <a:buFont typeface="+mj-lt"/>
+              <a:buAutoNum type="arabicPeriod"/>
+            </a:pPr>
+            <a:r>
+              <a:rPr lang="en-US" dirty="0" smtClean="0">
+                <a:solidFill>
+                  <a:schemeClr val="bg1"/>
+                </a:solidFill>
+              </a:rPr>
+              <a:t>SQL </a:t>
+            </a:r>
+            <a:r>
+              <a:rPr lang="en-US" sz="2000" dirty="0">
+                <a:solidFill>
+                  <a:schemeClr val="bg1"/>
+                </a:solidFill>
+              </a:rPr>
+              <a:t>(Server &amp; Client</a:t>
+            </a:r>
+            <a:r>
+              <a:rPr lang="en-US" sz="2000" dirty="0" smtClean="0">
+                <a:solidFill>
+                  <a:schemeClr val="bg1"/>
+                </a:solidFill>
+              </a:rPr>
+              <a:t>)</a:t>
+            </a:r>
+          </a:p>
+          <a:p>
+            <a:pPr marL="514350" indent="-514350" algn="l">
+              <a:buFont typeface="+mj-lt"/>
+              <a:buAutoNum type="arabicPeriod"/>
+            </a:pPr>
+            <a:r>
+              <a:rPr lang="en-US" dirty="0" smtClean="0">
+                <a:solidFill>
+                  <a:schemeClr val="bg1"/>
+                </a:solidFill>
+              </a:rPr>
+              <a:t>Bash </a:t>
+            </a:r>
+            <a:r>
+              <a:rPr lang="en-US" dirty="0">
+                <a:solidFill>
+                  <a:schemeClr val="bg1"/>
+                </a:solidFill>
+              </a:rPr>
+              <a:t>Scripting Language </a:t>
+            </a:r>
+            <a:r>
+              <a:rPr lang="en-US" sz="2000" dirty="0">
+                <a:solidFill>
+                  <a:schemeClr val="bg1"/>
+                </a:solidFill>
+              </a:rPr>
+              <a:t>(</a:t>
+            </a:r>
+            <a:r>
+              <a:rPr lang="en-US" sz="2000" dirty="0" smtClean="0">
+                <a:solidFill>
+                  <a:schemeClr val="bg1"/>
+                </a:solidFill>
+              </a:rPr>
+              <a:t>Server)</a:t>
+            </a:r>
+          </a:p>
+          <a:p>
+            <a:pPr algn="l"/>
+            <a:endParaRPr lang="en-US" dirty="0">
+              <a:solidFill>
+                <a:schemeClr val="bg1"/>
+              </a:solidFill>
+            </a:endParaRPr>
+          </a:p>
+        </p:txBody>
+      </p:sp>
+    </p:spTree>
+    <p:extLst>
+      <p:ext uri="{BB962C8B-B14F-4D97-AF65-F5344CB8AC3E}">
+        <p14:creationId xmlns:p14="http://schemas.microsoft.com/office/powerpoint/2010/main" val="2418237784"/>
+      </p:ext>
+    </p:extLst>
+  </p:cSld>
+  <p:clrMapOvr>
+    <a:masterClrMapping/>
+  </p:clrMapOvr>
+  <p:timing>
+    <p:tnLst>
+      <p:par>
+        <p:cTn id="1" dur="indefinite" restart="never" nodeType="tmRoot"/>
+      </p:par>
+    </p:tnLst>
+  </p:timing>
+</p:sld>
+</file>
+
+<file path=ppt/slides/slide5.xml><?xml version="1.0" encoding="utf-8"?>
+<p:sld xmlns:a="http://schemas.openxmlformats.org/drawingml/2006/main" xmlns:r="http://schemas.openxmlformats.org/officeDocument/2006/relationships" xmlns:p="http://schemas.openxmlformats.org/presentationml/2006/main">
+  <p:cSld>
+    <p:spTree>
+      <p:nvGrpSpPr>
+        <p:cNvPr id="1" name=""/>
+        <p:cNvGrpSpPr/>
+        <p:nvPr/>
+      </p:nvGrpSpPr>
+      <p:grpSpPr>
+        <a:xfrm>
+          <a:off x="0" y="0"/>
+          <a:ext cx="0" cy="0"/>
+          <a:chOff x="0" y="0"/>
+          <a:chExt cx="0" cy="0"/>
+        </a:xfrm>
+      </p:grpSpPr>
+      <p:sp>
+        <p:nvSpPr>
+          <p:cNvPr id="2" name="Title 1"/>
+          <p:cNvSpPr>
+            <a:spLocks noGrp="1"/>
+          </p:cNvSpPr>
+          <p:nvPr>
+            <p:ph type="ctrTitle"/>
+          </p:nvPr>
+        </p:nvSpPr>
+        <p:spPr>
+          <a:xfrm>
+            <a:off x="304800" y="152400"/>
+            <a:ext cx="8610600" cy="1447800"/>
+          </a:xfrm>
+        </p:spPr>
+        <p:txBody>
+          <a:bodyPr>
+            <a:normAutofit/>
+          </a:bodyPr>
+          <a:lstStyle/>
+          <a:p>
+            <a:pPr algn="l"/>
+            <a:r>
+              <a:rPr lang="en-US" dirty="0" smtClean="0">
+                <a:solidFill>
+                  <a:schemeClr val="bg1"/>
+                </a:solidFill>
+              </a:rPr>
               <a:t>Cryptography</a:t>
             </a:r>
             <a:endParaRPr lang="en-US" dirty="0">
@@ -5003,7 +5360,7 @@
 </p:sld>
 </file>
 
-<file path=ppt/slides/slide5.xml><?xml version="1.0" encoding="utf-8"?>
+<file path=ppt/slides/slide6.xml><?xml version="1.0" encoding="utf-8"?>
 <p:sld xmlns:a="http://schemas.openxmlformats.org/drawingml/2006/main" xmlns:r="http://schemas.openxmlformats.org/officeDocument/2006/relationships" xmlns:p="http://schemas.openxmlformats.org/presentationml/2006/main">
   <p:cSld>
     <p:spTree>
@@ -5276,7 +5633,7 @@
 </p:sld>
 </file>
 
-<file path=ppt/slides/slide6.xml><?xml version="1.0" encoding="utf-8"?>
+<file path=ppt/slides/slide7.xml><?xml version="1.0" encoding="utf-8"?>
 <p:sld xmlns:a="http://schemas.openxmlformats.org/drawingml/2006/main" xmlns:r="http://schemas.openxmlformats.org/officeDocument/2006/relationships" xmlns:p="http://schemas.openxmlformats.org/presentationml/2006/main">
   <p:cSld>
     <p:spTree>
@@ -5419,7 +5776,7 @@
 </p:sld>
 </file>
 
-<file path=ppt/slides/slide7.xml><?xml version="1.0" encoding="utf-8"?>
+<file path=ppt/slides/slide8.xml><?xml version="1.0" encoding="utf-8"?>
 <p:sld xmlns:a="http://schemas.openxmlformats.org/drawingml/2006/main" xmlns:r="http://schemas.openxmlformats.org/officeDocument/2006/relationships" xmlns:p="http://schemas.openxmlformats.org/presentationml/2006/main">
   <p:cSld>
     <p:spTree>
@@ -5606,258 +5963,6 @@
 </p:sld>
 </file>
 
-<file path=ppt/slides/slide8.xml><?xml version="1.0" encoding="utf-8"?>
-<p:sld xmlns:a="http://schemas.openxmlformats.org/drawingml/2006/main" xmlns:r="http://schemas.openxmlformats.org/officeDocument/2006/relationships" xmlns:p="http://schemas.openxmlformats.org/presentationml/2006/main">
-  <p:cSld>
-    <p:spTree>
-      <p:nvGrpSpPr>
-        <p:cNvPr id="1" name=""/>
-        <p:cNvGrpSpPr/>
-        <p:nvPr/>
-      </p:nvGrpSpPr>
-      <p:grpSpPr>
-        <a:xfrm>
-          <a:off x="0" y="0"/>
-          <a:ext cx="0" cy="0"/>
-          <a:chOff x="0" y="0"/>
-          <a:chExt cx="0" cy="0"/>
-        </a:xfrm>
-      </p:grpSpPr>
-      <p:sp>
-        <p:nvSpPr>
-          <p:cNvPr id="2" name="Title 1"/>
-          <p:cNvSpPr>
-            <a:spLocks noGrp="1"/>
-          </p:cNvSpPr>
-          <p:nvPr>
-            <p:ph type="ctrTitle"/>
-          </p:nvPr>
-        </p:nvSpPr>
-        <p:spPr>
-          <a:xfrm>
-            <a:off x="304800" y="152400"/>
-            <a:ext cx="8610600" cy="1447800"/>
-          </a:xfrm>
-        </p:spPr>
-        <p:txBody>
-          <a:bodyPr>
-            <a:normAutofit/>
-          </a:bodyPr>
-          <a:lstStyle/>
-          <a:p>
-            <a:pPr algn="l"/>
-            <a:r>
-              <a:rPr lang="en-US" dirty="0" smtClean="0">
-                <a:solidFill>
-                  <a:schemeClr val="bg1"/>
-                </a:solidFill>
-              </a:rPr>
-              <a:t>Method</a:t>
-            </a:r>
-            <a:endParaRPr lang="en-US" dirty="0">
-              <a:solidFill>
-                <a:schemeClr val="bg1"/>
-              </a:solidFill>
-            </a:endParaRPr>
-          </a:p>
-        </p:txBody>
-      </p:sp>
-      <p:sp>
-        <p:nvSpPr>
-          <p:cNvPr id="3" name="Subtitle 2"/>
-          <p:cNvSpPr>
-            <a:spLocks noGrp="1"/>
-          </p:cNvSpPr>
-          <p:nvPr>
-            <p:ph type="subTitle" idx="1"/>
-          </p:nvPr>
-        </p:nvSpPr>
-        <p:spPr>
-          <a:xfrm>
-            <a:off x="254758" y="1219200"/>
-            <a:ext cx="8660642" cy="5486400"/>
-          </a:xfrm>
-        </p:spPr>
-        <p:txBody>
-          <a:bodyPr>
-            <a:normAutofit fontScale="92500" lnSpcReduction="20000"/>
-          </a:bodyPr>
-          <a:lstStyle/>
-          <a:p>
-            <a:pPr marL="514350" indent="-514350" algn="l">
-              <a:buFont typeface="+mj-lt"/>
-              <a:buAutoNum type="arabicPeriod"/>
-            </a:pPr>
-            <a:r>
-              <a:rPr lang="en-US" sz="3100" dirty="0" smtClean="0">
-                <a:solidFill>
-                  <a:schemeClr val="bg1"/>
-                </a:solidFill>
-              </a:rPr>
-              <a:t>Multiple clients connect to a </a:t>
-            </a:r>
-            <a:r>
-              <a:rPr lang="en-US" sz="3100" dirty="0" err="1" smtClean="0">
-                <a:solidFill>
-                  <a:schemeClr val="bg1"/>
-                </a:solidFill>
-              </a:rPr>
-              <a:t>CipherChat</a:t>
-            </a:r>
-            <a:r>
-              <a:rPr lang="en-US" sz="3100" dirty="0" smtClean="0">
-                <a:solidFill>
-                  <a:schemeClr val="bg1"/>
-                </a:solidFill>
-              </a:rPr>
-              <a:t> server</a:t>
-            </a:r>
-          </a:p>
-          <a:p>
-            <a:pPr marL="514350" indent="-514350" algn="l">
-              <a:buFont typeface="+mj-lt"/>
-              <a:buAutoNum type="arabicPeriod"/>
-            </a:pPr>
-            <a:r>
-              <a:rPr lang="en-US" sz="3100" dirty="0" smtClean="0">
-                <a:solidFill>
-                  <a:schemeClr val="bg1"/>
-                </a:solidFill>
-              </a:rPr>
-              <a:t>Clients exchange public keys using ECDH</a:t>
-            </a:r>
-          </a:p>
-          <a:p>
-            <a:pPr marL="514350" indent="-514350" algn="l">
-              <a:buFont typeface="+mj-lt"/>
-              <a:buAutoNum type="arabicPeriod"/>
-            </a:pPr>
-            <a:r>
-              <a:rPr lang="en-US" sz="3100" dirty="0" smtClean="0">
-                <a:solidFill>
-                  <a:schemeClr val="bg1"/>
-                </a:solidFill>
-              </a:rPr>
-              <a:t>Messages are encrypted using the generated symmetric key and AES</a:t>
-            </a:r>
-          </a:p>
-          <a:p>
-            <a:pPr marL="514350" indent="-514350" algn="l">
-              <a:buFont typeface="+mj-lt"/>
-              <a:buAutoNum type="arabicPeriod"/>
-            </a:pPr>
-            <a:r>
-              <a:rPr lang="en-US" sz="3100" dirty="0" smtClean="0">
-                <a:solidFill>
-                  <a:schemeClr val="bg1"/>
-                </a:solidFill>
-              </a:rPr>
-              <a:t>Messages are signed using ECDSA Signing</a:t>
-            </a:r>
-          </a:p>
-          <a:p>
-            <a:pPr marL="514350" indent="-514350" algn="l">
-              <a:buFont typeface="+mj-lt"/>
-              <a:buAutoNum type="arabicPeriod"/>
-            </a:pPr>
-            <a:r>
-              <a:rPr lang="en-US" sz="3100" dirty="0" smtClean="0">
-                <a:solidFill>
-                  <a:schemeClr val="bg1"/>
-                </a:solidFill>
-              </a:rPr>
-              <a:t>The encrypted message is sent to the server</a:t>
-            </a:r>
-          </a:p>
-          <a:p>
-            <a:pPr marL="514350" indent="-514350" algn="l">
-              <a:buFont typeface="+mj-lt"/>
-              <a:buAutoNum type="arabicPeriod"/>
-            </a:pPr>
-            <a:r>
-              <a:rPr lang="en-US" sz="3100" dirty="0" smtClean="0">
-                <a:solidFill>
-                  <a:schemeClr val="bg1"/>
-                </a:solidFill>
-              </a:rPr>
-              <a:t>The server verifies the authenticity of the message using the signature (ECDSA Verification)</a:t>
-            </a:r>
-          </a:p>
-          <a:p>
-            <a:pPr marL="514350" indent="-514350" algn="l">
-              <a:buFont typeface="+mj-lt"/>
-              <a:buAutoNum type="arabicPeriod"/>
-            </a:pPr>
-            <a:r>
-              <a:rPr lang="en-US" sz="3100" dirty="0" smtClean="0">
-                <a:solidFill>
-                  <a:schemeClr val="bg1"/>
-                </a:solidFill>
-              </a:rPr>
-              <a:t>Server saves the authenticated message</a:t>
-            </a:r>
-          </a:p>
-          <a:p>
-            <a:pPr marL="514350" indent="-514350" algn="l">
-              <a:buFont typeface="+mj-lt"/>
-              <a:buAutoNum type="arabicPeriod"/>
-            </a:pPr>
-            <a:r>
-              <a:rPr lang="en-US" sz="3100" dirty="0" smtClean="0">
-                <a:solidFill>
-                  <a:schemeClr val="bg1"/>
-                </a:solidFill>
-              </a:rPr>
-              <a:t>The other peer(s) sends requests to the server and receive the latest messages</a:t>
-            </a:r>
-          </a:p>
-          <a:p>
-            <a:pPr marL="514350" indent="-514350" algn="l">
-              <a:buFont typeface="+mj-lt"/>
-              <a:buAutoNum type="arabicPeriod"/>
-            </a:pPr>
-            <a:r>
-              <a:rPr lang="en-US" sz="3100" dirty="0" smtClean="0">
-                <a:solidFill>
-                  <a:schemeClr val="bg1"/>
-                </a:solidFill>
-              </a:rPr>
-              <a:t>The received messages are decrypted using the symmetric key and AES</a:t>
-            </a:r>
-          </a:p>
-          <a:p>
-            <a:pPr marL="514350" indent="-514350" algn="l">
-              <a:buFont typeface="+mj-lt"/>
-              <a:buAutoNum type="arabicPeriod"/>
-            </a:pPr>
-            <a:endParaRPr lang="en-US" sz="3100" dirty="0">
-              <a:solidFill>
-                <a:schemeClr val="bg1"/>
-              </a:solidFill>
-            </a:endParaRPr>
-          </a:p>
-        </p:txBody>
-      </p:sp>
-    </p:spTree>
-    <p:extLst>
-      <p:ext uri="{BB962C8B-B14F-4D97-AF65-F5344CB8AC3E}">
-        <p14:creationId xmlns:p14="http://schemas.microsoft.com/office/powerpoint/2010/main" val="2357914262"/>
-      </p:ext>
-    </p:extLst>
-  </p:cSld>
-  <p:clrMapOvr>
-    <a:masterClrMapping/>
-  </p:clrMapOvr>
-  <p:timing>
-    <p:tnLst>
-      <p:par>
-        <p:cTn id="1" dur="indefinite" restart="never" nodeType="tmRoot"/>
-      </p:par>
-    </p:tnLst>
-  </p:timing>
-</p:sld>
-</file>
-
 <file path=ppt/slides/slide9.xml><?xml version="1.0" encoding="utf-8"?>
 <p:sld xmlns:a="http://schemas.openxmlformats.org/drawingml/2006/main" xmlns:r="http://schemas.openxmlformats.org/officeDocument/2006/relationships" xmlns:p="http://schemas.openxmlformats.org/presentationml/2006/main">
   <p:cSld>
@@ -5899,28 +6004,12 @@
           <a:p>
             <a:pPr algn="l"/>
             <a:r>
-              <a:rPr lang="en-US" dirty="0" err="1" smtClean="0">
-                <a:solidFill>
-                  <a:schemeClr val="bg1"/>
-                </a:solidFill>
-              </a:rPr>
-              <a:t>Diffie</a:t>
-            </a:r>
-            <a:r>
               <a:rPr lang="en-US" dirty="0" smtClean="0">
                 <a:solidFill>
                   <a:schemeClr val="bg1"/>
                 </a:solidFill>
               </a:rPr>
-              <a:t> Hellman </a:t>
-            </a:r>
-            <a:r>
-              <a:rPr lang="en-US" dirty="0" err="1" smtClean="0">
-                <a:solidFill>
-                  <a:schemeClr val="bg1"/>
-                </a:solidFill>
-              </a:rPr>
-              <a:t>Vulnurability</a:t>
+              <a:t>Method</a:t>
             </a:r>
             <a:endParaRPr lang="en-US" dirty="0">
               <a:solidFill>
@@ -5942,24 +6031,27 @@
         </p:nvSpPr>
         <p:spPr>
           <a:xfrm>
-            <a:off x="228600" y="1447800"/>
-            <a:ext cx="8915400" cy="4953000"/>
+            <a:off x="254758" y="1219200"/>
+            <a:ext cx="8660642" cy="5486400"/>
           </a:xfrm>
         </p:spPr>
         <p:txBody>
           <a:bodyPr>
-            <a:normAutofit lnSpcReduction="10000"/>
+            <a:normAutofit fontScale="92500" lnSpcReduction="20000"/>
           </a:bodyPr>
           <a:lstStyle/>
           <a:p>
-            <a:pPr algn="l"/>
+            <a:pPr marL="514350" indent="-514350" algn="l">
+              <a:buFont typeface="+mj-lt"/>
+              <a:buAutoNum type="arabicPeriod"/>
+            </a:pPr>
             <a:r>
               <a:rPr lang="en-US" sz="3100" dirty="0" smtClean="0">
                 <a:solidFill>
                   <a:schemeClr val="bg1"/>
                 </a:solidFill>
               </a:rPr>
-              <a:t>Although </a:t>
+              <a:t>Multiple clients connect to a </a:t>
             </a:r>
             <a:r>
               <a:rPr lang="en-US" sz="3100" dirty="0" err="1" smtClean="0">
@@ -5967,7 +6059,7 @@
                   <a:schemeClr val="bg1"/>
                 </a:solidFill>
               </a:rPr>
-              <a:t>Diffie</a:t>
+              <a:t>CipherChat</a:t>
             </a:r>
             <a:r>
               <a:rPr lang="en-US" sz="3100" dirty="0" smtClean="0">
@@ -5975,79 +6067,138 @@
                   <a:schemeClr val="bg1"/>
                 </a:solidFill>
               </a:rPr>
-              <a:t> Hellman can defend against passive attackers it is vulnerable to </a:t>
-            </a:r>
-            <a:r>
-              <a:rPr lang="en-US" sz="3100" u="sng" dirty="0" smtClean="0">
-                <a:solidFill>
-                  <a:schemeClr val="bg1"/>
-                </a:solidFill>
-              </a:rPr>
-              <a:t>Man in the Middle Attack</a:t>
-            </a:r>
+              <a:t> server</a:t>
+            </a:r>
+          </a:p>
+          <a:p>
+            <a:pPr marL="514350" indent="-514350" algn="l">
+              <a:buFont typeface="+mj-lt"/>
+              <a:buAutoNum type="arabicPeriod"/>
+            </a:pPr>
             <a:r>
               <a:rPr lang="en-US" sz="3100" dirty="0" smtClean="0">
                 <a:solidFill>
                   <a:schemeClr val="bg1"/>
                 </a:solidFill>
               </a:rPr>
-              <a:t>. In this case the server may function as two or more separate peers, decrypting and re-encrypting message before sending them to the intended recipient.</a:t>
-            </a:r>
-          </a:p>
-          <a:p>
-            <a:pPr algn="l"/>
-            <a:r>
-              <a:rPr lang="en-US" sz="3100" u="sng" dirty="0" smtClean="0">
-                <a:solidFill>
-                  <a:schemeClr val="bg1"/>
-                </a:solidFill>
-              </a:rPr>
-              <a:t>Current Solution</a:t>
-            </a:r>
-            <a:endParaRPr lang="en-US" sz="3100" dirty="0" smtClean="0">
+              <a:t>Clients exchange public keys using ECDH</a:t>
+            </a:r>
+          </a:p>
+          <a:p>
+            <a:pPr marL="514350" indent="-514350" algn="l">
+              <a:buFont typeface="+mj-lt"/>
+              <a:buAutoNum type="arabicPeriod"/>
+            </a:pPr>
+            <a:r>
+              <a:rPr lang="en-US" sz="3100" dirty="0" smtClean="0">
+                <a:solidFill>
+                  <a:schemeClr val="bg1"/>
+                </a:solidFill>
+              </a:rPr>
+              <a:t>Messages are encrypted using the generated symmetric key and AES</a:t>
+            </a:r>
+          </a:p>
+          <a:p>
+            <a:pPr marL="514350" indent="-514350" algn="l">
+              <a:buFont typeface="+mj-lt"/>
+              <a:buAutoNum type="arabicPeriod"/>
+            </a:pPr>
+            <a:r>
+              <a:rPr lang="en-US" sz="3100" dirty="0" smtClean="0">
+                <a:solidFill>
+                  <a:schemeClr val="bg1"/>
+                </a:solidFill>
+              </a:rPr>
+              <a:t>Messages are signed using ECDSA Signing</a:t>
+            </a:r>
+          </a:p>
+          <a:p>
+            <a:pPr marL="514350" indent="-514350" algn="l">
+              <a:buFont typeface="+mj-lt"/>
+              <a:buAutoNum type="arabicPeriod"/>
+            </a:pPr>
+            <a:r>
+              <a:rPr lang="en-US" sz="3100" dirty="0" smtClean="0">
+                <a:solidFill>
+                  <a:schemeClr val="bg1"/>
+                </a:solidFill>
+              </a:rPr>
+              <a:t>The encrypted message is sent to the server</a:t>
+            </a:r>
+          </a:p>
+          <a:p>
+            <a:pPr marL="514350" indent="-514350" algn="l">
+              <a:buFont typeface="+mj-lt"/>
+              <a:buAutoNum type="arabicPeriod"/>
+            </a:pPr>
+            <a:r>
+              <a:rPr lang="en-US" sz="3100" dirty="0" smtClean="0">
+                <a:solidFill>
+                  <a:schemeClr val="bg1"/>
+                </a:solidFill>
+              </a:rPr>
+              <a:t>The server verifies the authenticity of the message using the signature (ECDSA Verification)</a:t>
+            </a:r>
+          </a:p>
+          <a:p>
+            <a:pPr marL="514350" indent="-514350" algn="l">
+              <a:buFont typeface="+mj-lt"/>
+              <a:buAutoNum type="arabicPeriod"/>
+            </a:pPr>
+            <a:r>
+              <a:rPr lang="en-US" sz="3100" dirty="0" smtClean="0">
+                <a:solidFill>
+                  <a:schemeClr val="bg1"/>
+                </a:solidFill>
+              </a:rPr>
+              <a:t>Server saves the authenticated message</a:t>
+            </a:r>
+          </a:p>
+          <a:p>
+            <a:pPr marL="514350" indent="-514350" algn="l">
+              <a:buFont typeface="+mj-lt"/>
+              <a:buAutoNum type="arabicPeriod"/>
+            </a:pPr>
+            <a:r>
+              <a:rPr lang="en-US" sz="3100" dirty="0" smtClean="0">
+                <a:solidFill>
+                  <a:schemeClr val="bg1"/>
+                </a:solidFill>
+              </a:rPr>
+              <a:t>The other peer(s) sends requests to the server and receive the latest messages</a:t>
+            </a:r>
+          </a:p>
+          <a:p>
+            <a:pPr marL="514350" indent="-514350" algn="l">
+              <a:buFont typeface="+mj-lt"/>
+              <a:buAutoNum type="arabicPeriod"/>
+            </a:pPr>
+            <a:r>
+              <a:rPr lang="en-US" sz="3100" dirty="0" smtClean="0">
+                <a:solidFill>
+                  <a:schemeClr val="bg1"/>
+                </a:solidFill>
+              </a:rPr>
+              <a:t>The received messages are decrypted using the symmetric key and AES</a:t>
+            </a:r>
+          </a:p>
+          <a:p>
+            <a:pPr marL="514350" indent="-514350" algn="l">
+              <a:buFont typeface="+mj-lt"/>
+              <a:buAutoNum type="arabicPeriod"/>
+            </a:pPr>
+            <a:endParaRPr lang="en-US" sz="3100" dirty="0">
               <a:solidFill>
                 <a:schemeClr val="bg1"/>
               </a:solidFill>
             </a:endParaRPr>
           </a:p>
-          <a:p>
-            <a:pPr marL="514350" indent="-514350" algn="l">
-              <a:buAutoNum type="arabicPeriod"/>
-            </a:pPr>
-            <a:r>
-              <a:rPr lang="en-US" sz="3100" dirty="0" smtClean="0">
-                <a:solidFill>
-                  <a:schemeClr val="bg1"/>
-                </a:solidFill>
-              </a:rPr>
-              <a:t>Host and use your own server</a:t>
-            </a:r>
-          </a:p>
-          <a:p>
-            <a:pPr algn="l"/>
-            <a:endParaRPr lang="en-US" sz="3100" dirty="0" smtClean="0">
-              <a:solidFill>
-                <a:schemeClr val="bg1"/>
-              </a:solidFill>
-            </a:endParaRPr>
-          </a:p>
-          <a:p>
-            <a:pPr algn="l"/>
-            <a:r>
-              <a:rPr lang="en-US" sz="3100" dirty="0" smtClean="0">
-                <a:solidFill>
-                  <a:schemeClr val="bg1"/>
-                </a:solidFill>
-              </a:rPr>
-              <a:t>This vulnerability will addressed later in this presentation</a:t>
-            </a:r>
-          </a:p>
         </p:txBody>
       </p:sp>
     </p:spTree>
     <p:extLst>
       <p:ext uri="{BB962C8B-B14F-4D97-AF65-F5344CB8AC3E}">
-        <p14:creationId xmlns:p14="http://schemas.microsoft.com/office/powerpoint/2010/main" val="3161049883"/>
+        <p14:creationId xmlns:p14="http://schemas.microsoft.com/office/powerpoint/2010/main" val="2357914262"/>
       </p:ext>
     </p:extLst>
   </p:cSld>

--- a/SWEN3004/CipherChat Presentation.pptx
+++ b/SWEN3004/CipherChat Presentation.pptx
@@ -302,7 +302,7 @@
           <a:p>
             <a:fld id="{72E4B8C5-FDE9-40E7-A1FE-02759727A400}" type="datetimeFigureOut">
               <a:rPr lang="en-US" smtClean="0"/>
-              <a:t>5/7/2019</a:t>
+              <a:t>5/13/2019</a:t>
             </a:fld>
             <a:endParaRPr lang="en-US"/>
           </a:p>
@@ -472,7 +472,7 @@
           <a:p>
             <a:fld id="{72E4B8C5-FDE9-40E7-A1FE-02759727A400}" type="datetimeFigureOut">
               <a:rPr lang="en-US" smtClean="0"/>
-              <a:t>5/7/2019</a:t>
+              <a:t>5/13/2019</a:t>
             </a:fld>
             <a:endParaRPr lang="en-US"/>
           </a:p>
@@ -652,7 +652,7 @@
           <a:p>
             <a:fld id="{72E4B8C5-FDE9-40E7-A1FE-02759727A400}" type="datetimeFigureOut">
               <a:rPr lang="en-US" smtClean="0"/>
-              <a:t>5/7/2019</a:t>
+              <a:t>5/13/2019</a:t>
             </a:fld>
             <a:endParaRPr lang="en-US"/>
           </a:p>
@@ -822,7 +822,7 @@
           <a:p>
             <a:fld id="{72E4B8C5-FDE9-40E7-A1FE-02759727A400}" type="datetimeFigureOut">
               <a:rPr lang="en-US" smtClean="0"/>
-              <a:t>5/7/2019</a:t>
+              <a:t>5/13/2019</a:t>
             </a:fld>
             <a:endParaRPr lang="en-US"/>
           </a:p>
@@ -1068,7 +1068,7 @@
           <a:p>
             <a:fld id="{72E4B8C5-FDE9-40E7-A1FE-02759727A400}" type="datetimeFigureOut">
               <a:rPr lang="en-US" smtClean="0"/>
-              <a:t>5/7/2019</a:t>
+              <a:t>5/13/2019</a:t>
             </a:fld>
             <a:endParaRPr lang="en-US"/>
           </a:p>
@@ -1356,7 +1356,7 @@
           <a:p>
             <a:fld id="{72E4B8C5-FDE9-40E7-A1FE-02759727A400}" type="datetimeFigureOut">
               <a:rPr lang="en-US" smtClean="0"/>
-              <a:t>5/7/2019</a:t>
+              <a:t>5/13/2019</a:t>
             </a:fld>
             <a:endParaRPr lang="en-US"/>
           </a:p>
@@ -1778,7 +1778,7 @@
           <a:p>
             <a:fld id="{72E4B8C5-FDE9-40E7-A1FE-02759727A400}" type="datetimeFigureOut">
               <a:rPr lang="en-US" smtClean="0"/>
-              <a:t>5/7/2019</a:t>
+              <a:t>5/13/2019</a:t>
             </a:fld>
             <a:endParaRPr lang="en-US"/>
           </a:p>
@@ -1896,7 +1896,7 @@
           <a:p>
             <a:fld id="{72E4B8C5-FDE9-40E7-A1FE-02759727A400}" type="datetimeFigureOut">
               <a:rPr lang="en-US" smtClean="0"/>
-              <a:t>5/7/2019</a:t>
+              <a:t>5/13/2019</a:t>
             </a:fld>
             <a:endParaRPr lang="en-US"/>
           </a:p>
@@ -1991,7 +1991,7 @@
           <a:p>
             <a:fld id="{72E4B8C5-FDE9-40E7-A1FE-02759727A400}" type="datetimeFigureOut">
               <a:rPr lang="en-US" smtClean="0"/>
-              <a:t>5/7/2019</a:t>
+              <a:t>5/13/2019</a:t>
             </a:fld>
             <a:endParaRPr lang="en-US"/>
           </a:p>
@@ -2268,7 +2268,7 @@
           <a:p>
             <a:fld id="{72E4B8C5-FDE9-40E7-A1FE-02759727A400}" type="datetimeFigureOut">
               <a:rPr lang="en-US" smtClean="0"/>
-              <a:t>5/7/2019</a:t>
+              <a:t>5/13/2019</a:t>
             </a:fld>
             <a:endParaRPr lang="en-US"/>
           </a:p>
@@ -2521,7 +2521,7 @@
           <a:p>
             <a:fld id="{72E4B8C5-FDE9-40E7-A1FE-02759727A400}" type="datetimeFigureOut">
               <a:rPr lang="en-US" smtClean="0"/>
-              <a:t>5/7/2019</a:t>
+              <a:t>5/13/2019</a:t>
             </a:fld>
             <a:endParaRPr lang="en-US"/>
           </a:p>
@@ -2744,7 +2744,7 @@
           <a:p>
             <a:fld id="{72E4B8C5-FDE9-40E7-A1FE-02759727A400}" type="datetimeFigureOut">
               <a:rPr lang="en-US" smtClean="0"/>
-              <a:t>5/7/2019</a:t>
+              <a:t>5/13/2019</a:t>
             </a:fld>
             <a:endParaRPr lang="en-US"/>
           </a:p>
@@ -3480,7 +3480,7 @@
         </p:spPr>
         <p:txBody>
           <a:bodyPr>
-            <a:normAutofit lnSpcReduction="10000"/>
+            <a:normAutofit fontScale="92500"/>
           </a:bodyPr>
           <a:lstStyle/>
           <a:p>
@@ -3523,7 +3523,31 @@
                   <a:schemeClr val="bg1"/>
                 </a:solidFill>
               </a:rPr>
-              <a:t>. In this case the server may function as two or more separate peers, decrypting and re-encrypting message before sending them to the intended recipient.</a:t>
+              <a:t>. In this case the server may function as two or more separate peers, decrypting and </a:t>
+            </a:r>
+            <a:r>
+              <a:rPr lang="en-US" sz="3100" smtClean="0">
+                <a:solidFill>
+                  <a:schemeClr val="bg1"/>
+                </a:solidFill>
+              </a:rPr>
+              <a:t>re-encrypting </a:t>
+            </a:r>
+            <a:r>
+              <a:rPr lang="en-US" sz="3100" smtClean="0">
+                <a:solidFill>
+                  <a:schemeClr val="bg1"/>
+                </a:solidFill>
+              </a:rPr>
+              <a:t>messages </a:t>
+            </a:r>
+            <a:r>
+              <a:rPr lang="en-US" sz="3100" dirty="0" smtClean="0">
+                <a:solidFill>
+                  <a:schemeClr val="bg1"/>
+                </a:solidFill>
+              </a:rPr>
+              <a:t>before sending them to the intended recipient.</a:t>
             </a:r>
           </a:p>
           <a:p>
@@ -4217,7 +4241,7 @@
         </p:spPr>
         <p:txBody>
           <a:bodyPr>
-            <a:normAutofit fontScale="85000" lnSpcReduction="20000"/>
+            <a:normAutofit/>
           </a:bodyPr>
           <a:lstStyle/>
           <a:p>
@@ -4370,88 +4394,24 @@
                   <a:schemeClr val="bg1"/>
                 </a:solidFill>
               </a:rPr>
-              <a:t>for the parsing of more complex data such as images and </a:t>
-            </a:r>
-            <a:r>
-              <a:rPr lang="en-US" sz="3100" dirty="0" smtClean="0">
+              <a:t>for the parsing of more complex data such as images </a:t>
+            </a:r>
+            <a:r>
+              <a:rPr lang="en-US" sz="3100">
+                <a:solidFill>
+                  <a:schemeClr val="bg1"/>
+                </a:solidFill>
+              </a:rPr>
+              <a:t>and </a:t>
+            </a:r>
+            <a:r>
+              <a:rPr lang="en-US" sz="3100" smtClean="0">
                 <a:solidFill>
                   <a:schemeClr val="bg1"/>
                 </a:solidFill>
               </a:rPr>
               <a:t>videos</a:t>
             </a:r>
-          </a:p>
-          <a:p>
-            <a:pPr algn="l"/>
-            <a:endParaRPr lang="en-US" sz="1600" dirty="0">
-              <a:solidFill>
-                <a:schemeClr val="bg1"/>
-              </a:solidFill>
-            </a:endParaRPr>
-          </a:p>
-          <a:p>
-            <a:pPr algn="l"/>
-            <a:r>
-              <a:rPr lang="en-US" sz="3100" u="sng" dirty="0" smtClean="0">
-                <a:solidFill>
-                  <a:schemeClr val="bg1"/>
-                </a:solidFill>
-              </a:rPr>
-              <a:t>Distant Future</a:t>
-            </a:r>
-          </a:p>
-          <a:p>
-            <a:pPr marL="514350" indent="-514350" algn="l">
-              <a:buFont typeface="+mj-lt"/>
-              <a:buAutoNum type="arabicPeriod"/>
-            </a:pPr>
-            <a:r>
-              <a:rPr lang="en-US" sz="3100" dirty="0" smtClean="0">
-                <a:solidFill>
-                  <a:schemeClr val="bg1"/>
-                </a:solidFill>
-              </a:rPr>
-              <a:t>Facilitate the sending of any currency (using crypto)</a:t>
-            </a:r>
-          </a:p>
-          <a:p>
-            <a:pPr marL="514350" indent="-514350" algn="l">
-              <a:buFont typeface="+mj-lt"/>
-              <a:buAutoNum type="arabicPeriod"/>
-            </a:pPr>
-            <a:r>
-              <a:rPr lang="en-US" sz="3100" dirty="0" err="1" smtClean="0">
-                <a:solidFill>
-                  <a:schemeClr val="bg1"/>
-                </a:solidFill>
-              </a:rPr>
-              <a:t>Blockchain</a:t>
-            </a:r>
-            <a:endParaRPr lang="en-US" sz="3100" dirty="0" smtClean="0">
-              <a:solidFill>
-                <a:schemeClr val="bg1"/>
-              </a:solidFill>
-            </a:endParaRPr>
-          </a:p>
-          <a:p>
-            <a:pPr marL="514350" indent="-514350" algn="l">
-              <a:buFont typeface="+mj-lt"/>
-              <a:buAutoNum type="arabicPeriod"/>
-            </a:pPr>
-            <a:r>
-              <a:rPr lang="en-US" sz="3100" dirty="0" smtClean="0">
-                <a:solidFill>
-                  <a:schemeClr val="bg1"/>
-                </a:solidFill>
-              </a:rPr>
-              <a:t>Free Decentralized Applets (Cab Hailing, Package Delivery etc.)</a:t>
-            </a:r>
-          </a:p>
-          <a:p>
-            <a:pPr marL="514350" indent="-514350" algn="l">
-              <a:buFont typeface="+mj-lt"/>
-              <a:buAutoNum type="arabicPeriod"/>
-            </a:pPr>
             <a:endParaRPr lang="en-US" sz="3100" dirty="0" smtClean="0">
               <a:solidFill>
                 <a:schemeClr val="bg1"/>
@@ -4568,15 +4528,7 @@
                   <a:schemeClr val="bg1"/>
                 </a:solidFill>
               </a:rPr>
-              <a:t>ttention</a:t>
-            </a:r>
-            <a:r>
-              <a:rPr lang="en-US" dirty="0" smtClean="0">
-                <a:solidFill>
-                  <a:schemeClr val="bg1"/>
-                </a:solidFill>
-              </a:rPr>
-              <a:t>!</a:t>
+              <a:t>ttention!</a:t>
             </a:r>
             <a:br>
               <a:rPr lang="en-US" dirty="0" smtClean="0">

--- a/SWEN3004/CipherChat Presentation.pptx
+++ b/SWEN3004/CipherChat Presentation.pptx
@@ -302,7 +302,7 @@
           <a:p>
             <a:fld id="{72E4B8C5-FDE9-40E7-A1FE-02759727A400}" type="datetimeFigureOut">
               <a:rPr lang="en-US" smtClean="0"/>
-              <a:t>5/13/2019</a:t>
+              <a:t>5/16/2019</a:t>
             </a:fld>
             <a:endParaRPr lang="en-US"/>
           </a:p>
@@ -472,7 +472,7 @@
           <a:p>
             <a:fld id="{72E4B8C5-FDE9-40E7-A1FE-02759727A400}" type="datetimeFigureOut">
               <a:rPr lang="en-US" smtClean="0"/>
-              <a:t>5/13/2019</a:t>
+              <a:t>5/16/2019</a:t>
             </a:fld>
             <a:endParaRPr lang="en-US"/>
           </a:p>
@@ -652,7 +652,7 @@
           <a:p>
             <a:fld id="{72E4B8C5-FDE9-40E7-A1FE-02759727A400}" type="datetimeFigureOut">
               <a:rPr lang="en-US" smtClean="0"/>
-              <a:t>5/13/2019</a:t>
+              <a:t>5/16/2019</a:t>
             </a:fld>
             <a:endParaRPr lang="en-US"/>
           </a:p>
@@ -822,7 +822,7 @@
           <a:p>
             <a:fld id="{72E4B8C5-FDE9-40E7-A1FE-02759727A400}" type="datetimeFigureOut">
               <a:rPr lang="en-US" smtClean="0"/>
-              <a:t>5/13/2019</a:t>
+              <a:t>5/16/2019</a:t>
             </a:fld>
             <a:endParaRPr lang="en-US"/>
           </a:p>
@@ -1068,7 +1068,7 @@
           <a:p>
             <a:fld id="{72E4B8C5-FDE9-40E7-A1FE-02759727A400}" type="datetimeFigureOut">
               <a:rPr lang="en-US" smtClean="0"/>
-              <a:t>5/13/2019</a:t>
+              <a:t>5/16/2019</a:t>
             </a:fld>
             <a:endParaRPr lang="en-US"/>
           </a:p>
@@ -1356,7 +1356,7 @@
           <a:p>
             <a:fld id="{72E4B8C5-FDE9-40E7-A1FE-02759727A400}" type="datetimeFigureOut">
               <a:rPr lang="en-US" smtClean="0"/>
-              <a:t>5/13/2019</a:t>
+              <a:t>5/16/2019</a:t>
             </a:fld>
             <a:endParaRPr lang="en-US"/>
           </a:p>
@@ -1778,7 +1778,7 @@
           <a:p>
             <a:fld id="{72E4B8C5-FDE9-40E7-A1FE-02759727A400}" type="datetimeFigureOut">
               <a:rPr lang="en-US" smtClean="0"/>
-              <a:t>5/13/2019</a:t>
+              <a:t>5/16/2019</a:t>
             </a:fld>
             <a:endParaRPr lang="en-US"/>
           </a:p>
@@ -1896,7 +1896,7 @@
           <a:p>
             <a:fld id="{72E4B8C5-FDE9-40E7-A1FE-02759727A400}" type="datetimeFigureOut">
               <a:rPr lang="en-US" smtClean="0"/>
-              <a:t>5/13/2019</a:t>
+              <a:t>5/16/2019</a:t>
             </a:fld>
             <a:endParaRPr lang="en-US"/>
           </a:p>
@@ -1991,7 +1991,7 @@
           <a:p>
             <a:fld id="{72E4B8C5-FDE9-40E7-A1FE-02759727A400}" type="datetimeFigureOut">
               <a:rPr lang="en-US" smtClean="0"/>
-              <a:t>5/13/2019</a:t>
+              <a:t>5/16/2019</a:t>
             </a:fld>
             <a:endParaRPr lang="en-US"/>
           </a:p>
@@ -2268,7 +2268,7 @@
           <a:p>
             <a:fld id="{72E4B8C5-FDE9-40E7-A1FE-02759727A400}" type="datetimeFigureOut">
               <a:rPr lang="en-US" smtClean="0"/>
-              <a:t>5/13/2019</a:t>
+              <a:t>5/16/2019</a:t>
             </a:fld>
             <a:endParaRPr lang="en-US"/>
           </a:p>
@@ -2521,7 +2521,7 @@
           <a:p>
             <a:fld id="{72E4B8C5-FDE9-40E7-A1FE-02759727A400}" type="datetimeFigureOut">
               <a:rPr lang="en-US" smtClean="0"/>
-              <a:t>5/13/2019</a:t>
+              <a:t>5/16/2019</a:t>
             </a:fld>
             <a:endParaRPr lang="en-US"/>
           </a:p>
@@ -2744,7 +2744,7 @@
           <a:p>
             <a:fld id="{72E4B8C5-FDE9-40E7-A1FE-02759727A400}" type="datetimeFigureOut">
               <a:rPr lang="en-US" smtClean="0"/>
-              <a:t>5/13/2019</a:t>
+              <a:t>5/16/2019</a:t>
             </a:fld>
             <a:endParaRPr lang="en-US"/>
           </a:p>
@@ -3531,15 +3531,7 @@
                   <a:schemeClr val="bg1"/>
                 </a:solidFill>
               </a:rPr>
-              <a:t>re-encrypting </a:t>
-            </a:r>
-            <a:r>
-              <a:rPr lang="en-US" sz="3100" smtClean="0">
-                <a:solidFill>
-                  <a:schemeClr val="bg1"/>
-                </a:solidFill>
-              </a:rPr>
-              <a:t>messages </a:t>
+              <a:t>re-encrypting messages </a:t>
             </a:r>
             <a:r>
               <a:rPr lang="en-US" sz="3100" dirty="0" smtClean="0">
@@ -4973,6 +4965,49 @@
               <a:buAutoNum type="arabicPeriod"/>
             </a:pPr>
             <a:r>
+              <a:rPr lang="en-US" dirty="0" err="1">
+                <a:solidFill>
+                  <a:schemeClr val="bg1"/>
+                </a:solidFill>
+              </a:rPr>
+              <a:t>TypeScript</a:t>
+            </a:r>
+            <a:r>
+              <a:rPr lang="en-US" dirty="0">
+                <a:solidFill>
+                  <a:schemeClr val="bg1"/>
+                </a:solidFill>
+              </a:rPr>
+              <a:t> </a:t>
+            </a:r>
+            <a:r>
+              <a:rPr lang="en-US" sz="2000" dirty="0">
+                <a:solidFill>
+                  <a:schemeClr val="bg1"/>
+                </a:solidFill>
+              </a:rPr>
+              <a:t>(Server</a:t>
+            </a:r>
+            <a:r>
+              <a:rPr lang="en-US" sz="2000" dirty="0" smtClean="0">
+                <a:solidFill>
+                  <a:schemeClr val="bg1"/>
+                </a:solidFill>
+              </a:rPr>
+              <a:t>)</a:t>
+            </a:r>
+            <a:endParaRPr lang="en-US" sz="2000" dirty="0" smtClean="0">
+              <a:solidFill>
+                <a:schemeClr val="bg1"/>
+              </a:solidFill>
+            </a:endParaRPr>
+          </a:p>
+          <a:p>
+            <a:pPr marL="514350" indent="-514350" algn="l">
+              <a:buFont typeface="+mj-lt"/>
+              <a:buAutoNum type="arabicPeriod"/>
+            </a:pPr>
+            <a:r>
               <a:rPr lang="en-US" dirty="0" smtClean="0">
                 <a:solidFill>
                   <a:schemeClr val="bg1"/>
@@ -4986,8 +5021,21 @@
                   <a:schemeClr val="bg1"/>
                 </a:solidFill>
               </a:rPr>
-              <a:t>(Server &amp; Client)</a:t>
-            </a:r>
+              <a:t>(Server &amp; Client</a:t>
+            </a:r>
+            <a:r>
+              <a:rPr lang="en-US" sz="2000" dirty="0" smtClean="0">
+                <a:solidFill>
+                  <a:schemeClr val="bg1"/>
+                </a:solidFill>
+              </a:rPr>
+              <a:t>)</a:t>
+            </a:r>
+            <a:endParaRPr lang="en-US" dirty="0" smtClean="0">
+              <a:solidFill>
+                <a:schemeClr val="bg1"/>
+              </a:solidFill>
+            </a:endParaRPr>
           </a:p>
           <a:p>
             <a:pPr marL="514350" indent="-514350" algn="l">

--- a/SWEN3004/CipherChat Presentation.pptx
+++ b/SWEN3004/CipherChat Presentation.pptx
@@ -10,16 +10,17 @@
     <p:sldId id="267" r:id="rId4"/>
     <p:sldId id="270" r:id="rId5"/>
     <p:sldId id="258" r:id="rId6"/>
-    <p:sldId id="263" r:id="rId7"/>
-    <p:sldId id="260" r:id="rId8"/>
-    <p:sldId id="261" r:id="rId9"/>
-    <p:sldId id="259" r:id="rId10"/>
-    <p:sldId id="269" r:id="rId11"/>
-    <p:sldId id="268" r:id="rId12"/>
-    <p:sldId id="262" r:id="rId13"/>
-    <p:sldId id="264" r:id="rId14"/>
-    <p:sldId id="265" r:id="rId15"/>
-    <p:sldId id="266" r:id="rId16"/>
+    <p:sldId id="271" r:id="rId7"/>
+    <p:sldId id="263" r:id="rId8"/>
+    <p:sldId id="260" r:id="rId9"/>
+    <p:sldId id="261" r:id="rId10"/>
+    <p:sldId id="259" r:id="rId11"/>
+    <p:sldId id="269" r:id="rId12"/>
+    <p:sldId id="268" r:id="rId13"/>
+    <p:sldId id="262" r:id="rId14"/>
+    <p:sldId id="264" r:id="rId15"/>
+    <p:sldId id="265" r:id="rId16"/>
+    <p:sldId id="266" r:id="rId17"/>
   </p:sldIdLst>
   <p:sldSz cx="9144000" cy="6858000" type="screen4x3"/>
   <p:notesSz cx="6858000" cy="9144000"/>
@@ -3431,6 +3432,258 @@
           <a:p>
             <a:pPr algn="l"/>
             <a:r>
+              <a:rPr lang="en-US" dirty="0" smtClean="0">
+                <a:solidFill>
+                  <a:schemeClr val="bg1"/>
+                </a:solidFill>
+              </a:rPr>
+              <a:t>Method</a:t>
+            </a:r>
+            <a:endParaRPr lang="en-US" dirty="0">
+              <a:solidFill>
+                <a:schemeClr val="bg1"/>
+              </a:solidFill>
+            </a:endParaRPr>
+          </a:p>
+        </p:txBody>
+      </p:sp>
+      <p:sp>
+        <p:nvSpPr>
+          <p:cNvPr id="3" name="Subtitle 2"/>
+          <p:cNvSpPr>
+            <a:spLocks noGrp="1"/>
+          </p:cNvSpPr>
+          <p:nvPr>
+            <p:ph type="subTitle" idx="1"/>
+          </p:nvPr>
+        </p:nvSpPr>
+        <p:spPr>
+          <a:xfrm>
+            <a:off x="254758" y="1219200"/>
+            <a:ext cx="8660642" cy="5486400"/>
+          </a:xfrm>
+        </p:spPr>
+        <p:txBody>
+          <a:bodyPr>
+            <a:normAutofit fontScale="92500" lnSpcReduction="20000"/>
+          </a:bodyPr>
+          <a:lstStyle/>
+          <a:p>
+            <a:pPr marL="514350" indent="-514350" algn="l">
+              <a:buFont typeface="+mj-lt"/>
+              <a:buAutoNum type="arabicPeriod"/>
+            </a:pPr>
+            <a:r>
+              <a:rPr lang="en-US" sz="3100" dirty="0" smtClean="0">
+                <a:solidFill>
+                  <a:schemeClr val="bg1"/>
+                </a:solidFill>
+              </a:rPr>
+              <a:t>Multiple clients connect to a </a:t>
+            </a:r>
+            <a:r>
+              <a:rPr lang="en-US" sz="3100" dirty="0" err="1" smtClean="0">
+                <a:solidFill>
+                  <a:schemeClr val="bg1"/>
+                </a:solidFill>
+              </a:rPr>
+              <a:t>CipherChat</a:t>
+            </a:r>
+            <a:r>
+              <a:rPr lang="en-US" sz="3100" dirty="0" smtClean="0">
+                <a:solidFill>
+                  <a:schemeClr val="bg1"/>
+                </a:solidFill>
+              </a:rPr>
+              <a:t> server</a:t>
+            </a:r>
+          </a:p>
+          <a:p>
+            <a:pPr marL="514350" indent="-514350" algn="l">
+              <a:buFont typeface="+mj-lt"/>
+              <a:buAutoNum type="arabicPeriod"/>
+            </a:pPr>
+            <a:r>
+              <a:rPr lang="en-US" sz="3100" dirty="0" smtClean="0">
+                <a:solidFill>
+                  <a:schemeClr val="bg1"/>
+                </a:solidFill>
+              </a:rPr>
+              <a:t>Clients exchange public keys using ECDH</a:t>
+            </a:r>
+          </a:p>
+          <a:p>
+            <a:pPr marL="514350" indent="-514350" algn="l">
+              <a:buFont typeface="+mj-lt"/>
+              <a:buAutoNum type="arabicPeriod"/>
+            </a:pPr>
+            <a:r>
+              <a:rPr lang="en-US" sz="3100" dirty="0" smtClean="0">
+                <a:solidFill>
+                  <a:schemeClr val="bg1"/>
+                </a:solidFill>
+              </a:rPr>
+              <a:t>Messages are encrypted using the generated symmetric key and AES</a:t>
+            </a:r>
+          </a:p>
+          <a:p>
+            <a:pPr marL="514350" indent="-514350" algn="l">
+              <a:buFont typeface="+mj-lt"/>
+              <a:buAutoNum type="arabicPeriod"/>
+            </a:pPr>
+            <a:r>
+              <a:rPr lang="en-US" sz="3100" dirty="0" smtClean="0">
+                <a:solidFill>
+                  <a:schemeClr val="bg1"/>
+                </a:solidFill>
+              </a:rPr>
+              <a:t>Messages are signed using ECDSA Signing</a:t>
+            </a:r>
+          </a:p>
+          <a:p>
+            <a:pPr marL="514350" indent="-514350" algn="l">
+              <a:buFont typeface="+mj-lt"/>
+              <a:buAutoNum type="arabicPeriod"/>
+            </a:pPr>
+            <a:r>
+              <a:rPr lang="en-US" sz="3100" dirty="0" smtClean="0">
+                <a:solidFill>
+                  <a:schemeClr val="bg1"/>
+                </a:solidFill>
+              </a:rPr>
+              <a:t>The encrypted message is sent to the server</a:t>
+            </a:r>
+          </a:p>
+          <a:p>
+            <a:pPr marL="514350" indent="-514350" algn="l">
+              <a:buFont typeface="+mj-lt"/>
+              <a:buAutoNum type="arabicPeriod"/>
+            </a:pPr>
+            <a:r>
+              <a:rPr lang="en-US" sz="3100" dirty="0" smtClean="0">
+                <a:solidFill>
+                  <a:schemeClr val="bg1"/>
+                </a:solidFill>
+              </a:rPr>
+              <a:t>The server verifies the authenticity of the message using the signature (ECDSA Verification)</a:t>
+            </a:r>
+          </a:p>
+          <a:p>
+            <a:pPr marL="514350" indent="-514350" algn="l">
+              <a:buFont typeface="+mj-lt"/>
+              <a:buAutoNum type="arabicPeriod"/>
+            </a:pPr>
+            <a:r>
+              <a:rPr lang="en-US" sz="3100" dirty="0" smtClean="0">
+                <a:solidFill>
+                  <a:schemeClr val="bg1"/>
+                </a:solidFill>
+              </a:rPr>
+              <a:t>Server saves the authenticated message</a:t>
+            </a:r>
+          </a:p>
+          <a:p>
+            <a:pPr marL="514350" indent="-514350" algn="l">
+              <a:buFont typeface="+mj-lt"/>
+              <a:buAutoNum type="arabicPeriod"/>
+            </a:pPr>
+            <a:r>
+              <a:rPr lang="en-US" sz="3100" dirty="0" smtClean="0">
+                <a:solidFill>
+                  <a:schemeClr val="bg1"/>
+                </a:solidFill>
+              </a:rPr>
+              <a:t>The other peer(s) sends requests to the server and receive the latest messages</a:t>
+            </a:r>
+          </a:p>
+          <a:p>
+            <a:pPr marL="514350" indent="-514350" algn="l">
+              <a:buFont typeface="+mj-lt"/>
+              <a:buAutoNum type="arabicPeriod"/>
+            </a:pPr>
+            <a:r>
+              <a:rPr lang="en-US" sz="3100" dirty="0" smtClean="0">
+                <a:solidFill>
+                  <a:schemeClr val="bg1"/>
+                </a:solidFill>
+              </a:rPr>
+              <a:t>The received messages are decrypted using the symmetric key and AES</a:t>
+            </a:r>
+          </a:p>
+          <a:p>
+            <a:pPr marL="514350" indent="-514350" algn="l">
+              <a:buFont typeface="+mj-lt"/>
+              <a:buAutoNum type="arabicPeriod"/>
+            </a:pPr>
+            <a:endParaRPr lang="en-US" sz="3100" dirty="0">
+              <a:solidFill>
+                <a:schemeClr val="bg1"/>
+              </a:solidFill>
+            </a:endParaRPr>
+          </a:p>
+        </p:txBody>
+      </p:sp>
+    </p:spTree>
+    <p:extLst>
+      <p:ext uri="{BB962C8B-B14F-4D97-AF65-F5344CB8AC3E}">
+        <p14:creationId xmlns:p14="http://schemas.microsoft.com/office/powerpoint/2010/main" val="2357914262"/>
+      </p:ext>
+    </p:extLst>
+  </p:cSld>
+  <p:clrMapOvr>
+    <a:masterClrMapping/>
+  </p:clrMapOvr>
+  <p:timing>
+    <p:tnLst>
+      <p:par>
+        <p:cTn id="1" dur="indefinite" restart="never" nodeType="tmRoot"/>
+      </p:par>
+    </p:tnLst>
+  </p:timing>
+</p:sld>
+</file>
+
+<file path=ppt/slides/slide11.xml><?xml version="1.0" encoding="utf-8"?>
+<p:sld xmlns:a="http://schemas.openxmlformats.org/drawingml/2006/main" xmlns:r="http://schemas.openxmlformats.org/officeDocument/2006/relationships" xmlns:p="http://schemas.openxmlformats.org/presentationml/2006/main">
+  <p:cSld>
+    <p:spTree>
+      <p:nvGrpSpPr>
+        <p:cNvPr id="1" name=""/>
+        <p:cNvGrpSpPr/>
+        <p:nvPr/>
+      </p:nvGrpSpPr>
+      <p:grpSpPr>
+        <a:xfrm>
+          <a:off x="0" y="0"/>
+          <a:ext cx="0" cy="0"/>
+          <a:chOff x="0" y="0"/>
+          <a:chExt cx="0" cy="0"/>
+        </a:xfrm>
+      </p:grpSpPr>
+      <p:sp>
+        <p:nvSpPr>
+          <p:cNvPr id="2" name="Title 1"/>
+          <p:cNvSpPr>
+            <a:spLocks noGrp="1"/>
+          </p:cNvSpPr>
+          <p:nvPr>
+            <p:ph type="ctrTitle"/>
+          </p:nvPr>
+        </p:nvSpPr>
+        <p:spPr>
+          <a:xfrm>
+            <a:off x="304800" y="152400"/>
+            <a:ext cx="8610600" cy="1447800"/>
+          </a:xfrm>
+        </p:spPr>
+        <p:txBody>
+          <a:bodyPr>
+            <a:normAutofit/>
+          </a:bodyPr>
+          <a:lstStyle/>
+          <a:p>
+            <a:pPr algn="l"/>
+            <a:r>
               <a:rPr lang="en-US" dirty="0" err="1" smtClean="0">
                 <a:solidFill>
                   <a:schemeClr val="bg1"/>
@@ -3612,7 +3865,7 @@
 </p:sld>
 </file>
 
-<file path=ppt/slides/slide11.xml><?xml version="1.0" encoding="utf-8"?>
+<file path=ppt/slides/slide12.xml><?xml version="1.0" encoding="utf-8"?>
 <p:sld xmlns:a="http://schemas.openxmlformats.org/drawingml/2006/main" xmlns:r="http://schemas.openxmlformats.org/officeDocument/2006/relationships" xmlns:p="http://schemas.openxmlformats.org/presentationml/2006/main">
   <p:cSld>
     <p:spTree>
@@ -3862,228 +4115,6 @@
 </p:sld>
 </file>
 
-<file path=ppt/slides/slide12.xml><?xml version="1.0" encoding="utf-8"?>
-<p:sld xmlns:a="http://schemas.openxmlformats.org/drawingml/2006/main" xmlns:r="http://schemas.openxmlformats.org/officeDocument/2006/relationships" xmlns:p="http://schemas.openxmlformats.org/presentationml/2006/main">
-  <p:cSld>
-    <p:spTree>
-      <p:nvGrpSpPr>
-        <p:cNvPr id="1" name=""/>
-        <p:cNvGrpSpPr/>
-        <p:nvPr/>
-      </p:nvGrpSpPr>
-      <p:grpSpPr>
-        <a:xfrm>
-          <a:off x="0" y="0"/>
-          <a:ext cx="0" cy="0"/>
-          <a:chOff x="0" y="0"/>
-          <a:chExt cx="0" cy="0"/>
-        </a:xfrm>
-      </p:grpSpPr>
-      <p:sp>
-        <p:nvSpPr>
-          <p:cNvPr id="2" name="Title 1"/>
-          <p:cNvSpPr>
-            <a:spLocks noGrp="1"/>
-          </p:cNvSpPr>
-          <p:nvPr>
-            <p:ph type="ctrTitle"/>
-          </p:nvPr>
-        </p:nvSpPr>
-        <p:spPr>
-          <a:xfrm>
-            <a:off x="304800" y="152400"/>
-            <a:ext cx="8610600" cy="1447800"/>
-          </a:xfrm>
-        </p:spPr>
-        <p:txBody>
-          <a:bodyPr>
-            <a:normAutofit/>
-          </a:bodyPr>
-          <a:lstStyle/>
-          <a:p>
-            <a:pPr algn="l"/>
-            <a:r>
-              <a:rPr lang="en-US" dirty="0" smtClean="0">
-                <a:solidFill>
-                  <a:schemeClr val="bg1"/>
-                </a:solidFill>
-              </a:rPr>
-              <a:t>Open Source</a:t>
-            </a:r>
-            <a:endParaRPr lang="en-US" dirty="0">
-              <a:solidFill>
-                <a:schemeClr val="bg1"/>
-              </a:solidFill>
-            </a:endParaRPr>
-          </a:p>
-        </p:txBody>
-      </p:sp>
-      <p:sp>
-        <p:nvSpPr>
-          <p:cNvPr id="3" name="Subtitle 2"/>
-          <p:cNvSpPr>
-            <a:spLocks noGrp="1"/>
-          </p:cNvSpPr>
-          <p:nvPr>
-            <p:ph type="subTitle" idx="1"/>
-          </p:nvPr>
-        </p:nvSpPr>
-        <p:spPr>
-          <a:xfrm>
-            <a:off x="304800" y="1295400"/>
-            <a:ext cx="8534400" cy="5181600"/>
-          </a:xfrm>
-        </p:spPr>
-        <p:txBody>
-          <a:bodyPr>
-            <a:normAutofit fontScale="92500" lnSpcReduction="10000"/>
-          </a:bodyPr>
-          <a:lstStyle/>
-          <a:p>
-            <a:pPr algn="l"/>
-            <a:r>
-              <a:rPr lang="en-US" sz="3100" u="sng" dirty="0" smtClean="0">
-                <a:solidFill>
-                  <a:schemeClr val="bg1"/>
-                </a:solidFill>
-              </a:rPr>
-              <a:t>Food for Thought</a:t>
-            </a:r>
-          </a:p>
-          <a:p>
-            <a:pPr marL="514350" indent="-514350" algn="l">
-              <a:buFont typeface="+mj-lt"/>
-              <a:buAutoNum type="arabicPeriod"/>
-            </a:pPr>
-            <a:r>
-              <a:rPr lang="en-US" sz="3100" dirty="0" smtClean="0">
-                <a:solidFill>
-                  <a:schemeClr val="bg1"/>
-                </a:solidFill>
-              </a:rPr>
-              <a:t>Why should anyone trust applications if they cannot prove for themselves that it is secure?</a:t>
-            </a:r>
-          </a:p>
-          <a:p>
-            <a:pPr marL="514350" indent="-514350" algn="l">
-              <a:buFont typeface="+mj-lt"/>
-              <a:buAutoNum type="arabicPeriod"/>
-            </a:pPr>
-            <a:r>
-              <a:rPr lang="en-US" sz="3100" dirty="0" smtClean="0">
-                <a:solidFill>
-                  <a:schemeClr val="bg1"/>
-                </a:solidFill>
-              </a:rPr>
-              <a:t>Applications </a:t>
-            </a:r>
-            <a:r>
-              <a:rPr lang="en-US" sz="3100" dirty="0">
-                <a:solidFill>
-                  <a:schemeClr val="bg1"/>
-                </a:solidFill>
-              </a:rPr>
-              <a:t>should </a:t>
-            </a:r>
-            <a:r>
-              <a:rPr lang="en-US" sz="3100" dirty="0" smtClean="0">
-                <a:solidFill>
-                  <a:schemeClr val="bg1"/>
-                </a:solidFill>
-              </a:rPr>
-              <a:t>be secure by design and not by policy!</a:t>
-            </a:r>
-          </a:p>
-          <a:p>
-            <a:pPr marL="514350" indent="-514350" algn="l">
-              <a:buFont typeface="+mj-lt"/>
-              <a:buAutoNum type="arabicPeriod"/>
-            </a:pPr>
-            <a:endParaRPr lang="en-US" sz="3100" dirty="0" smtClean="0">
-              <a:solidFill>
-                <a:schemeClr val="bg1"/>
-              </a:solidFill>
-            </a:endParaRPr>
-          </a:p>
-          <a:p>
-            <a:pPr algn="l"/>
-            <a:r>
-              <a:rPr lang="en-US" sz="3100" dirty="0" err="1" smtClean="0">
-                <a:solidFill>
-                  <a:schemeClr val="bg1"/>
-                </a:solidFill>
-              </a:rPr>
-              <a:t>CipherChat</a:t>
-            </a:r>
-            <a:r>
-              <a:rPr lang="en-US" sz="3100" dirty="0" smtClean="0">
-                <a:solidFill>
-                  <a:schemeClr val="bg1"/>
-                </a:solidFill>
-              </a:rPr>
-              <a:t> is Open Source. By design, </a:t>
-            </a:r>
-            <a:r>
-              <a:rPr lang="en-US" sz="3100" dirty="0" err="1" smtClean="0">
-                <a:solidFill>
-                  <a:schemeClr val="bg1"/>
-                </a:solidFill>
-              </a:rPr>
-              <a:t>CipherChat</a:t>
-            </a:r>
-            <a:r>
-              <a:rPr lang="en-US" sz="3100" dirty="0" smtClean="0">
-                <a:solidFill>
-                  <a:schemeClr val="bg1"/>
-                </a:solidFill>
-              </a:rPr>
-              <a:t> is trustless if a known server is used for each conversation (else MITM vulnerability) and will evolve to be trustless regardless of which server is used.</a:t>
-            </a:r>
-            <a:br>
-              <a:rPr lang="en-US" sz="3100" dirty="0" smtClean="0">
-                <a:solidFill>
-                  <a:schemeClr val="bg1"/>
-                </a:solidFill>
-              </a:rPr>
-            </a:br>
-            <a:endParaRPr lang="en-US" sz="900" dirty="0" smtClean="0">
-              <a:solidFill>
-                <a:schemeClr val="bg1"/>
-              </a:solidFill>
-            </a:endParaRPr>
-          </a:p>
-          <a:p>
-            <a:r>
-              <a:rPr lang="en-US" sz="3100" dirty="0">
-                <a:solidFill>
-                  <a:schemeClr val="bg1"/>
-                </a:solidFill>
-              </a:rPr>
-              <a:t>https://github.com/CipherChat/CipherChat/</a:t>
-            </a:r>
-          </a:p>
-        </p:txBody>
-      </p:sp>
-    </p:spTree>
-    <p:extLst>
-      <p:ext uri="{BB962C8B-B14F-4D97-AF65-F5344CB8AC3E}">
-        <p14:creationId xmlns:p14="http://schemas.microsoft.com/office/powerpoint/2010/main" val="1616725130"/>
-      </p:ext>
-    </p:extLst>
-  </p:cSld>
-  <p:clrMapOvr>
-    <a:masterClrMapping/>
-  </p:clrMapOvr>
-  <p:timing>
-    <p:tnLst>
-      <p:par>
-        <p:cTn id="1" dur="indefinite" restart="never" nodeType="tmRoot"/>
-      </p:par>
-    </p:tnLst>
-  </p:timing>
-</p:sld>
-</file>
-
 <file path=ppt/slides/slide13.xml><?xml version="1.0" encoding="utf-8"?>
 <p:sld xmlns:a="http://schemas.openxmlformats.org/drawingml/2006/main" xmlns:r="http://schemas.openxmlformats.org/officeDocument/2006/relationships" xmlns:p="http://schemas.openxmlformats.org/presentationml/2006/main">
   <p:cSld>
@@ -4113,8 +4144,8 @@
         </p:nvSpPr>
         <p:spPr>
           <a:xfrm>
-            <a:off x="0" y="2514600"/>
-            <a:ext cx="9144000" cy="1447800"/>
+            <a:off x="304800" y="152400"/>
+            <a:ext cx="8610600" cy="1447800"/>
           </a:xfrm>
         </p:spPr>
         <p:txBody>
@@ -4123,13 +4154,14 @@
           </a:bodyPr>
           <a:lstStyle/>
           <a:p>
+            <a:pPr algn="l"/>
             <a:r>
               <a:rPr lang="en-US" dirty="0" smtClean="0">
                 <a:solidFill>
                   <a:schemeClr val="bg1"/>
                 </a:solidFill>
               </a:rPr>
-              <a:t>Live Demonstration</a:t>
+              <a:t>Open Source</a:t>
             </a:r>
             <a:endParaRPr lang="en-US" dirty="0">
               <a:solidFill>
@@ -4139,10 +4171,156 @@
           </a:p>
         </p:txBody>
       </p:sp>
+      <p:sp>
+        <p:nvSpPr>
+          <p:cNvPr id="3" name="Subtitle 2"/>
+          <p:cNvSpPr>
+            <a:spLocks noGrp="1"/>
+          </p:cNvSpPr>
+          <p:nvPr>
+            <p:ph type="subTitle" idx="1"/>
+          </p:nvPr>
+        </p:nvSpPr>
+        <p:spPr>
+          <a:xfrm>
+            <a:off x="304800" y="1295400"/>
+            <a:ext cx="8534400" cy="5181600"/>
+          </a:xfrm>
+        </p:spPr>
+        <p:txBody>
+          <a:bodyPr>
+            <a:normAutofit fontScale="92500" lnSpcReduction="10000"/>
+          </a:bodyPr>
+          <a:lstStyle/>
+          <a:p>
+            <a:pPr algn="l"/>
+            <a:r>
+              <a:rPr lang="en-US" sz="3100" u="sng" dirty="0" smtClean="0">
+                <a:solidFill>
+                  <a:schemeClr val="bg1"/>
+                </a:solidFill>
+              </a:rPr>
+              <a:t>Food for Thought</a:t>
+            </a:r>
+          </a:p>
+          <a:p>
+            <a:pPr marL="514350" indent="-514350" algn="l">
+              <a:buFont typeface="+mj-lt"/>
+              <a:buAutoNum type="arabicPeriod"/>
+            </a:pPr>
+            <a:r>
+              <a:rPr lang="en-US" sz="3100" dirty="0" smtClean="0">
+                <a:solidFill>
+                  <a:schemeClr val="bg1"/>
+                </a:solidFill>
+              </a:rPr>
+              <a:t>Why should anyone trust applications if they cannot prove for themselves that it is secure?</a:t>
+            </a:r>
+          </a:p>
+          <a:p>
+            <a:pPr marL="514350" indent="-514350" algn="l">
+              <a:buFont typeface="+mj-lt"/>
+              <a:buAutoNum type="arabicPeriod"/>
+            </a:pPr>
+            <a:r>
+              <a:rPr lang="en-US" sz="3100" dirty="0" smtClean="0">
+                <a:solidFill>
+                  <a:schemeClr val="bg1"/>
+                </a:solidFill>
+              </a:rPr>
+              <a:t>Applications </a:t>
+            </a:r>
+            <a:r>
+              <a:rPr lang="en-US" sz="3100" dirty="0">
+                <a:solidFill>
+                  <a:schemeClr val="bg1"/>
+                </a:solidFill>
+              </a:rPr>
+              <a:t>should </a:t>
+            </a:r>
+            <a:r>
+              <a:rPr lang="en-US" sz="3100" dirty="0" smtClean="0">
+                <a:solidFill>
+                  <a:schemeClr val="bg1"/>
+                </a:solidFill>
+              </a:rPr>
+              <a:t>be secure by design and not by policy!</a:t>
+            </a:r>
+          </a:p>
+          <a:p>
+            <a:pPr marL="514350" indent="-514350" algn="l">
+              <a:buFont typeface="+mj-lt"/>
+              <a:buAutoNum type="arabicPeriod"/>
+            </a:pPr>
+            <a:endParaRPr lang="en-US" sz="3100" dirty="0" smtClean="0">
+              <a:solidFill>
+                <a:schemeClr val="bg1"/>
+              </a:solidFill>
+            </a:endParaRPr>
+          </a:p>
+          <a:p>
+            <a:pPr algn="l"/>
+            <a:r>
+              <a:rPr lang="en-US" sz="3100" dirty="0" err="1" smtClean="0">
+                <a:solidFill>
+                  <a:schemeClr val="bg1"/>
+                </a:solidFill>
+              </a:rPr>
+              <a:t>CipherChat</a:t>
+            </a:r>
+            <a:r>
+              <a:rPr lang="en-US" sz="3100" dirty="0" smtClean="0">
+                <a:solidFill>
+                  <a:schemeClr val="bg1"/>
+                </a:solidFill>
+              </a:rPr>
+              <a:t> is Open Source. By design, </a:t>
+            </a:r>
+            <a:r>
+              <a:rPr lang="en-US" sz="3100" dirty="0" err="1" smtClean="0">
+                <a:solidFill>
+                  <a:schemeClr val="bg1"/>
+                </a:solidFill>
+              </a:rPr>
+              <a:t>CipherChat</a:t>
+            </a:r>
+            <a:r>
+              <a:rPr lang="en-US" sz="3100" dirty="0" smtClean="0">
+                <a:solidFill>
+                  <a:schemeClr val="bg1"/>
+                </a:solidFill>
+              </a:rPr>
+              <a:t> is trustless if a known server is used for each conversation (else MITM vulnerability) and will evolve to be trustless regardless of which server is used.</a:t>
+            </a:r>
+            <a:br>
+              <a:rPr lang="en-US" sz="3100" dirty="0" smtClean="0">
+                <a:solidFill>
+                  <a:schemeClr val="bg1"/>
+                </a:solidFill>
+              </a:rPr>
+            </a:br>
+            <a:endParaRPr lang="en-US" sz="900" dirty="0" smtClean="0">
+              <a:solidFill>
+                <a:schemeClr val="bg1"/>
+              </a:solidFill>
+            </a:endParaRPr>
+          </a:p>
+          <a:p>
+            <a:r>
+              <a:rPr lang="en-US" sz="3100" dirty="0">
+                <a:solidFill>
+                  <a:schemeClr val="bg1"/>
+                </a:solidFill>
+              </a:rPr>
+              <a:t>https://github.com/CipherChat/CipherChat/</a:t>
+            </a:r>
+          </a:p>
+        </p:txBody>
+      </p:sp>
     </p:spTree>
     <p:extLst>
       <p:ext uri="{BB962C8B-B14F-4D97-AF65-F5344CB8AC3E}">
-        <p14:creationId xmlns:p14="http://schemas.microsoft.com/office/powerpoint/2010/main" val="2589255197"/>
+        <p14:creationId xmlns:p14="http://schemas.microsoft.com/office/powerpoint/2010/main" val="1616725130"/>
       </p:ext>
     </p:extLst>
   </p:cSld>
@@ -4188,6 +4366,81 @@
         </p:nvSpPr>
         <p:spPr>
           <a:xfrm>
+            <a:off x="0" y="2514600"/>
+            <a:ext cx="9144000" cy="1447800"/>
+          </a:xfrm>
+        </p:spPr>
+        <p:txBody>
+          <a:bodyPr>
+            <a:normAutofit/>
+          </a:bodyPr>
+          <a:lstStyle/>
+          <a:p>
+            <a:r>
+              <a:rPr lang="en-US" dirty="0" smtClean="0">
+                <a:solidFill>
+                  <a:schemeClr val="bg1"/>
+                </a:solidFill>
+              </a:rPr>
+              <a:t>Live Demonstration</a:t>
+            </a:r>
+            <a:endParaRPr lang="en-US" dirty="0">
+              <a:solidFill>
+                <a:schemeClr val="bg1"/>
+              </a:solidFill>
+            </a:endParaRPr>
+          </a:p>
+        </p:txBody>
+      </p:sp>
+    </p:spTree>
+    <p:extLst>
+      <p:ext uri="{BB962C8B-B14F-4D97-AF65-F5344CB8AC3E}">
+        <p14:creationId xmlns:p14="http://schemas.microsoft.com/office/powerpoint/2010/main" val="2589255197"/>
+      </p:ext>
+    </p:extLst>
+  </p:cSld>
+  <p:clrMapOvr>
+    <a:masterClrMapping/>
+  </p:clrMapOvr>
+  <p:timing>
+    <p:tnLst>
+      <p:par>
+        <p:cTn id="1" dur="indefinite" restart="never" nodeType="tmRoot"/>
+      </p:par>
+    </p:tnLst>
+  </p:timing>
+</p:sld>
+</file>
+
+<file path=ppt/slides/slide15.xml><?xml version="1.0" encoding="utf-8"?>
+<p:sld xmlns:a="http://schemas.openxmlformats.org/drawingml/2006/main" xmlns:r="http://schemas.openxmlformats.org/officeDocument/2006/relationships" xmlns:p="http://schemas.openxmlformats.org/presentationml/2006/main">
+  <p:cSld>
+    <p:spTree>
+      <p:nvGrpSpPr>
+        <p:cNvPr id="1" name=""/>
+        <p:cNvGrpSpPr/>
+        <p:nvPr/>
+      </p:nvGrpSpPr>
+      <p:grpSpPr>
+        <a:xfrm>
+          <a:off x="0" y="0"/>
+          <a:ext cx="0" cy="0"/>
+          <a:chOff x="0" y="0"/>
+          <a:chExt cx="0" cy="0"/>
+        </a:xfrm>
+      </p:grpSpPr>
+      <p:sp>
+        <p:nvSpPr>
+          <p:cNvPr id="2" name="Title 1"/>
+          <p:cNvSpPr>
+            <a:spLocks noGrp="1"/>
+          </p:cNvSpPr>
+          <p:nvPr>
+            <p:ph type="ctrTitle"/>
+          </p:nvPr>
+        </p:nvSpPr>
+        <p:spPr>
+          <a:xfrm>
             <a:off x="304800" y="152400"/>
             <a:ext cx="8610600" cy="1447800"/>
           </a:xfrm>
@@ -4443,7 +4696,7 @@
 </p:sld>
 </file>
 
-<file path=ppt/slides/slide15.xml><?xml version="1.0" encoding="utf-8"?>
+<file path=ppt/slides/slide16.xml><?xml version="1.0" encoding="utf-8"?>
 <p:sld xmlns:a="http://schemas.openxmlformats.org/drawingml/2006/main" xmlns:r="http://schemas.openxmlformats.org/officeDocument/2006/relationships" xmlns:p="http://schemas.openxmlformats.org/presentationml/2006/main">
   <p:cSld>
     <p:spTree>
@@ -4996,11 +5249,6 @@
               </a:rPr>
               <a:t>)</a:t>
             </a:r>
-            <a:endParaRPr lang="en-US" sz="2000" dirty="0" smtClean="0">
-              <a:solidFill>
-                <a:schemeClr val="bg1"/>
-              </a:solidFill>
-            </a:endParaRPr>
           </a:p>
           <a:p>
             <a:pPr marL="514350" indent="-514350" algn="l">
@@ -5021,15 +5269,7 @@
                   <a:schemeClr val="bg1"/>
                 </a:solidFill>
               </a:rPr>
-              <a:t>(Server &amp; Client</a:t>
-            </a:r>
-            <a:r>
-              <a:rPr lang="en-US" sz="2000" dirty="0" smtClean="0">
-                <a:solidFill>
-                  <a:schemeClr val="bg1"/>
-                </a:solidFill>
-              </a:rPr>
-              <a:t>)</a:t>
+              <a:t>(Server &amp; Client)</a:t>
             </a:r>
             <a:endParaRPr lang="en-US" dirty="0" smtClean="0">
               <a:solidFill>
@@ -5203,7 +5443,7 @@
                   <a:schemeClr val="bg1"/>
                 </a:solidFill>
               </a:rPr>
-              <a:t>Cryptography</a:t>
+              <a:t>Database Schema</a:t>
             </a:r>
             <a:endParaRPr lang="en-US" dirty="0">
               <a:solidFill>
@@ -5225,7 +5465,7 @@
         </p:nvSpPr>
         <p:spPr>
           <a:xfrm>
-            <a:off x="304800" y="1371600"/>
+            <a:off x="304800" y="1066800"/>
             <a:ext cx="8915400" cy="4572000"/>
           </a:xfrm>
         </p:spPr>
@@ -5237,100 +5477,36 @@
           <a:p>
             <a:pPr algn="l"/>
             <a:r>
-              <a:rPr lang="en-US" dirty="0" err="1" smtClean="0">
-                <a:solidFill>
-                  <a:schemeClr val="bg1"/>
-                </a:solidFill>
-              </a:rPr>
-              <a:t>CipherChat</a:t>
-            </a:r>
-            <a:r>
-              <a:rPr lang="en-US" dirty="0" smtClean="0">
-                <a:solidFill>
-                  <a:schemeClr val="bg1"/>
-                </a:solidFill>
-              </a:rPr>
-              <a:t> is Made Secure through the implementation of the following cryptographic technologies: </a:t>
-            </a:r>
-          </a:p>
-          <a:p>
-            <a:pPr algn="l"/>
-            <a:endParaRPr lang="en-US" sz="1600" dirty="0" smtClean="0">
-              <a:solidFill>
-                <a:schemeClr val="bg1"/>
-              </a:solidFill>
-            </a:endParaRPr>
-          </a:p>
-          <a:p>
-            <a:pPr marL="457200" indent="-457200" algn="l">
-              <a:buFont typeface="Arial" pitchFamily="34" charset="0"/>
-              <a:buChar char="•"/>
-            </a:pPr>
+              <a:rPr lang="en-US" sz="3100" smtClean="0">
+                <a:solidFill>
+                  <a:schemeClr val="bg1"/>
+                </a:solidFill>
+              </a:rPr>
+              <a:t>MYSQL </a:t>
+            </a:r>
             <a:r>
               <a:rPr lang="en-US" sz="3100" dirty="0" smtClean="0">
                 <a:solidFill>
                   <a:schemeClr val="bg1"/>
                 </a:solidFill>
               </a:rPr>
-              <a:t>Hypertext Transfer Protocol Secure</a:t>
-            </a:r>
-          </a:p>
-          <a:p>
-            <a:pPr marL="457200" indent="-457200" algn="l">
-              <a:buFont typeface="Arial" pitchFamily="34" charset="0"/>
-              <a:buChar char="•"/>
-            </a:pPr>
+              <a:t>Database schema (</a:t>
+            </a:r>
+            <a:r>
+              <a:rPr lang="en-US" sz="3100" dirty="0" err="1" smtClean="0">
+                <a:solidFill>
+                  <a:schemeClr val="bg1"/>
+                </a:solidFill>
+              </a:rPr>
+              <a:t>TypeScript</a:t>
+            </a:r>
             <a:r>
               <a:rPr lang="en-US" sz="3100" dirty="0" smtClean="0">
                 <a:solidFill>
                   <a:schemeClr val="bg1"/>
                 </a:solidFill>
               </a:rPr>
-              <a:t>Elliptic Curve </a:t>
-            </a:r>
-            <a:r>
-              <a:rPr lang="en-US" sz="3100" dirty="0" err="1" smtClean="0">
-                <a:solidFill>
-                  <a:schemeClr val="bg1"/>
-                </a:solidFill>
-              </a:rPr>
-              <a:t>Diffie</a:t>
-            </a:r>
-            <a:r>
-              <a:rPr lang="en-US" sz="3100" dirty="0" smtClean="0">
-                <a:solidFill>
-                  <a:schemeClr val="bg1"/>
-                </a:solidFill>
-              </a:rPr>
-              <a:t> Hellman Key Exchange Protocol</a:t>
-            </a:r>
-          </a:p>
-          <a:p>
-            <a:pPr marL="457200" indent="-457200" algn="l">
-              <a:buFont typeface="Arial" pitchFamily="34" charset="0"/>
-              <a:buChar char="•"/>
-            </a:pPr>
-            <a:r>
-              <a:rPr lang="en-US" sz="3100" dirty="0" smtClean="0">
-                <a:solidFill>
-                  <a:schemeClr val="bg1"/>
-                </a:solidFill>
-              </a:rPr>
-              <a:t>Elliptic Curve Digital Signature Algorithm</a:t>
-            </a:r>
-          </a:p>
-          <a:p>
-            <a:pPr marL="457200" indent="-457200" algn="l">
-              <a:buFont typeface="Arial" pitchFamily="34" charset="0"/>
-              <a:buChar char="•"/>
-            </a:pPr>
-            <a:r>
-              <a:rPr lang="en-US" sz="3100" dirty="0" smtClean="0">
-                <a:solidFill>
-                  <a:schemeClr val="bg1"/>
-                </a:solidFill>
-              </a:rPr>
-              <a:t>Advanced Encryption Standard (256 bit)</a:t>
+              <a:t>)</a:t>
             </a:r>
             <a:endParaRPr lang="en-US" sz="3100" dirty="0">
               <a:solidFill>
@@ -5340,6 +5516,36 @@
           </a:p>
         </p:txBody>
       </p:sp>
+      <p:pic>
+        <p:nvPicPr>
+          <p:cNvPr id="4" name="Picture 3"/>
+          <p:cNvPicPr>
+            <a:picLocks noChangeAspect="1"/>
+          </p:cNvPicPr>
+          <p:nvPr/>
+        </p:nvPicPr>
+        <p:blipFill>
+          <a:blip r:embed="rId2">
+            <a:extLst>
+              <a:ext uri="{28A0092B-C50C-407E-A947-70E740481C1C}">
+                <a14:useLocalDpi xmlns:a14="http://schemas.microsoft.com/office/drawing/2010/main" val="0"/>
+              </a:ext>
+            </a:extLst>
+          </a:blip>
+          <a:stretch>
+            <a:fillRect/>
+          </a:stretch>
+        </p:blipFill>
+        <p:spPr>
+          <a:xfrm>
+            <a:off x="457200" y="1736678"/>
+            <a:ext cx="8309905" cy="4872251"/>
+          </a:xfrm>
+          <a:prstGeom prst="rect">
+            <a:avLst/>
+          </a:prstGeom>
+        </p:spPr>
+      </p:pic>
     </p:spTree>
     <p:extLst>
       <p:ext uri="{BB962C8B-B14F-4D97-AF65-F5344CB8AC3E}">
@@ -5406,6 +5612,209 @@
                   <a:schemeClr val="bg1"/>
                 </a:solidFill>
               </a:rPr>
+              <a:t>Cryptography</a:t>
+            </a:r>
+            <a:endParaRPr lang="en-US" dirty="0">
+              <a:solidFill>
+                <a:schemeClr val="bg1"/>
+              </a:solidFill>
+            </a:endParaRPr>
+          </a:p>
+        </p:txBody>
+      </p:sp>
+      <p:sp>
+        <p:nvSpPr>
+          <p:cNvPr id="3" name="Subtitle 2"/>
+          <p:cNvSpPr>
+            <a:spLocks noGrp="1"/>
+          </p:cNvSpPr>
+          <p:nvPr>
+            <p:ph type="subTitle" idx="1"/>
+          </p:nvPr>
+        </p:nvSpPr>
+        <p:spPr>
+          <a:xfrm>
+            <a:off x="304800" y="1371600"/>
+            <a:ext cx="8915400" cy="4572000"/>
+          </a:xfrm>
+        </p:spPr>
+        <p:txBody>
+          <a:bodyPr>
+            <a:normAutofit/>
+          </a:bodyPr>
+          <a:lstStyle/>
+          <a:p>
+            <a:pPr algn="l"/>
+            <a:r>
+              <a:rPr lang="en-US" dirty="0" err="1" smtClean="0">
+                <a:solidFill>
+                  <a:schemeClr val="bg1"/>
+                </a:solidFill>
+              </a:rPr>
+              <a:t>CipherChat</a:t>
+            </a:r>
+            <a:r>
+              <a:rPr lang="en-US" dirty="0" smtClean="0">
+                <a:solidFill>
+                  <a:schemeClr val="bg1"/>
+                </a:solidFill>
+              </a:rPr>
+              <a:t> is Made Secure through the implementation of the following cryptographic technologies: </a:t>
+            </a:r>
+          </a:p>
+          <a:p>
+            <a:pPr algn="l"/>
+            <a:endParaRPr lang="en-US" sz="1600" dirty="0" smtClean="0">
+              <a:solidFill>
+                <a:schemeClr val="bg1"/>
+              </a:solidFill>
+            </a:endParaRPr>
+          </a:p>
+          <a:p>
+            <a:pPr marL="457200" indent="-457200" algn="l">
+              <a:buFont typeface="Arial" pitchFamily="34" charset="0"/>
+              <a:buChar char="•"/>
+            </a:pPr>
+            <a:r>
+              <a:rPr lang="en-US" sz="3100" dirty="0" smtClean="0">
+                <a:solidFill>
+                  <a:schemeClr val="bg1"/>
+                </a:solidFill>
+              </a:rPr>
+              <a:t>Hypertext Transfer Protocol Secure</a:t>
+            </a:r>
+          </a:p>
+          <a:p>
+            <a:pPr marL="457200" indent="-457200" algn="l">
+              <a:buFont typeface="Arial" pitchFamily="34" charset="0"/>
+              <a:buChar char="•"/>
+            </a:pPr>
+            <a:r>
+              <a:rPr lang="en-US" sz="3100" dirty="0" smtClean="0">
+                <a:solidFill>
+                  <a:schemeClr val="bg1"/>
+                </a:solidFill>
+              </a:rPr>
+              <a:t>Elliptic Curve </a:t>
+            </a:r>
+            <a:r>
+              <a:rPr lang="en-US" sz="3100" dirty="0" err="1" smtClean="0">
+                <a:solidFill>
+                  <a:schemeClr val="bg1"/>
+                </a:solidFill>
+              </a:rPr>
+              <a:t>Diffie</a:t>
+            </a:r>
+            <a:r>
+              <a:rPr lang="en-US" sz="3100" dirty="0" smtClean="0">
+                <a:solidFill>
+                  <a:schemeClr val="bg1"/>
+                </a:solidFill>
+              </a:rPr>
+              <a:t> Hellman Key Exchange Protocol</a:t>
+            </a:r>
+          </a:p>
+          <a:p>
+            <a:pPr marL="457200" indent="-457200" algn="l">
+              <a:buFont typeface="Arial" pitchFamily="34" charset="0"/>
+              <a:buChar char="•"/>
+            </a:pPr>
+            <a:r>
+              <a:rPr lang="en-US" sz="3100" dirty="0" smtClean="0">
+                <a:solidFill>
+                  <a:schemeClr val="bg1"/>
+                </a:solidFill>
+              </a:rPr>
+              <a:t>Elliptic Curve Digital Signature Algorithm</a:t>
+            </a:r>
+          </a:p>
+          <a:p>
+            <a:pPr marL="457200" indent="-457200" algn="l">
+              <a:buFont typeface="Arial" pitchFamily="34" charset="0"/>
+              <a:buChar char="•"/>
+            </a:pPr>
+            <a:r>
+              <a:rPr lang="en-US" sz="3100" dirty="0" smtClean="0">
+                <a:solidFill>
+                  <a:schemeClr val="bg1"/>
+                </a:solidFill>
+              </a:rPr>
+              <a:t>Advanced Encryption Standard (256 bit)</a:t>
+            </a:r>
+            <a:endParaRPr lang="en-US" sz="3100" dirty="0">
+              <a:solidFill>
+                <a:schemeClr val="bg1"/>
+              </a:solidFill>
+            </a:endParaRPr>
+          </a:p>
+        </p:txBody>
+      </p:sp>
+    </p:spTree>
+    <p:extLst>
+      <p:ext uri="{BB962C8B-B14F-4D97-AF65-F5344CB8AC3E}">
+        <p14:creationId xmlns:p14="http://schemas.microsoft.com/office/powerpoint/2010/main" val="825149718"/>
+      </p:ext>
+    </p:extLst>
+  </p:cSld>
+  <p:clrMapOvr>
+    <a:masterClrMapping/>
+  </p:clrMapOvr>
+  <p:timing>
+    <p:tnLst>
+      <p:par>
+        <p:cTn id="1" dur="indefinite" restart="never" nodeType="tmRoot"/>
+      </p:par>
+    </p:tnLst>
+  </p:timing>
+</p:sld>
+</file>
+
+<file path=ppt/slides/slide7.xml><?xml version="1.0" encoding="utf-8"?>
+<p:sld xmlns:a="http://schemas.openxmlformats.org/drawingml/2006/main" xmlns:r="http://schemas.openxmlformats.org/officeDocument/2006/relationships" xmlns:p="http://schemas.openxmlformats.org/presentationml/2006/main">
+  <p:cSld>
+    <p:spTree>
+      <p:nvGrpSpPr>
+        <p:cNvPr id="1" name=""/>
+        <p:cNvGrpSpPr/>
+        <p:nvPr/>
+      </p:nvGrpSpPr>
+      <p:grpSpPr>
+        <a:xfrm>
+          <a:off x="0" y="0"/>
+          <a:ext cx="0" cy="0"/>
+          <a:chOff x="0" y="0"/>
+          <a:chExt cx="0" cy="0"/>
+        </a:xfrm>
+      </p:grpSpPr>
+      <p:sp>
+        <p:nvSpPr>
+          <p:cNvPr id="2" name="Title 1"/>
+          <p:cNvSpPr>
+            <a:spLocks noGrp="1"/>
+          </p:cNvSpPr>
+          <p:nvPr>
+            <p:ph type="ctrTitle"/>
+          </p:nvPr>
+        </p:nvSpPr>
+        <p:spPr>
+          <a:xfrm>
+            <a:off x="304800" y="152400"/>
+            <a:ext cx="8610600" cy="1447800"/>
+          </a:xfrm>
+        </p:spPr>
+        <p:txBody>
+          <a:bodyPr>
+            <a:normAutofit/>
+          </a:bodyPr>
+          <a:lstStyle/>
+          <a:p>
+            <a:pPr algn="l"/>
+            <a:r>
+              <a:rPr lang="en-US" dirty="0" smtClean="0">
+                <a:solidFill>
+                  <a:schemeClr val="bg1"/>
+                </a:solidFill>
+              </a:rPr>
               <a:t>Chosen Elliptic Curve</a:t>
             </a:r>
             <a:endParaRPr lang="en-US" dirty="0">
@@ -5633,7 +6042,7 @@
 </p:sld>
 </file>
 
-<file path=ppt/slides/slide7.xml><?xml version="1.0" encoding="utf-8"?>
+<file path=ppt/slides/slide8.xml><?xml version="1.0" encoding="utf-8"?>
 <p:sld xmlns:a="http://schemas.openxmlformats.org/drawingml/2006/main" xmlns:r="http://schemas.openxmlformats.org/officeDocument/2006/relationships" xmlns:p="http://schemas.openxmlformats.org/presentationml/2006/main">
   <p:cSld>
     <p:spTree>
@@ -5776,7 +6185,7 @@
 </p:sld>
 </file>
 
-<file path=ppt/slides/slide8.xml><?xml version="1.0" encoding="utf-8"?>
+<file path=ppt/slides/slide9.xml><?xml version="1.0" encoding="utf-8"?>
 <p:sld xmlns:a="http://schemas.openxmlformats.org/drawingml/2006/main" xmlns:r="http://schemas.openxmlformats.org/officeDocument/2006/relationships" xmlns:p="http://schemas.openxmlformats.org/presentationml/2006/main">
   <p:cSld>
     <p:spTree>
@@ -5947,258 +6356,6 @@
     <p:extLst>
       <p:ext uri="{BB962C8B-B14F-4D97-AF65-F5344CB8AC3E}">
         <p14:creationId xmlns:p14="http://schemas.microsoft.com/office/powerpoint/2010/main" val="1827753660"/>
-      </p:ext>
-    </p:extLst>
-  </p:cSld>
-  <p:clrMapOvr>
-    <a:masterClrMapping/>
-  </p:clrMapOvr>
-  <p:timing>
-    <p:tnLst>
-      <p:par>
-        <p:cTn id="1" dur="indefinite" restart="never" nodeType="tmRoot"/>
-      </p:par>
-    </p:tnLst>
-  </p:timing>
-</p:sld>
-</file>
-
-<file path=ppt/slides/slide9.xml><?xml version="1.0" encoding="utf-8"?>
-<p:sld xmlns:a="http://schemas.openxmlformats.org/drawingml/2006/main" xmlns:r="http://schemas.openxmlformats.org/officeDocument/2006/relationships" xmlns:p="http://schemas.openxmlformats.org/presentationml/2006/main">
-  <p:cSld>
-    <p:spTree>
-      <p:nvGrpSpPr>
-        <p:cNvPr id="1" name=""/>
-        <p:cNvGrpSpPr/>
-        <p:nvPr/>
-      </p:nvGrpSpPr>
-      <p:grpSpPr>
-        <a:xfrm>
-          <a:off x="0" y="0"/>
-          <a:ext cx="0" cy="0"/>
-          <a:chOff x="0" y="0"/>
-          <a:chExt cx="0" cy="0"/>
-        </a:xfrm>
-      </p:grpSpPr>
-      <p:sp>
-        <p:nvSpPr>
-          <p:cNvPr id="2" name="Title 1"/>
-          <p:cNvSpPr>
-            <a:spLocks noGrp="1"/>
-          </p:cNvSpPr>
-          <p:nvPr>
-            <p:ph type="ctrTitle"/>
-          </p:nvPr>
-        </p:nvSpPr>
-        <p:spPr>
-          <a:xfrm>
-            <a:off x="304800" y="152400"/>
-            <a:ext cx="8610600" cy="1447800"/>
-          </a:xfrm>
-        </p:spPr>
-        <p:txBody>
-          <a:bodyPr>
-            <a:normAutofit/>
-          </a:bodyPr>
-          <a:lstStyle/>
-          <a:p>
-            <a:pPr algn="l"/>
-            <a:r>
-              <a:rPr lang="en-US" dirty="0" smtClean="0">
-                <a:solidFill>
-                  <a:schemeClr val="bg1"/>
-                </a:solidFill>
-              </a:rPr>
-              <a:t>Method</a:t>
-            </a:r>
-            <a:endParaRPr lang="en-US" dirty="0">
-              <a:solidFill>
-                <a:schemeClr val="bg1"/>
-              </a:solidFill>
-            </a:endParaRPr>
-          </a:p>
-        </p:txBody>
-      </p:sp>
-      <p:sp>
-        <p:nvSpPr>
-          <p:cNvPr id="3" name="Subtitle 2"/>
-          <p:cNvSpPr>
-            <a:spLocks noGrp="1"/>
-          </p:cNvSpPr>
-          <p:nvPr>
-            <p:ph type="subTitle" idx="1"/>
-          </p:nvPr>
-        </p:nvSpPr>
-        <p:spPr>
-          <a:xfrm>
-            <a:off x="254758" y="1219200"/>
-            <a:ext cx="8660642" cy="5486400"/>
-          </a:xfrm>
-        </p:spPr>
-        <p:txBody>
-          <a:bodyPr>
-            <a:normAutofit fontScale="92500" lnSpcReduction="20000"/>
-          </a:bodyPr>
-          <a:lstStyle/>
-          <a:p>
-            <a:pPr marL="514350" indent="-514350" algn="l">
-              <a:buFont typeface="+mj-lt"/>
-              <a:buAutoNum type="arabicPeriod"/>
-            </a:pPr>
-            <a:r>
-              <a:rPr lang="en-US" sz="3100" dirty="0" smtClean="0">
-                <a:solidFill>
-                  <a:schemeClr val="bg1"/>
-                </a:solidFill>
-              </a:rPr>
-              <a:t>Multiple clients connect to a </a:t>
-            </a:r>
-            <a:r>
-              <a:rPr lang="en-US" sz="3100" dirty="0" err="1" smtClean="0">
-                <a:solidFill>
-                  <a:schemeClr val="bg1"/>
-                </a:solidFill>
-              </a:rPr>
-              <a:t>CipherChat</a:t>
-            </a:r>
-            <a:r>
-              <a:rPr lang="en-US" sz="3100" dirty="0" smtClean="0">
-                <a:solidFill>
-                  <a:schemeClr val="bg1"/>
-                </a:solidFill>
-              </a:rPr>
-              <a:t> server</a:t>
-            </a:r>
-          </a:p>
-          <a:p>
-            <a:pPr marL="514350" indent="-514350" algn="l">
-              <a:buFont typeface="+mj-lt"/>
-              <a:buAutoNum type="arabicPeriod"/>
-            </a:pPr>
-            <a:r>
-              <a:rPr lang="en-US" sz="3100" dirty="0" smtClean="0">
-                <a:solidFill>
-                  <a:schemeClr val="bg1"/>
-                </a:solidFill>
-              </a:rPr>
-              <a:t>Clients exchange public keys using ECDH</a:t>
-            </a:r>
-          </a:p>
-          <a:p>
-            <a:pPr marL="514350" indent="-514350" algn="l">
-              <a:buFont typeface="+mj-lt"/>
-              <a:buAutoNum type="arabicPeriod"/>
-            </a:pPr>
-            <a:r>
-              <a:rPr lang="en-US" sz="3100" dirty="0" smtClean="0">
-                <a:solidFill>
-                  <a:schemeClr val="bg1"/>
-                </a:solidFill>
-              </a:rPr>
-              <a:t>Messages are encrypted using the generated symmetric key and AES</a:t>
-            </a:r>
-          </a:p>
-          <a:p>
-            <a:pPr marL="514350" indent="-514350" algn="l">
-              <a:buFont typeface="+mj-lt"/>
-              <a:buAutoNum type="arabicPeriod"/>
-            </a:pPr>
-            <a:r>
-              <a:rPr lang="en-US" sz="3100" dirty="0" smtClean="0">
-                <a:solidFill>
-                  <a:schemeClr val="bg1"/>
-                </a:solidFill>
-              </a:rPr>
-              <a:t>Messages are signed using ECDSA Signing</a:t>
-            </a:r>
-          </a:p>
-          <a:p>
-            <a:pPr marL="514350" indent="-514350" algn="l">
-              <a:buFont typeface="+mj-lt"/>
-              <a:buAutoNum type="arabicPeriod"/>
-            </a:pPr>
-            <a:r>
-              <a:rPr lang="en-US" sz="3100" dirty="0" smtClean="0">
-                <a:solidFill>
-                  <a:schemeClr val="bg1"/>
-                </a:solidFill>
-              </a:rPr>
-              <a:t>The encrypted message is sent to the server</a:t>
-            </a:r>
-          </a:p>
-          <a:p>
-            <a:pPr marL="514350" indent="-514350" algn="l">
-              <a:buFont typeface="+mj-lt"/>
-              <a:buAutoNum type="arabicPeriod"/>
-            </a:pPr>
-            <a:r>
-              <a:rPr lang="en-US" sz="3100" dirty="0" smtClean="0">
-                <a:solidFill>
-                  <a:schemeClr val="bg1"/>
-                </a:solidFill>
-              </a:rPr>
-              <a:t>The server verifies the authenticity of the message using the signature (ECDSA Verification)</a:t>
-            </a:r>
-          </a:p>
-          <a:p>
-            <a:pPr marL="514350" indent="-514350" algn="l">
-              <a:buFont typeface="+mj-lt"/>
-              <a:buAutoNum type="arabicPeriod"/>
-            </a:pPr>
-            <a:r>
-              <a:rPr lang="en-US" sz="3100" dirty="0" smtClean="0">
-                <a:solidFill>
-                  <a:schemeClr val="bg1"/>
-                </a:solidFill>
-              </a:rPr>
-              <a:t>Server saves the authenticated message</a:t>
-            </a:r>
-          </a:p>
-          <a:p>
-            <a:pPr marL="514350" indent="-514350" algn="l">
-              <a:buFont typeface="+mj-lt"/>
-              <a:buAutoNum type="arabicPeriod"/>
-            </a:pPr>
-            <a:r>
-              <a:rPr lang="en-US" sz="3100" dirty="0" smtClean="0">
-                <a:solidFill>
-                  <a:schemeClr val="bg1"/>
-                </a:solidFill>
-              </a:rPr>
-              <a:t>The other peer(s) sends requests to the server and receive the latest messages</a:t>
-            </a:r>
-          </a:p>
-          <a:p>
-            <a:pPr marL="514350" indent="-514350" algn="l">
-              <a:buFont typeface="+mj-lt"/>
-              <a:buAutoNum type="arabicPeriod"/>
-            </a:pPr>
-            <a:r>
-              <a:rPr lang="en-US" sz="3100" dirty="0" smtClean="0">
-                <a:solidFill>
-                  <a:schemeClr val="bg1"/>
-                </a:solidFill>
-              </a:rPr>
-              <a:t>The received messages are decrypted using the symmetric key and AES</a:t>
-            </a:r>
-          </a:p>
-          <a:p>
-            <a:pPr marL="514350" indent="-514350" algn="l">
-              <a:buFont typeface="+mj-lt"/>
-              <a:buAutoNum type="arabicPeriod"/>
-            </a:pPr>
-            <a:endParaRPr lang="en-US" sz="3100" dirty="0">
-              <a:solidFill>
-                <a:schemeClr val="bg1"/>
-              </a:solidFill>
-            </a:endParaRPr>
-          </a:p>
-        </p:txBody>
-      </p:sp>
-    </p:spTree>
-    <p:extLst>
-      <p:ext uri="{BB962C8B-B14F-4D97-AF65-F5344CB8AC3E}">
-        <p14:creationId xmlns:p14="http://schemas.microsoft.com/office/powerpoint/2010/main" val="2357914262"/>
       </p:ext>
     </p:extLst>
   </p:cSld>

--- a/SWEN3004/CipherChat Presentation.pptx
+++ b/SWEN3004/CipherChat Presentation.pptx
@@ -18,9 +18,10 @@
     <p:sldId id="269" r:id="rId12"/>
     <p:sldId id="268" r:id="rId13"/>
     <p:sldId id="262" r:id="rId14"/>
-    <p:sldId id="264" r:id="rId15"/>
-    <p:sldId id="265" r:id="rId16"/>
-    <p:sldId id="266" r:id="rId17"/>
+    <p:sldId id="273" r:id="rId15"/>
+    <p:sldId id="272" r:id="rId16"/>
+    <p:sldId id="265" r:id="rId17"/>
+    <p:sldId id="266" r:id="rId18"/>
   </p:sldIdLst>
   <p:sldSz cx="9144000" cy="6858000" type="screen4x3"/>
   <p:notesSz cx="6858000" cy="9144000"/>
@@ -303,7 +304,7 @@
           <a:p>
             <a:fld id="{72E4B8C5-FDE9-40E7-A1FE-02759727A400}" type="datetimeFigureOut">
               <a:rPr lang="en-US" smtClean="0"/>
-              <a:t>5/16/2019</a:t>
+              <a:t>5/18/2019</a:t>
             </a:fld>
             <a:endParaRPr lang="en-US"/>
           </a:p>
@@ -473,7 +474,7 @@
           <a:p>
             <a:fld id="{72E4B8C5-FDE9-40E7-A1FE-02759727A400}" type="datetimeFigureOut">
               <a:rPr lang="en-US" smtClean="0"/>
-              <a:t>5/16/2019</a:t>
+              <a:t>5/18/2019</a:t>
             </a:fld>
             <a:endParaRPr lang="en-US"/>
           </a:p>
@@ -653,7 +654,7 @@
           <a:p>
             <a:fld id="{72E4B8C5-FDE9-40E7-A1FE-02759727A400}" type="datetimeFigureOut">
               <a:rPr lang="en-US" smtClean="0"/>
-              <a:t>5/16/2019</a:t>
+              <a:t>5/18/2019</a:t>
             </a:fld>
             <a:endParaRPr lang="en-US"/>
           </a:p>
@@ -823,7 +824,7 @@
           <a:p>
             <a:fld id="{72E4B8C5-FDE9-40E7-A1FE-02759727A400}" type="datetimeFigureOut">
               <a:rPr lang="en-US" smtClean="0"/>
-              <a:t>5/16/2019</a:t>
+              <a:t>5/18/2019</a:t>
             </a:fld>
             <a:endParaRPr lang="en-US"/>
           </a:p>
@@ -1069,7 +1070,7 @@
           <a:p>
             <a:fld id="{72E4B8C5-FDE9-40E7-A1FE-02759727A400}" type="datetimeFigureOut">
               <a:rPr lang="en-US" smtClean="0"/>
-              <a:t>5/16/2019</a:t>
+              <a:t>5/18/2019</a:t>
             </a:fld>
             <a:endParaRPr lang="en-US"/>
           </a:p>
@@ -1357,7 +1358,7 @@
           <a:p>
             <a:fld id="{72E4B8C5-FDE9-40E7-A1FE-02759727A400}" type="datetimeFigureOut">
               <a:rPr lang="en-US" smtClean="0"/>
-              <a:t>5/16/2019</a:t>
+              <a:t>5/18/2019</a:t>
             </a:fld>
             <a:endParaRPr lang="en-US"/>
           </a:p>
@@ -1779,7 +1780,7 @@
           <a:p>
             <a:fld id="{72E4B8C5-FDE9-40E7-A1FE-02759727A400}" type="datetimeFigureOut">
               <a:rPr lang="en-US" smtClean="0"/>
-              <a:t>5/16/2019</a:t>
+              <a:t>5/18/2019</a:t>
             </a:fld>
             <a:endParaRPr lang="en-US"/>
           </a:p>
@@ -1897,7 +1898,7 @@
           <a:p>
             <a:fld id="{72E4B8C5-FDE9-40E7-A1FE-02759727A400}" type="datetimeFigureOut">
               <a:rPr lang="en-US" smtClean="0"/>
-              <a:t>5/16/2019</a:t>
+              <a:t>5/18/2019</a:t>
             </a:fld>
             <a:endParaRPr lang="en-US"/>
           </a:p>
@@ -1992,7 +1993,7 @@
           <a:p>
             <a:fld id="{72E4B8C5-FDE9-40E7-A1FE-02759727A400}" type="datetimeFigureOut">
               <a:rPr lang="en-US" smtClean="0"/>
-              <a:t>5/16/2019</a:t>
+              <a:t>5/18/2019</a:t>
             </a:fld>
             <a:endParaRPr lang="en-US"/>
           </a:p>
@@ -2269,7 +2270,7 @@
           <a:p>
             <a:fld id="{72E4B8C5-FDE9-40E7-A1FE-02759727A400}" type="datetimeFigureOut">
               <a:rPr lang="en-US" smtClean="0"/>
-              <a:t>5/16/2019</a:t>
+              <a:t>5/18/2019</a:t>
             </a:fld>
             <a:endParaRPr lang="en-US"/>
           </a:p>
@@ -2522,7 +2523,7 @@
           <a:p>
             <a:fld id="{72E4B8C5-FDE9-40E7-A1FE-02759727A400}" type="datetimeFigureOut">
               <a:rPr lang="en-US" smtClean="0"/>
-              <a:t>5/16/2019</a:t>
+              <a:t>5/18/2019</a:t>
             </a:fld>
             <a:endParaRPr lang="en-US"/>
           </a:p>
@@ -2745,7 +2746,7 @@
           <a:p>
             <a:fld id="{72E4B8C5-FDE9-40E7-A1FE-02759727A400}" type="datetimeFigureOut">
               <a:rPr lang="en-US" smtClean="0"/>
-              <a:t>5/16/2019</a:t>
+              <a:t>5/18/2019</a:t>
             </a:fld>
             <a:endParaRPr lang="en-US"/>
           </a:p>
@@ -4366,8 +4367,8 @@
         </p:nvSpPr>
         <p:spPr>
           <a:xfrm>
-            <a:off x="0" y="2514600"/>
-            <a:ext cx="9144000" cy="1447800"/>
+            <a:off x="304800" y="152400"/>
+            <a:ext cx="8610600" cy="1447800"/>
           </a:xfrm>
         </p:spPr>
         <p:txBody>
@@ -4376,13 +4377,14 @@
           </a:bodyPr>
           <a:lstStyle/>
           <a:p>
+            <a:pPr algn="l"/>
             <a:r>
               <a:rPr lang="en-US" dirty="0" smtClean="0">
                 <a:solidFill>
                   <a:schemeClr val="bg1"/>
                 </a:solidFill>
               </a:rPr>
-              <a:t>Live Demonstration</a:t>
+              <a:t>Similar Software</a:t>
             </a:r>
             <a:endParaRPr lang="en-US" dirty="0">
               <a:solidFill>
@@ -4392,10 +4394,139 @@
           </a:p>
         </p:txBody>
       </p:sp>
+      <p:sp>
+        <p:nvSpPr>
+          <p:cNvPr id="3" name="Subtitle 2"/>
+          <p:cNvSpPr>
+            <a:spLocks noGrp="1"/>
+          </p:cNvSpPr>
+          <p:nvPr>
+            <p:ph type="subTitle" idx="1"/>
+          </p:nvPr>
+        </p:nvSpPr>
+        <p:spPr>
+          <a:xfrm>
+            <a:off x="304800" y="1295400"/>
+            <a:ext cx="8534400" cy="5181600"/>
+          </a:xfrm>
+        </p:spPr>
+        <p:txBody>
+          <a:bodyPr>
+            <a:normAutofit/>
+          </a:bodyPr>
+          <a:lstStyle/>
+          <a:p>
+            <a:pPr algn="l"/>
+            <a:r>
+              <a:rPr lang="en-US" sz="3100" dirty="0" smtClean="0">
+                <a:solidFill>
+                  <a:schemeClr val="bg1"/>
+                </a:solidFill>
+              </a:rPr>
+              <a:t>Extensible </a:t>
+            </a:r>
+            <a:r>
+              <a:rPr lang="en-US" sz="3100" dirty="0">
+                <a:solidFill>
+                  <a:schemeClr val="bg1"/>
+                </a:solidFill>
+              </a:rPr>
+              <a:t>Messaging and Presence Protocol (XMPP</a:t>
+            </a:r>
+            <a:r>
+              <a:rPr lang="en-US" sz="3100" dirty="0" smtClean="0">
+                <a:solidFill>
+                  <a:schemeClr val="bg1"/>
+                </a:solidFill>
+              </a:rPr>
+              <a:t>)</a:t>
+            </a:r>
+          </a:p>
+          <a:p>
+            <a:pPr marL="457200" indent="-457200" algn="l">
+              <a:buFont typeface="Arial" pitchFamily="34" charset="0"/>
+              <a:buChar char="•"/>
+            </a:pPr>
+            <a:r>
+              <a:rPr lang="en-US" sz="3100" dirty="0" smtClean="0">
+                <a:solidFill>
+                  <a:schemeClr val="bg1"/>
+                </a:solidFill>
+              </a:rPr>
+              <a:t>Uses XML instead of JSON</a:t>
+            </a:r>
+          </a:p>
+          <a:p>
+            <a:pPr marL="457200" indent="-457200" algn="l">
+              <a:buFont typeface="Arial" pitchFamily="34" charset="0"/>
+              <a:buChar char="•"/>
+            </a:pPr>
+            <a:r>
+              <a:rPr lang="en-US" sz="3100" dirty="0" smtClean="0">
+                <a:solidFill>
+                  <a:schemeClr val="bg1"/>
+                </a:solidFill>
+              </a:rPr>
+              <a:t>Developed in 1999</a:t>
+            </a:r>
+          </a:p>
+          <a:p>
+            <a:pPr marL="457200" indent="-457200" algn="l">
+              <a:buFont typeface="Arial" pitchFamily="34" charset="0"/>
+              <a:buChar char="•"/>
+            </a:pPr>
+            <a:r>
+              <a:rPr lang="en-US" sz="3100" dirty="0" smtClean="0">
+                <a:solidFill>
+                  <a:schemeClr val="bg1"/>
+                </a:solidFill>
+              </a:rPr>
+              <a:t>Used today (</a:t>
+            </a:r>
+            <a:r>
+              <a:rPr lang="en-US" sz="3100" dirty="0" err="1" smtClean="0">
+                <a:solidFill>
+                  <a:schemeClr val="bg1"/>
+                </a:solidFill>
+              </a:rPr>
+              <a:t>eg</a:t>
+            </a:r>
+            <a:r>
+              <a:rPr lang="en-US" sz="3100" dirty="0" smtClean="0">
+                <a:solidFill>
+                  <a:schemeClr val="bg1"/>
+                </a:solidFill>
+              </a:rPr>
+              <a:t>. </a:t>
+            </a:r>
+            <a:r>
+              <a:rPr lang="en-US" sz="3100" dirty="0" err="1" smtClean="0">
+                <a:solidFill>
+                  <a:schemeClr val="bg1"/>
+                </a:solidFill>
+              </a:rPr>
+              <a:t>Whatsapp</a:t>
+            </a:r>
+            <a:r>
+              <a:rPr lang="en-US" sz="3100" dirty="0" smtClean="0">
+                <a:solidFill>
+                  <a:schemeClr val="bg1"/>
+                </a:solidFill>
+              </a:rPr>
+              <a:t>)</a:t>
+            </a:r>
+            <a:endParaRPr lang="en-US" sz="3100" dirty="0">
+              <a:solidFill>
+                <a:schemeClr val="bg1"/>
+              </a:solidFill>
+            </a:endParaRPr>
+          </a:p>
+        </p:txBody>
+      </p:sp>
     </p:spTree>
     <p:extLst>
       <p:ext uri="{BB962C8B-B14F-4D97-AF65-F5344CB8AC3E}">
-        <p14:creationId xmlns:p14="http://schemas.microsoft.com/office/powerpoint/2010/main" val="2589255197"/>
+        <p14:creationId xmlns:p14="http://schemas.microsoft.com/office/powerpoint/2010/main" val="3683000876"/>
       </p:ext>
     </p:extLst>
   </p:cSld>
@@ -4441,6 +4572,81 @@
         </p:nvSpPr>
         <p:spPr>
           <a:xfrm>
+            <a:off x="0" y="2514600"/>
+            <a:ext cx="9144000" cy="1447800"/>
+          </a:xfrm>
+        </p:spPr>
+        <p:txBody>
+          <a:bodyPr>
+            <a:normAutofit/>
+          </a:bodyPr>
+          <a:lstStyle/>
+          <a:p>
+            <a:r>
+              <a:rPr lang="en-US" dirty="0" smtClean="0">
+                <a:solidFill>
+                  <a:schemeClr val="bg1"/>
+                </a:solidFill>
+              </a:rPr>
+              <a:t>Live Demonstration</a:t>
+            </a:r>
+            <a:endParaRPr lang="en-US" dirty="0">
+              <a:solidFill>
+                <a:schemeClr val="bg1"/>
+              </a:solidFill>
+            </a:endParaRPr>
+          </a:p>
+        </p:txBody>
+      </p:sp>
+    </p:spTree>
+    <p:extLst>
+      <p:ext uri="{BB962C8B-B14F-4D97-AF65-F5344CB8AC3E}">
+        <p14:creationId xmlns:p14="http://schemas.microsoft.com/office/powerpoint/2010/main" val="798290330"/>
+      </p:ext>
+    </p:extLst>
+  </p:cSld>
+  <p:clrMapOvr>
+    <a:masterClrMapping/>
+  </p:clrMapOvr>
+  <p:timing>
+    <p:tnLst>
+      <p:par>
+        <p:cTn id="1" dur="indefinite" restart="never" nodeType="tmRoot"/>
+      </p:par>
+    </p:tnLst>
+  </p:timing>
+</p:sld>
+</file>
+
+<file path=ppt/slides/slide16.xml><?xml version="1.0" encoding="utf-8"?>
+<p:sld xmlns:a="http://schemas.openxmlformats.org/drawingml/2006/main" xmlns:r="http://schemas.openxmlformats.org/officeDocument/2006/relationships" xmlns:p="http://schemas.openxmlformats.org/presentationml/2006/main">
+  <p:cSld>
+    <p:spTree>
+      <p:nvGrpSpPr>
+        <p:cNvPr id="1" name=""/>
+        <p:cNvGrpSpPr/>
+        <p:nvPr/>
+      </p:nvGrpSpPr>
+      <p:grpSpPr>
+        <a:xfrm>
+          <a:off x="0" y="0"/>
+          <a:ext cx="0" cy="0"/>
+          <a:chOff x="0" y="0"/>
+          <a:chExt cx="0" cy="0"/>
+        </a:xfrm>
+      </p:grpSpPr>
+      <p:sp>
+        <p:nvSpPr>
+          <p:cNvPr id="2" name="Title 1"/>
+          <p:cNvSpPr>
+            <a:spLocks noGrp="1"/>
+          </p:cNvSpPr>
+          <p:nvPr>
+            <p:ph type="ctrTitle"/>
+          </p:nvPr>
+        </p:nvSpPr>
+        <p:spPr>
+          <a:xfrm>
             <a:off x="304800" y="152400"/>
             <a:ext cx="8610600" cy="1447800"/>
           </a:xfrm>
@@ -4486,7 +4692,7 @@
         </p:spPr>
         <p:txBody>
           <a:bodyPr>
-            <a:normAutofit/>
+            <a:normAutofit lnSpcReduction="10000"/>
           </a:bodyPr>
           <a:lstStyle/>
           <a:p>
@@ -4639,23 +4845,45 @@
                   <a:schemeClr val="bg1"/>
                 </a:solidFill>
               </a:rPr>
-              <a:t>for the parsing of more complex data such as images </a:t>
-            </a:r>
-            <a:r>
-              <a:rPr lang="en-US" sz="3100">
-                <a:solidFill>
-                  <a:schemeClr val="bg1"/>
-                </a:solidFill>
-              </a:rPr>
-              <a:t>and </a:t>
-            </a:r>
-            <a:r>
-              <a:rPr lang="en-US" sz="3100" smtClean="0">
+              <a:t>for the parsing of more complex data such as images and </a:t>
+            </a:r>
+            <a:r>
+              <a:rPr lang="en-US" sz="3100" dirty="0" smtClean="0">
                 <a:solidFill>
                   <a:schemeClr val="bg1"/>
                 </a:solidFill>
               </a:rPr>
               <a:t>videos</a:t>
+            </a:r>
+          </a:p>
+          <a:p>
+            <a:pPr marL="514350" indent="-514350" algn="l">
+              <a:buFont typeface="+mj-lt"/>
+              <a:buAutoNum type="arabicPeriod"/>
+            </a:pPr>
+            <a:r>
+              <a:rPr lang="en-US" sz="3100" dirty="0" smtClean="0">
+                <a:solidFill>
+                  <a:schemeClr val="bg1"/>
+                </a:solidFill>
+              </a:rPr>
+              <a:t>Implement broadcast method to broadcast messages to other </a:t>
+            </a:r>
+            <a:r>
+              <a:rPr lang="en-US" sz="3100" dirty="0" err="1" smtClean="0">
+                <a:solidFill>
+                  <a:schemeClr val="bg1"/>
+                </a:solidFill>
+              </a:rPr>
+              <a:t>CipherChat</a:t>
+            </a:r>
+            <a:r>
+              <a:rPr lang="en-US" sz="3100" dirty="0" smtClean="0">
+                <a:solidFill>
+                  <a:schemeClr val="bg1"/>
+                </a:solidFill>
+              </a:rPr>
+              <a:t> nodes</a:t>
             </a:r>
             <a:endParaRPr lang="en-US" sz="3100" dirty="0" smtClean="0">
               <a:solidFill>
@@ -4696,7 +4924,7 @@
 </p:sld>
 </file>
 
-<file path=ppt/slides/slide16.xml><?xml version="1.0" encoding="utf-8"?>
+<file path=ppt/slides/slide17.xml><?xml version="1.0" encoding="utf-8"?>
 <p:sld xmlns:a="http://schemas.openxmlformats.org/drawingml/2006/main" xmlns:r="http://schemas.openxmlformats.org/officeDocument/2006/relationships" xmlns:p="http://schemas.openxmlformats.org/presentationml/2006/main">
   <p:cSld>
     <p:spTree>
@@ -5518,7 +5746,7 @@
       </p:sp>
       <p:pic>
         <p:nvPicPr>
-          <p:cNvPr id="4" name="Picture 3"/>
+          <p:cNvPr id="5" name="Picture 4"/>
           <p:cNvPicPr>
             <a:picLocks noChangeAspect="1"/>
           </p:cNvPicPr>
@@ -5538,8 +5766,8 @@
         </p:blipFill>
         <p:spPr>
           <a:xfrm>
-            <a:off x="457200" y="1736678"/>
-            <a:ext cx="8309905" cy="4872251"/>
+            <a:off x="457200" y="1701636"/>
+            <a:ext cx="8287603" cy="4927764"/>
           </a:xfrm>
           <a:prstGeom prst="rect">
             <a:avLst/>

--- a/SWEN3004/CipherChat Presentation.pptx
+++ b/SWEN3004/CipherChat Presentation.pptx
@@ -4418,7 +4418,7 @@
           <a:p>
             <a:pPr algn="l"/>
             <a:r>
-              <a:rPr lang="en-US" sz="3100" dirty="0" smtClean="0">
+              <a:rPr lang="en-US" sz="3100" u="sng" dirty="0" smtClean="0">
                 <a:solidFill>
                   <a:schemeClr val="bg1"/>
                 </a:solidFill>
@@ -4426,7 +4426,7 @@
               <a:t>Extensible </a:t>
             </a:r>
             <a:r>
-              <a:rPr lang="en-US" sz="3100" dirty="0">
+              <a:rPr lang="en-US" sz="3100" u="sng" dirty="0">
                 <a:solidFill>
                   <a:schemeClr val="bg1"/>
                 </a:solidFill>
@@ -4434,7 +4434,7 @@
               <a:t>Messaging and Presence Protocol (XMPP</a:t>
             </a:r>
             <a:r>
-              <a:rPr lang="en-US" sz="3100" dirty="0" smtClean="0">
+              <a:rPr lang="en-US" sz="3100" u="sng" dirty="0" smtClean="0">
                 <a:solidFill>
                   <a:schemeClr val="bg1"/>
                 </a:solidFill>
@@ -4687,12 +4687,12 @@
         <p:spPr>
           <a:xfrm>
             <a:off x="304800" y="1219200"/>
-            <a:ext cx="8839200" cy="5410200"/>
+            <a:ext cx="8839200" cy="5638800"/>
           </a:xfrm>
         </p:spPr>
         <p:txBody>
           <a:bodyPr>
-            <a:normAutofit lnSpcReduction="10000"/>
+            <a:normAutofit fontScale="92500" lnSpcReduction="10000"/>
           </a:bodyPr>
           <a:lstStyle/>
           <a:p>
@@ -4867,7 +4867,31 @@
                   <a:schemeClr val="bg1"/>
                 </a:solidFill>
               </a:rPr>
-              <a:t>Implement broadcast method to broadcast messages to other </a:t>
+              <a:t>Implement a </a:t>
+            </a:r>
+            <a:r>
+              <a:rPr lang="en-US" sz="3100" dirty="0" smtClean="0">
+                <a:solidFill>
+                  <a:schemeClr val="bg1"/>
+                </a:solidFill>
+              </a:rPr>
+              <a:t>broadcast method to </a:t>
+            </a:r>
+            <a:r>
+              <a:rPr lang="en-US" sz="3100" dirty="0" smtClean="0">
+                <a:solidFill>
+                  <a:schemeClr val="bg1"/>
+                </a:solidFill>
+              </a:rPr>
+              <a:t>transfer messages </a:t>
+            </a:r>
+            <a:r>
+              <a:rPr lang="en-US" sz="3100" dirty="0" smtClean="0">
+                <a:solidFill>
+                  <a:schemeClr val="bg1"/>
+                </a:solidFill>
+              </a:rPr>
+              <a:t>to other </a:t>
             </a:r>
             <a:r>
               <a:rPr lang="en-US" sz="3100" dirty="0" err="1" smtClean="0">
@@ -4883,7 +4907,37 @@
                   <a:schemeClr val="bg1"/>
                 </a:solidFill>
               </a:rPr>
-              <a:t> nodes</a:t>
+              <a:t> </a:t>
+            </a:r>
+            <a:r>
+              <a:rPr lang="en-US" sz="3100" dirty="0" smtClean="0">
+                <a:solidFill>
+                  <a:schemeClr val="bg1"/>
+                </a:solidFill>
+              </a:rPr>
+              <a:t>nodes</a:t>
+            </a:r>
+          </a:p>
+          <a:p>
+            <a:pPr marL="514350" indent="-514350" algn="l">
+              <a:buFont typeface="+mj-lt"/>
+              <a:buAutoNum type="arabicPeriod"/>
+            </a:pPr>
+            <a:r>
+              <a:rPr lang="en-US" sz="3100" smtClean="0">
+                <a:solidFill>
+                  <a:schemeClr val="bg1"/>
+                </a:solidFill>
+              </a:rPr>
+              <a:t>Research into DDOS </a:t>
+            </a:r>
+            <a:r>
+              <a:rPr lang="en-US" sz="3100" dirty="0" smtClean="0">
+                <a:solidFill>
+                  <a:schemeClr val="bg1"/>
+                </a:solidFill>
+              </a:rPr>
+              <a:t>protection mechanisms</a:t>
             </a:r>
             <a:endParaRPr lang="en-US" sz="3100" dirty="0" smtClean="0">
               <a:solidFill>
@@ -6338,8 +6392,8 @@
         </p:nvSpPr>
         <p:spPr>
           <a:xfrm>
-            <a:off x="152400" y="5029200"/>
-            <a:ext cx="8839200" cy="1828800"/>
+            <a:off x="76200" y="5029200"/>
+            <a:ext cx="8915400" cy="1828800"/>
           </a:xfrm>
         </p:spPr>
         <p:txBody>
@@ -6354,7 +6408,31 @@
                   <a:schemeClr val="bg1"/>
                 </a:solidFill>
               </a:rPr>
-              <a:t>Decentralization creates a system which naturally more reliable and allows average individuals to benefit, rather than a single entity.</a:t>
+              <a:t>Decentralization creates a </a:t>
+            </a:r>
+            <a:r>
+              <a:rPr lang="en-US" sz="3100" dirty="0" smtClean="0">
+                <a:solidFill>
+                  <a:schemeClr val="bg1"/>
+                </a:solidFill>
+              </a:rPr>
+              <a:t>network which </a:t>
+            </a:r>
+            <a:r>
+              <a:rPr lang="en-US" sz="3100" dirty="0" smtClean="0">
+                <a:solidFill>
+                  <a:schemeClr val="bg1"/>
+                </a:solidFill>
+              </a:rPr>
+              <a:t>naturally more </a:t>
+            </a:r>
+            <a:r>
+              <a:rPr lang="en-US" sz="3100" dirty="0" smtClean="0">
+                <a:solidFill>
+                  <a:schemeClr val="bg1"/>
+                </a:solidFill>
+              </a:rPr>
+              <a:t>stable and accessible. Using digital signatures, the authenticity of messages can be verified</a:t>
             </a:r>
             <a:endParaRPr lang="en-US" sz="3100" dirty="0">
               <a:solidFill>
